--- a/Presentación.pptx
+++ b/Presentación.pptx
@@ -11,14 +11,15 @@
     <p:sldId id="259" r:id="rId5"/>
     <p:sldId id="260" r:id="rId6"/>
     <p:sldId id="261" r:id="rId7"/>
-    <p:sldId id="262" r:id="rId8"/>
-    <p:sldId id="264" r:id="rId9"/>
-    <p:sldId id="265" r:id="rId10"/>
-    <p:sldId id="266" r:id="rId11"/>
-    <p:sldId id="267" r:id="rId12"/>
-    <p:sldId id="268" r:id="rId13"/>
-    <p:sldId id="269" r:id="rId14"/>
-    <p:sldId id="263" r:id="rId15"/>
+    <p:sldId id="270" r:id="rId8"/>
+    <p:sldId id="262" r:id="rId9"/>
+    <p:sldId id="264" r:id="rId10"/>
+    <p:sldId id="265" r:id="rId11"/>
+    <p:sldId id="266" r:id="rId12"/>
+    <p:sldId id="267" r:id="rId13"/>
+    <p:sldId id="268" r:id="rId14"/>
+    <p:sldId id="269" r:id="rId15"/>
+    <p:sldId id="263" r:id="rId16"/>
   </p:sldIdLst>
   <p:sldSz cx="12192000" cy="6858000"/>
   <p:notesSz cx="6858000" cy="9144000"/>
@@ -117,6 +118,11 @@
       </a:defRPr>
     </a:lvl9pPr>
   </p:defaultTextStyle>
+  <p:extLst>
+    <p:ext uri="{EFAFB233-063F-42B5-8137-9DF3F51BA10A}">
+      <p15:sldGuideLst xmlns:p15="http://schemas.microsoft.com/office/powerpoint/2012/main"/>
+    </p:ext>
+  </p:extLst>
 </p:presentation>
 </file>
 
@@ -868,6 +874,925 @@
   <dgm:styleLbl name="fgShp">
     <dgm:fillClrLst meth="repeat">
       <a:schemeClr val="accent5">
+        <a:tint val="40000"/>
+      </a:schemeClr>
+    </dgm:fillClrLst>
+    <dgm:linClrLst meth="repeat">
+      <a:schemeClr val="lt1"/>
+    </dgm:linClrLst>
+    <dgm:effectClrLst/>
+    <dgm:txLinClrLst/>
+    <dgm:txFillClrLst meth="repeat">
+      <a:schemeClr val="dk1"/>
+    </dgm:txFillClrLst>
+    <dgm:txEffectClrLst/>
+  </dgm:styleLbl>
+  <dgm:styleLbl name="revTx">
+    <dgm:fillClrLst meth="repeat">
+      <a:schemeClr val="lt1">
+        <a:alpha val="0"/>
+      </a:schemeClr>
+    </dgm:fillClrLst>
+    <dgm:linClrLst meth="repeat">
+      <a:schemeClr val="dk1">
+        <a:alpha val="0"/>
+      </a:schemeClr>
+    </dgm:linClrLst>
+    <dgm:effectClrLst/>
+    <dgm:txLinClrLst/>
+    <dgm:txFillClrLst meth="repeat">
+      <a:schemeClr val="tx1"/>
+    </dgm:txFillClrLst>
+    <dgm:txEffectClrLst/>
+  </dgm:styleLbl>
+</dgm:colorsDef>
+</file>
+
+<file path=ppt/diagrams/colors2.xml><?xml version="1.0" encoding="utf-8"?>
+<dgm:colorsDef xmlns:dgm="http://schemas.openxmlformats.org/drawingml/2006/diagram" xmlns:a="http://schemas.openxmlformats.org/drawingml/2006/main" uniqueId="urn:microsoft.com/office/officeart/2005/8/colors/colorful1">
+  <dgm:title val=""/>
+  <dgm:desc val=""/>
+  <dgm:catLst>
+    <dgm:cat type="colorful" pri="10100"/>
+  </dgm:catLst>
+  <dgm:styleLbl name="node0">
+    <dgm:fillClrLst meth="repeat">
+      <a:schemeClr val="accent1"/>
+    </dgm:fillClrLst>
+    <dgm:linClrLst meth="repeat">
+      <a:schemeClr val="lt1"/>
+    </dgm:linClrLst>
+    <dgm:effectClrLst/>
+    <dgm:txLinClrLst/>
+    <dgm:txFillClrLst/>
+    <dgm:txEffectClrLst/>
+  </dgm:styleLbl>
+  <dgm:styleLbl name="node1">
+    <dgm:fillClrLst meth="repeat">
+      <a:schemeClr val="accent2"/>
+      <a:schemeClr val="accent3"/>
+      <a:schemeClr val="accent4"/>
+      <a:schemeClr val="accent5"/>
+      <a:schemeClr val="accent6"/>
+    </dgm:fillClrLst>
+    <dgm:linClrLst meth="repeat">
+      <a:schemeClr val="lt1"/>
+    </dgm:linClrLst>
+    <dgm:effectClrLst/>
+    <dgm:txLinClrLst/>
+    <dgm:txFillClrLst/>
+    <dgm:txEffectClrLst/>
+  </dgm:styleLbl>
+  <dgm:styleLbl name="alignNode1">
+    <dgm:fillClrLst meth="repeat">
+      <a:schemeClr val="accent2"/>
+      <a:schemeClr val="accent3"/>
+      <a:schemeClr val="accent4"/>
+      <a:schemeClr val="accent5"/>
+      <a:schemeClr val="accent6"/>
+    </dgm:fillClrLst>
+    <dgm:linClrLst meth="repeat">
+      <a:schemeClr val="accent2"/>
+      <a:schemeClr val="accent3"/>
+      <a:schemeClr val="accent4"/>
+      <a:schemeClr val="accent5"/>
+      <a:schemeClr val="accent6"/>
+    </dgm:linClrLst>
+    <dgm:effectClrLst/>
+    <dgm:txLinClrLst/>
+    <dgm:txFillClrLst/>
+    <dgm:txEffectClrLst/>
+  </dgm:styleLbl>
+  <dgm:styleLbl name="lnNode1">
+    <dgm:fillClrLst meth="repeat">
+      <a:schemeClr val="accent2"/>
+      <a:schemeClr val="accent3"/>
+      <a:schemeClr val="accent4"/>
+      <a:schemeClr val="accent5"/>
+      <a:schemeClr val="accent6"/>
+    </dgm:fillClrLst>
+    <dgm:linClrLst meth="repeat">
+      <a:schemeClr val="lt1"/>
+    </dgm:linClrLst>
+    <dgm:effectClrLst/>
+    <dgm:txLinClrLst/>
+    <dgm:txFillClrLst/>
+    <dgm:txEffectClrLst/>
+  </dgm:styleLbl>
+  <dgm:styleLbl name="vennNode1">
+    <dgm:fillClrLst meth="repeat">
+      <a:schemeClr val="accent2">
+        <a:alpha val="50000"/>
+      </a:schemeClr>
+      <a:schemeClr val="accent3">
+        <a:alpha val="50000"/>
+      </a:schemeClr>
+      <a:schemeClr val="accent4">
+        <a:alpha val="50000"/>
+      </a:schemeClr>
+      <a:schemeClr val="accent5">
+        <a:alpha val="50000"/>
+      </a:schemeClr>
+      <a:schemeClr val="accent6">
+        <a:alpha val="50000"/>
+      </a:schemeClr>
+    </dgm:fillClrLst>
+    <dgm:linClrLst meth="repeat">
+      <a:schemeClr val="lt1"/>
+    </dgm:linClrLst>
+    <dgm:effectClrLst/>
+    <dgm:txLinClrLst/>
+    <dgm:txFillClrLst/>
+    <dgm:txEffectClrLst/>
+  </dgm:styleLbl>
+  <dgm:styleLbl name="node2">
+    <dgm:fillClrLst>
+      <a:schemeClr val="accent2"/>
+    </dgm:fillClrLst>
+    <dgm:linClrLst meth="repeat">
+      <a:schemeClr val="lt1"/>
+    </dgm:linClrLst>
+    <dgm:effectClrLst/>
+    <dgm:txLinClrLst/>
+    <dgm:txFillClrLst/>
+    <dgm:txEffectClrLst/>
+  </dgm:styleLbl>
+  <dgm:styleLbl name="node3">
+    <dgm:fillClrLst>
+      <a:schemeClr val="accent3"/>
+    </dgm:fillClrLst>
+    <dgm:linClrLst meth="repeat">
+      <a:schemeClr val="lt1"/>
+    </dgm:linClrLst>
+    <dgm:effectClrLst/>
+    <dgm:txLinClrLst/>
+    <dgm:txFillClrLst/>
+    <dgm:txEffectClrLst/>
+  </dgm:styleLbl>
+  <dgm:styleLbl name="node4">
+    <dgm:fillClrLst>
+      <a:schemeClr val="accent4"/>
+    </dgm:fillClrLst>
+    <dgm:linClrLst meth="repeat">
+      <a:schemeClr val="lt1"/>
+    </dgm:linClrLst>
+    <dgm:effectClrLst/>
+    <dgm:txLinClrLst/>
+    <dgm:txFillClrLst/>
+    <dgm:txEffectClrLst/>
+  </dgm:styleLbl>
+  <dgm:styleLbl name="fgImgPlace1">
+    <dgm:fillClrLst meth="repeat">
+      <a:schemeClr val="accent2">
+        <a:tint val="50000"/>
+      </a:schemeClr>
+      <a:schemeClr val="accent3">
+        <a:tint val="50000"/>
+      </a:schemeClr>
+      <a:schemeClr val="accent4">
+        <a:tint val="50000"/>
+      </a:schemeClr>
+      <a:schemeClr val="accent5">
+        <a:tint val="50000"/>
+      </a:schemeClr>
+      <a:schemeClr val="accent6">
+        <a:tint val="50000"/>
+      </a:schemeClr>
+    </dgm:fillClrLst>
+    <dgm:linClrLst meth="repeat">
+      <a:schemeClr val="lt1"/>
+    </dgm:linClrLst>
+    <dgm:effectClrLst/>
+    <dgm:txLinClrLst/>
+    <dgm:txFillClrLst meth="repeat">
+      <a:schemeClr val="lt1"/>
+    </dgm:txFillClrLst>
+    <dgm:txEffectClrLst/>
+  </dgm:styleLbl>
+  <dgm:styleLbl name="alignImgPlace1">
+    <dgm:fillClrLst>
+      <a:schemeClr val="accent1">
+        <a:tint val="50000"/>
+      </a:schemeClr>
+      <a:schemeClr val="accent2">
+        <a:tint val="20000"/>
+      </a:schemeClr>
+    </dgm:fillClrLst>
+    <dgm:linClrLst meth="repeat">
+      <a:schemeClr val="lt1"/>
+    </dgm:linClrLst>
+    <dgm:effectClrLst/>
+    <dgm:txLinClrLst/>
+    <dgm:txFillClrLst meth="repeat">
+      <a:schemeClr val="lt1"/>
+    </dgm:txFillClrLst>
+    <dgm:txEffectClrLst/>
+  </dgm:styleLbl>
+  <dgm:styleLbl name="bgImgPlace1">
+    <dgm:fillClrLst>
+      <a:schemeClr val="accent1">
+        <a:tint val="50000"/>
+      </a:schemeClr>
+      <a:schemeClr val="accent2">
+        <a:tint val="20000"/>
+      </a:schemeClr>
+    </dgm:fillClrLst>
+    <dgm:linClrLst meth="repeat">
+      <a:schemeClr val="lt1"/>
+    </dgm:linClrLst>
+    <dgm:effectClrLst/>
+    <dgm:txLinClrLst/>
+    <dgm:txFillClrLst meth="repeat">
+      <a:schemeClr val="lt1"/>
+    </dgm:txFillClrLst>
+    <dgm:txEffectClrLst/>
+  </dgm:styleLbl>
+  <dgm:styleLbl name="sibTrans2D1">
+    <dgm:fillClrLst meth="repeat">
+      <a:schemeClr val="accent2"/>
+      <a:schemeClr val="accent3"/>
+      <a:schemeClr val="accent4"/>
+      <a:schemeClr val="accent5"/>
+      <a:schemeClr val="accent6"/>
+    </dgm:fillClrLst>
+    <dgm:linClrLst meth="cycle">
+      <a:schemeClr val="lt1"/>
+    </dgm:linClrLst>
+    <dgm:effectClrLst/>
+    <dgm:txLinClrLst/>
+    <dgm:txFillClrLst/>
+    <dgm:txEffectClrLst/>
+  </dgm:styleLbl>
+  <dgm:styleLbl name="fgSibTrans2D1">
+    <dgm:fillClrLst meth="repeat">
+      <a:schemeClr val="accent2"/>
+      <a:schemeClr val="accent3"/>
+      <a:schemeClr val="accent4"/>
+      <a:schemeClr val="accent5"/>
+      <a:schemeClr val="accent6"/>
+    </dgm:fillClrLst>
+    <dgm:linClrLst meth="cycle">
+      <a:schemeClr val="lt1"/>
+    </dgm:linClrLst>
+    <dgm:effectClrLst/>
+    <dgm:txLinClrLst/>
+    <dgm:txFillClrLst meth="repeat">
+      <a:schemeClr val="lt1"/>
+    </dgm:txFillClrLst>
+    <dgm:txEffectClrLst/>
+  </dgm:styleLbl>
+  <dgm:styleLbl name="bgSibTrans2D1">
+    <dgm:fillClrLst meth="repeat">
+      <a:schemeClr val="accent2"/>
+      <a:schemeClr val="accent3"/>
+      <a:schemeClr val="accent4"/>
+      <a:schemeClr val="accent5"/>
+      <a:schemeClr val="accent6"/>
+    </dgm:fillClrLst>
+    <dgm:linClrLst meth="cycle">
+      <a:schemeClr val="lt1"/>
+    </dgm:linClrLst>
+    <dgm:effectClrLst/>
+    <dgm:txLinClrLst/>
+    <dgm:txFillClrLst meth="repeat">
+      <a:schemeClr val="lt1"/>
+    </dgm:txFillClrLst>
+    <dgm:txEffectClrLst/>
+  </dgm:styleLbl>
+  <dgm:styleLbl name="sibTrans1D1">
+    <dgm:fillClrLst meth="repeat">
+      <a:schemeClr val="accent2"/>
+      <a:schemeClr val="accent3"/>
+      <a:schemeClr val="accent4"/>
+      <a:schemeClr val="accent5"/>
+      <a:schemeClr val="accent6"/>
+    </dgm:fillClrLst>
+    <dgm:linClrLst meth="repeat">
+      <a:schemeClr val="accent2"/>
+      <a:schemeClr val="accent3"/>
+      <a:schemeClr val="accent4"/>
+      <a:schemeClr val="accent5"/>
+      <a:schemeClr val="accent6"/>
+    </dgm:linClrLst>
+    <dgm:effectClrLst/>
+    <dgm:txLinClrLst/>
+    <dgm:txFillClrLst meth="repeat">
+      <a:schemeClr val="tx1"/>
+    </dgm:txFillClrLst>
+    <dgm:txEffectClrLst/>
+  </dgm:styleLbl>
+  <dgm:styleLbl name="callout">
+    <dgm:fillClrLst meth="repeat">
+      <a:schemeClr val="accent2"/>
+    </dgm:fillClrLst>
+    <dgm:linClrLst meth="repeat">
+      <a:schemeClr val="accent2">
+        <a:tint val="50000"/>
+      </a:schemeClr>
+    </dgm:linClrLst>
+    <dgm:effectClrLst/>
+    <dgm:txLinClrLst/>
+    <dgm:txFillClrLst meth="repeat">
+      <a:schemeClr val="tx1"/>
+    </dgm:txFillClrLst>
+    <dgm:txEffectClrLst/>
+  </dgm:styleLbl>
+  <dgm:styleLbl name="asst0">
+    <dgm:fillClrLst meth="repeat">
+      <a:schemeClr val="accent1"/>
+    </dgm:fillClrLst>
+    <dgm:linClrLst meth="repeat">
+      <a:schemeClr val="lt1"/>
+    </dgm:linClrLst>
+    <dgm:effectClrLst/>
+    <dgm:txLinClrLst/>
+    <dgm:txFillClrLst/>
+    <dgm:txEffectClrLst/>
+  </dgm:styleLbl>
+  <dgm:styleLbl name="asst1">
+    <dgm:fillClrLst meth="repeat">
+      <a:schemeClr val="accent2"/>
+    </dgm:fillClrLst>
+    <dgm:linClrLst meth="repeat">
+      <a:schemeClr val="lt1"/>
+    </dgm:linClrLst>
+    <dgm:effectClrLst/>
+    <dgm:txLinClrLst/>
+    <dgm:txFillClrLst/>
+    <dgm:txEffectClrLst/>
+  </dgm:styleLbl>
+  <dgm:styleLbl name="asst2">
+    <dgm:fillClrLst>
+      <a:schemeClr val="accent3"/>
+    </dgm:fillClrLst>
+    <dgm:linClrLst meth="repeat">
+      <a:schemeClr val="lt1"/>
+    </dgm:linClrLst>
+    <dgm:effectClrLst/>
+    <dgm:txLinClrLst/>
+    <dgm:txFillClrLst/>
+    <dgm:txEffectClrLst/>
+  </dgm:styleLbl>
+  <dgm:styleLbl name="asst3">
+    <dgm:fillClrLst>
+      <a:schemeClr val="accent4"/>
+    </dgm:fillClrLst>
+    <dgm:linClrLst meth="repeat">
+      <a:schemeClr val="lt1"/>
+    </dgm:linClrLst>
+    <dgm:effectClrLst/>
+    <dgm:txLinClrLst/>
+    <dgm:txFillClrLst/>
+    <dgm:txEffectClrLst/>
+  </dgm:styleLbl>
+  <dgm:styleLbl name="asst4">
+    <dgm:fillClrLst>
+      <a:schemeClr val="accent5"/>
+    </dgm:fillClrLst>
+    <dgm:linClrLst meth="repeat">
+      <a:schemeClr val="lt1"/>
+    </dgm:linClrLst>
+    <dgm:effectClrLst/>
+    <dgm:txLinClrLst/>
+    <dgm:txFillClrLst/>
+    <dgm:txEffectClrLst/>
+  </dgm:styleLbl>
+  <dgm:styleLbl name="parChTrans2D1">
+    <dgm:fillClrLst meth="repeat">
+      <a:schemeClr val="accent2"/>
+    </dgm:fillClrLst>
+    <dgm:linClrLst meth="repeat">
+      <a:schemeClr val="lt1"/>
+    </dgm:linClrLst>
+    <dgm:effectClrLst/>
+    <dgm:txLinClrLst/>
+    <dgm:txFillClrLst meth="repeat">
+      <a:schemeClr val="lt1"/>
+    </dgm:txFillClrLst>
+    <dgm:txEffectClrLst/>
+  </dgm:styleLbl>
+  <dgm:styleLbl name="parChTrans2D2">
+    <dgm:fillClrLst meth="repeat">
+      <a:schemeClr val="accent3"/>
+    </dgm:fillClrLst>
+    <dgm:linClrLst meth="repeat">
+      <a:schemeClr val="lt1"/>
+    </dgm:linClrLst>
+    <dgm:effectClrLst/>
+    <dgm:txLinClrLst/>
+    <dgm:txFillClrLst/>
+    <dgm:txEffectClrLst/>
+  </dgm:styleLbl>
+  <dgm:styleLbl name="parChTrans2D3">
+    <dgm:fillClrLst meth="repeat">
+      <a:schemeClr val="accent4"/>
+    </dgm:fillClrLst>
+    <dgm:linClrLst meth="repeat">
+      <a:schemeClr val="lt1"/>
+    </dgm:linClrLst>
+    <dgm:effectClrLst/>
+    <dgm:txLinClrLst/>
+    <dgm:txFillClrLst/>
+    <dgm:txEffectClrLst/>
+  </dgm:styleLbl>
+  <dgm:styleLbl name="parChTrans2D4">
+    <dgm:fillClrLst meth="repeat">
+      <a:schemeClr val="accent5"/>
+    </dgm:fillClrLst>
+    <dgm:linClrLst meth="repeat">
+      <a:schemeClr val="lt1"/>
+    </dgm:linClrLst>
+    <dgm:effectClrLst/>
+    <dgm:txLinClrLst/>
+    <dgm:txFillClrLst meth="repeat">
+      <a:schemeClr val="lt1"/>
+    </dgm:txFillClrLst>
+    <dgm:txEffectClrLst/>
+  </dgm:styleLbl>
+  <dgm:styleLbl name="parChTrans1D1">
+    <dgm:fillClrLst meth="repeat">
+      <a:schemeClr val="accent2"/>
+    </dgm:fillClrLst>
+    <dgm:linClrLst meth="repeat">
+      <a:schemeClr val="accent1"/>
+    </dgm:linClrLst>
+    <dgm:effectClrLst/>
+    <dgm:txLinClrLst/>
+    <dgm:txFillClrLst meth="repeat">
+      <a:schemeClr val="tx1"/>
+    </dgm:txFillClrLst>
+    <dgm:txEffectClrLst/>
+  </dgm:styleLbl>
+  <dgm:styleLbl name="parChTrans1D2">
+    <dgm:fillClrLst meth="repeat">
+      <a:schemeClr val="accent3">
+        <a:tint val="90000"/>
+      </a:schemeClr>
+    </dgm:fillClrLst>
+    <dgm:linClrLst meth="repeat">
+      <a:schemeClr val="accent2"/>
+    </dgm:linClrLst>
+    <dgm:effectClrLst/>
+    <dgm:txLinClrLst/>
+    <dgm:txFillClrLst meth="repeat">
+      <a:schemeClr val="tx1"/>
+    </dgm:txFillClrLst>
+    <dgm:txEffectClrLst/>
+  </dgm:styleLbl>
+  <dgm:styleLbl name="parChTrans1D3">
+    <dgm:fillClrLst meth="repeat">
+      <a:schemeClr val="accent4">
+        <a:tint val="70000"/>
+      </a:schemeClr>
+    </dgm:fillClrLst>
+    <dgm:linClrLst meth="repeat">
+      <a:schemeClr val="accent3"/>
+    </dgm:linClrLst>
+    <dgm:effectClrLst/>
+    <dgm:txLinClrLst/>
+    <dgm:txFillClrLst meth="repeat">
+      <a:schemeClr val="tx1"/>
+    </dgm:txFillClrLst>
+    <dgm:txEffectClrLst/>
+  </dgm:styleLbl>
+  <dgm:styleLbl name="parChTrans1D4">
+    <dgm:fillClrLst meth="repeat">
+      <a:schemeClr val="accent5">
+        <a:tint val="50000"/>
+      </a:schemeClr>
+    </dgm:fillClrLst>
+    <dgm:linClrLst meth="repeat">
+      <a:schemeClr val="accent4"/>
+    </dgm:linClrLst>
+    <dgm:effectClrLst/>
+    <dgm:txLinClrLst/>
+    <dgm:txFillClrLst meth="repeat">
+      <a:schemeClr val="tx1"/>
+    </dgm:txFillClrLst>
+    <dgm:txEffectClrLst/>
+  </dgm:styleLbl>
+  <dgm:styleLbl name="fgAcc1">
+    <dgm:fillClrLst meth="repeat">
+      <a:schemeClr val="lt1">
+        <a:alpha val="90000"/>
+      </a:schemeClr>
+    </dgm:fillClrLst>
+    <dgm:linClrLst meth="repeat">
+      <a:schemeClr val="accent2"/>
+      <a:schemeClr val="accent3"/>
+      <a:schemeClr val="accent4"/>
+      <a:schemeClr val="accent5"/>
+      <a:schemeClr val="accent6"/>
+    </dgm:linClrLst>
+    <dgm:effectClrLst/>
+    <dgm:txLinClrLst/>
+    <dgm:txFillClrLst meth="repeat">
+      <a:schemeClr val="dk1"/>
+    </dgm:txFillClrLst>
+    <dgm:txEffectClrLst/>
+  </dgm:styleLbl>
+  <dgm:styleLbl name="conFgAcc1">
+    <dgm:fillClrLst meth="repeat">
+      <a:schemeClr val="lt1">
+        <a:alpha val="90000"/>
+      </a:schemeClr>
+    </dgm:fillClrLst>
+    <dgm:linClrLst meth="repeat">
+      <a:schemeClr val="accent2"/>
+      <a:schemeClr val="accent3"/>
+      <a:schemeClr val="accent4"/>
+      <a:schemeClr val="accent5"/>
+      <a:schemeClr val="accent6"/>
+    </dgm:linClrLst>
+    <dgm:effectClrLst/>
+    <dgm:txLinClrLst/>
+    <dgm:txFillClrLst meth="repeat">
+      <a:schemeClr val="dk1"/>
+    </dgm:txFillClrLst>
+    <dgm:txEffectClrLst/>
+  </dgm:styleLbl>
+  <dgm:styleLbl name="alignAcc1">
+    <dgm:fillClrLst meth="repeat">
+      <a:schemeClr val="lt1">
+        <a:alpha val="90000"/>
+      </a:schemeClr>
+    </dgm:fillClrLst>
+    <dgm:linClrLst meth="repeat">
+      <a:schemeClr val="accent2"/>
+      <a:schemeClr val="accent3"/>
+      <a:schemeClr val="accent4"/>
+      <a:schemeClr val="accent5"/>
+      <a:schemeClr val="accent6"/>
+    </dgm:linClrLst>
+    <dgm:effectClrLst/>
+    <dgm:txLinClrLst/>
+    <dgm:txFillClrLst meth="repeat">
+      <a:schemeClr val="dk1"/>
+    </dgm:txFillClrLst>
+    <dgm:txEffectClrLst/>
+  </dgm:styleLbl>
+  <dgm:styleLbl name="trAlignAcc1">
+    <dgm:fillClrLst meth="repeat">
+      <a:schemeClr val="lt1">
+        <a:alpha val="40000"/>
+      </a:schemeClr>
+    </dgm:fillClrLst>
+    <dgm:linClrLst meth="repeat">
+      <a:schemeClr val="accent1"/>
+    </dgm:linClrLst>
+    <dgm:effectClrLst/>
+    <dgm:txLinClrLst/>
+    <dgm:txFillClrLst meth="repeat">
+      <a:schemeClr val="dk1"/>
+    </dgm:txFillClrLst>
+    <dgm:txEffectClrLst/>
+  </dgm:styleLbl>
+  <dgm:styleLbl name="bgAcc1">
+    <dgm:fillClrLst meth="repeat">
+      <a:schemeClr val="lt1">
+        <a:alpha val="90000"/>
+      </a:schemeClr>
+    </dgm:fillClrLst>
+    <dgm:linClrLst meth="repeat">
+      <a:schemeClr val="accent2"/>
+      <a:schemeClr val="accent3"/>
+      <a:schemeClr val="accent4"/>
+      <a:schemeClr val="accent5"/>
+      <a:schemeClr val="accent6"/>
+    </dgm:linClrLst>
+    <dgm:effectClrLst/>
+    <dgm:txLinClrLst/>
+    <dgm:txFillClrLst meth="repeat">
+      <a:schemeClr val="dk1"/>
+    </dgm:txFillClrLst>
+    <dgm:txEffectClrLst/>
+  </dgm:styleLbl>
+  <dgm:styleLbl name="solidFgAcc1">
+    <dgm:fillClrLst meth="repeat">
+      <a:schemeClr val="lt1"/>
+    </dgm:fillClrLst>
+    <dgm:linClrLst meth="repeat">
+      <a:schemeClr val="accent2"/>
+      <a:schemeClr val="accent3"/>
+      <a:schemeClr val="accent4"/>
+      <a:schemeClr val="accent5"/>
+      <a:schemeClr val="accent6"/>
+    </dgm:linClrLst>
+    <dgm:effectClrLst/>
+    <dgm:txLinClrLst/>
+    <dgm:txFillClrLst meth="repeat">
+      <a:schemeClr val="dk1"/>
+    </dgm:txFillClrLst>
+    <dgm:txEffectClrLst/>
+  </dgm:styleLbl>
+  <dgm:styleLbl name="solidAlignAcc1">
+    <dgm:fillClrLst meth="repeat">
+      <a:schemeClr val="lt1"/>
+    </dgm:fillClrLst>
+    <dgm:linClrLst meth="repeat">
+      <a:schemeClr val="accent2"/>
+      <a:schemeClr val="accent3"/>
+      <a:schemeClr val="accent4"/>
+      <a:schemeClr val="accent5"/>
+      <a:schemeClr val="accent6"/>
+    </dgm:linClrLst>
+    <dgm:effectClrLst/>
+    <dgm:txLinClrLst/>
+    <dgm:txFillClrLst meth="repeat">
+      <a:schemeClr val="dk1"/>
+    </dgm:txFillClrLst>
+    <dgm:txEffectClrLst/>
+  </dgm:styleLbl>
+  <dgm:styleLbl name="solidBgAcc1">
+    <dgm:fillClrLst meth="repeat">
+      <a:schemeClr val="lt1"/>
+    </dgm:fillClrLst>
+    <dgm:linClrLst meth="repeat">
+      <a:schemeClr val="accent2"/>
+      <a:schemeClr val="accent3"/>
+      <a:schemeClr val="accent4"/>
+      <a:schemeClr val="accent5"/>
+      <a:schemeClr val="accent6"/>
+    </dgm:linClrLst>
+    <dgm:effectClrLst/>
+    <dgm:txLinClrLst/>
+    <dgm:txFillClrLst meth="repeat">
+      <a:schemeClr val="dk1"/>
+    </dgm:txFillClrLst>
+    <dgm:txEffectClrLst/>
+  </dgm:styleLbl>
+  <dgm:styleLbl name="fgAccFollowNode1">
+    <dgm:fillClrLst meth="repeat">
+      <a:schemeClr val="accent2">
+        <a:tint val="40000"/>
+        <a:alpha val="90000"/>
+      </a:schemeClr>
+      <a:schemeClr val="accent3">
+        <a:tint val="40000"/>
+        <a:alpha val="90000"/>
+      </a:schemeClr>
+      <a:schemeClr val="accent4">
+        <a:tint val="40000"/>
+        <a:alpha val="90000"/>
+      </a:schemeClr>
+      <a:schemeClr val="accent5">
+        <a:tint val="40000"/>
+        <a:alpha val="90000"/>
+      </a:schemeClr>
+      <a:schemeClr val="accent6">
+        <a:tint val="40000"/>
+        <a:alpha val="90000"/>
+      </a:schemeClr>
+    </dgm:fillClrLst>
+    <dgm:linClrLst meth="repeat">
+      <a:schemeClr val="accent2">
+        <a:tint val="40000"/>
+        <a:alpha val="90000"/>
+      </a:schemeClr>
+      <a:schemeClr val="accent3">
+        <a:tint val="40000"/>
+        <a:alpha val="90000"/>
+      </a:schemeClr>
+      <a:schemeClr val="accent4">
+        <a:tint val="40000"/>
+        <a:alpha val="90000"/>
+      </a:schemeClr>
+      <a:schemeClr val="accent5">
+        <a:tint val="40000"/>
+        <a:alpha val="90000"/>
+      </a:schemeClr>
+      <a:schemeClr val="accent6">
+        <a:tint val="40000"/>
+        <a:alpha val="90000"/>
+      </a:schemeClr>
+    </dgm:linClrLst>
+    <dgm:effectClrLst/>
+    <dgm:txLinClrLst/>
+    <dgm:txFillClrLst meth="repeat">
+      <a:schemeClr val="dk1"/>
+    </dgm:txFillClrLst>
+    <dgm:txEffectClrLst/>
+  </dgm:styleLbl>
+  <dgm:styleLbl name="alignAccFollowNode1">
+    <dgm:fillClrLst meth="repeat">
+      <a:schemeClr val="accent2">
+        <a:tint val="40000"/>
+        <a:alpha val="90000"/>
+      </a:schemeClr>
+      <a:schemeClr val="accent3">
+        <a:tint val="40000"/>
+        <a:alpha val="90000"/>
+      </a:schemeClr>
+      <a:schemeClr val="accent4">
+        <a:tint val="40000"/>
+        <a:alpha val="90000"/>
+      </a:schemeClr>
+      <a:schemeClr val="accent5">
+        <a:tint val="40000"/>
+        <a:alpha val="90000"/>
+      </a:schemeClr>
+      <a:schemeClr val="accent6">
+        <a:tint val="40000"/>
+        <a:alpha val="90000"/>
+      </a:schemeClr>
+    </dgm:fillClrLst>
+    <dgm:linClrLst meth="repeat">
+      <a:schemeClr val="accent2">
+        <a:tint val="40000"/>
+        <a:alpha val="90000"/>
+      </a:schemeClr>
+      <a:schemeClr val="accent3">
+        <a:tint val="40000"/>
+        <a:alpha val="90000"/>
+      </a:schemeClr>
+      <a:schemeClr val="accent4">
+        <a:tint val="40000"/>
+        <a:alpha val="90000"/>
+      </a:schemeClr>
+      <a:schemeClr val="accent5">
+        <a:tint val="40000"/>
+        <a:alpha val="90000"/>
+      </a:schemeClr>
+      <a:schemeClr val="accent6">
+        <a:tint val="40000"/>
+        <a:alpha val="90000"/>
+      </a:schemeClr>
+    </dgm:linClrLst>
+    <dgm:effectClrLst/>
+    <dgm:txLinClrLst/>
+    <dgm:txFillClrLst meth="repeat">
+      <a:schemeClr val="dk1"/>
+    </dgm:txFillClrLst>
+    <dgm:txEffectClrLst/>
+  </dgm:styleLbl>
+  <dgm:styleLbl name="bgAccFollowNode1">
+    <dgm:fillClrLst meth="repeat">
+      <a:schemeClr val="accent2">
+        <a:tint val="40000"/>
+        <a:alpha val="90000"/>
+      </a:schemeClr>
+      <a:schemeClr val="accent3">
+        <a:tint val="40000"/>
+        <a:alpha val="90000"/>
+      </a:schemeClr>
+      <a:schemeClr val="accent4">
+        <a:tint val="40000"/>
+        <a:alpha val="90000"/>
+      </a:schemeClr>
+      <a:schemeClr val="accent5">
+        <a:tint val="40000"/>
+        <a:alpha val="90000"/>
+      </a:schemeClr>
+      <a:schemeClr val="accent6">
+        <a:tint val="40000"/>
+        <a:alpha val="90000"/>
+      </a:schemeClr>
+    </dgm:fillClrLst>
+    <dgm:linClrLst meth="repeat">
+      <a:schemeClr val="accent2">
+        <a:tint val="40000"/>
+        <a:alpha val="90000"/>
+      </a:schemeClr>
+      <a:schemeClr val="accent3">
+        <a:tint val="40000"/>
+        <a:alpha val="90000"/>
+      </a:schemeClr>
+      <a:schemeClr val="accent4">
+        <a:tint val="40000"/>
+        <a:alpha val="90000"/>
+      </a:schemeClr>
+      <a:schemeClr val="accent5">
+        <a:tint val="40000"/>
+        <a:alpha val="90000"/>
+      </a:schemeClr>
+      <a:schemeClr val="accent6">
+        <a:tint val="40000"/>
+        <a:alpha val="90000"/>
+      </a:schemeClr>
+    </dgm:linClrLst>
+    <dgm:effectClrLst/>
+    <dgm:txLinClrLst/>
+    <dgm:txFillClrLst meth="repeat">
+      <a:schemeClr val="dk1"/>
+    </dgm:txFillClrLst>
+    <dgm:txEffectClrLst/>
+  </dgm:styleLbl>
+  <dgm:styleLbl name="fgAcc0">
+    <dgm:fillClrLst meth="repeat">
+      <a:schemeClr val="lt1">
+        <a:alpha val="90000"/>
+      </a:schemeClr>
+    </dgm:fillClrLst>
+    <dgm:linClrLst>
+      <a:schemeClr val="accent1"/>
+    </dgm:linClrLst>
+    <dgm:effectClrLst/>
+    <dgm:txLinClrLst/>
+    <dgm:txFillClrLst meth="repeat">
+      <a:schemeClr val="dk1"/>
+    </dgm:txFillClrLst>
+    <dgm:txEffectClrLst/>
+  </dgm:styleLbl>
+  <dgm:styleLbl name="fgAcc2">
+    <dgm:fillClrLst meth="repeat">
+      <a:schemeClr val="lt1">
+        <a:alpha val="90000"/>
+      </a:schemeClr>
+    </dgm:fillClrLst>
+    <dgm:linClrLst>
+      <a:schemeClr val="accent2"/>
+    </dgm:linClrLst>
+    <dgm:effectClrLst/>
+    <dgm:txLinClrLst/>
+    <dgm:txFillClrLst meth="repeat">
+      <a:schemeClr val="dk1"/>
+    </dgm:txFillClrLst>
+    <dgm:txEffectClrLst/>
+  </dgm:styleLbl>
+  <dgm:styleLbl name="fgAcc3">
+    <dgm:fillClrLst meth="repeat">
+      <a:schemeClr val="lt1">
+        <a:alpha val="90000"/>
+      </a:schemeClr>
+    </dgm:fillClrLst>
+    <dgm:linClrLst>
+      <a:schemeClr val="accent3"/>
+    </dgm:linClrLst>
+    <dgm:effectClrLst/>
+    <dgm:txLinClrLst/>
+    <dgm:txFillClrLst meth="repeat">
+      <a:schemeClr val="dk1"/>
+    </dgm:txFillClrLst>
+    <dgm:txEffectClrLst/>
+  </dgm:styleLbl>
+  <dgm:styleLbl name="fgAcc4">
+    <dgm:fillClrLst meth="repeat">
+      <a:schemeClr val="lt1">
+        <a:alpha val="90000"/>
+      </a:schemeClr>
+    </dgm:fillClrLst>
+    <dgm:linClrLst>
+      <a:schemeClr val="accent4"/>
+    </dgm:linClrLst>
+    <dgm:effectClrLst/>
+    <dgm:txLinClrLst/>
+    <dgm:txFillClrLst meth="repeat">
+      <a:schemeClr val="dk1"/>
+    </dgm:txFillClrLst>
+    <dgm:txEffectClrLst/>
+  </dgm:styleLbl>
+  <dgm:styleLbl name="bgShp">
+    <dgm:fillClrLst meth="repeat">
+      <a:schemeClr val="accent2">
+        <a:tint val="40000"/>
+      </a:schemeClr>
+    </dgm:fillClrLst>
+    <dgm:linClrLst meth="repeat">
+      <a:schemeClr val="dk1"/>
+    </dgm:linClrLst>
+    <dgm:effectClrLst/>
+    <dgm:txLinClrLst/>
+    <dgm:txFillClrLst meth="repeat">
+      <a:schemeClr val="dk1"/>
+    </dgm:txFillClrLst>
+    <dgm:txEffectClrLst/>
+  </dgm:styleLbl>
+  <dgm:styleLbl name="dkBgShp">
+    <dgm:fillClrLst meth="repeat">
+      <a:schemeClr val="accent2">
+        <a:shade val="90000"/>
+      </a:schemeClr>
+    </dgm:fillClrLst>
+    <dgm:linClrLst meth="repeat">
+      <a:schemeClr val="dk1"/>
+    </dgm:linClrLst>
+    <dgm:effectClrLst/>
+    <dgm:txLinClrLst/>
+    <dgm:txFillClrLst meth="repeat">
+      <a:schemeClr val="lt1"/>
+    </dgm:txFillClrLst>
+    <dgm:txEffectClrLst/>
+  </dgm:styleLbl>
+  <dgm:styleLbl name="trBgShp">
+    <dgm:fillClrLst meth="repeat">
+      <a:schemeClr val="accent1">
+        <a:tint val="50000"/>
+        <a:alpha val="40000"/>
+      </a:schemeClr>
+    </dgm:fillClrLst>
+    <dgm:linClrLst meth="repeat">
+      <a:schemeClr val="accent2"/>
+    </dgm:linClrLst>
+    <dgm:effectClrLst/>
+    <dgm:txLinClrLst/>
+    <dgm:txFillClrLst meth="repeat">
+      <a:schemeClr val="lt1"/>
+    </dgm:txFillClrLst>
+    <dgm:txEffectClrLst/>
+  </dgm:styleLbl>
+  <dgm:styleLbl name="fgShp">
+    <dgm:fillClrLst meth="repeat">
+      <a:schemeClr val="accent2">
         <a:tint val="40000"/>
       </a:schemeClr>
     </dgm:fillClrLst>
@@ -1224,6 +2149,538 @@
     <dgm:cxn modelId="{C20BE3A2-F67A-43C8-ACC0-607B6529F0E1}" type="presParOf" srcId="{769E32F6-35C4-45EB-B7B3-2B16C0158510}" destId="{66C0C9BF-0F43-471B-8928-4A37606CDFA4}" srcOrd="9" destOrd="0" presId="urn:microsoft.com/office/officeart/2008/layout/LinedList"/>
     <dgm:cxn modelId="{6F0D1D34-54C1-48C7-AC7E-25F2F3B095BC}" type="presParOf" srcId="{66C0C9BF-0F43-471B-8928-4A37606CDFA4}" destId="{8E958AA9-AFF7-4C72-B87E-3F0A04807521}" srcOrd="0" destOrd="0" presId="urn:microsoft.com/office/officeart/2008/layout/LinedList"/>
     <dgm:cxn modelId="{693176EE-ABD5-41F7-9B07-B769E0078222}" type="presParOf" srcId="{66C0C9BF-0F43-471B-8928-4A37606CDFA4}" destId="{BF414291-9B09-4A5C-942C-A7E09A9D387D}" srcOrd="1" destOrd="0" presId="urn:microsoft.com/office/officeart/2008/layout/LinedList"/>
+  </dgm:cxnLst>
+  <dgm:bg/>
+  <dgm:whole/>
+  <dgm:extLst>
+    <a:ext uri="http://schemas.microsoft.com/office/drawing/2008/diagram">
+      <dsp:dataModelExt xmlns:dsp="http://schemas.microsoft.com/office/drawing/2008/diagram" relId="rId6" minVer="http://schemas.openxmlformats.org/drawingml/2006/diagram"/>
+    </a:ext>
+  </dgm:extLst>
+</dgm:dataModel>
+</file>
+
+<file path=ppt/diagrams/data2.xml><?xml version="1.0" encoding="utf-8"?>
+<dgm:dataModel xmlns:dgm="http://schemas.openxmlformats.org/drawingml/2006/diagram" xmlns:a="http://schemas.openxmlformats.org/drawingml/2006/main">
+  <dgm:ptLst>
+    <dgm:pt modelId="{E3D91150-F10B-4BC6-8EE8-8AAA4C0DF062}" type="doc">
+      <dgm:prSet loTypeId="urn:microsoft.com/office/officeart/2016/7/layout/LinearBlockProcessNumbered" loCatId="process" qsTypeId="urn:microsoft.com/office/officeart/2005/8/quickstyle/simple1" qsCatId="simple" csTypeId="urn:microsoft.com/office/officeart/2005/8/colors/colorful1" csCatId="colorful" phldr="1"/>
+      <dgm:spPr/>
+      <dgm:t>
+        <a:bodyPr/>
+        <a:lstStyle/>
+        <a:p>
+          <a:endParaRPr lang="en-US"/>
+        </a:p>
+      </dgm:t>
+    </dgm:pt>
+    <dgm:pt modelId="{B08407D1-040C-4A3F-9FD4-9BB1A973E1FD}">
+      <dgm:prSet/>
+      <dgm:spPr/>
+      <dgm:t>
+        <a:bodyPr/>
+        <a:lstStyle/>
+        <a:p>
+          <a:r>
+            <a:rPr lang="es-ES" b="0" i="0"/>
+            <a:t>Saludar</a:t>
+          </a:r>
+          <a:endParaRPr lang="en-US"/>
+        </a:p>
+      </dgm:t>
+    </dgm:pt>
+    <dgm:pt modelId="{C9B71760-2A50-4A6B-B2B1-202595623F52}" type="parTrans" cxnId="{36AA76C5-D832-4F73-8806-EA285B6F7CC4}">
+      <dgm:prSet/>
+      <dgm:spPr/>
+      <dgm:t>
+        <a:bodyPr/>
+        <a:lstStyle/>
+        <a:p>
+          <a:endParaRPr lang="en-US"/>
+        </a:p>
+      </dgm:t>
+    </dgm:pt>
+    <dgm:pt modelId="{7AB2682E-ABD0-41D8-BFA5-B66C427EF0B0}" type="sibTrans" cxnId="{36AA76C5-D832-4F73-8806-EA285B6F7CC4}">
+      <dgm:prSet phldrT="01" phldr="0"/>
+      <dgm:spPr/>
+      <dgm:t>
+        <a:bodyPr/>
+        <a:lstStyle/>
+        <a:p>
+          <a:r>
+            <a:rPr lang="en-US"/>
+            <a:t>01</a:t>
+          </a:r>
+        </a:p>
+      </dgm:t>
+    </dgm:pt>
+    <dgm:pt modelId="{D2BFF036-2535-41FF-840E-B3B0AF4EC622}">
+      <dgm:prSet/>
+      <dgm:spPr/>
+      <dgm:t>
+        <a:bodyPr/>
+        <a:lstStyle/>
+        <a:p>
+          <a:r>
+            <a:rPr lang="es-ES" b="0" i="0"/>
+            <a:t>Ubicaci</a:t>
+          </a:r>
+          <a:r>
+            <a:rPr lang="es-ES"/>
+            <a:t>ó</a:t>
+          </a:r>
+          <a:r>
+            <a:rPr lang="es-ES" b="0" i="0"/>
+            <a:t>n</a:t>
+          </a:r>
+          <a:endParaRPr lang="en-US"/>
+        </a:p>
+      </dgm:t>
+    </dgm:pt>
+    <dgm:pt modelId="{0966F992-520D-47AF-9613-E6B7FDD0EFE6}" type="parTrans" cxnId="{6C6C2249-E010-4A46-917A-EE08F4281CB6}">
+      <dgm:prSet/>
+      <dgm:spPr/>
+      <dgm:t>
+        <a:bodyPr/>
+        <a:lstStyle/>
+        <a:p>
+          <a:endParaRPr lang="en-US"/>
+        </a:p>
+      </dgm:t>
+    </dgm:pt>
+    <dgm:pt modelId="{14B31780-20DC-4E27-8032-CCF66AED84F1}" type="sibTrans" cxnId="{6C6C2249-E010-4A46-917A-EE08F4281CB6}">
+      <dgm:prSet phldrT="02" phldr="0"/>
+      <dgm:spPr/>
+      <dgm:t>
+        <a:bodyPr/>
+        <a:lstStyle/>
+        <a:p>
+          <a:r>
+            <a:rPr lang="en-US"/>
+            <a:t>02</a:t>
+          </a:r>
+        </a:p>
+      </dgm:t>
+    </dgm:pt>
+    <dgm:pt modelId="{9DAB9569-C84B-4277-BE9F-2EAF5E7F5EDD}">
+      <dgm:prSet/>
+      <dgm:spPr/>
+      <dgm:t>
+        <a:bodyPr/>
+        <a:lstStyle/>
+        <a:p>
+          <a:r>
+            <a:rPr lang="es-ES" b="0" i="0" dirty="0"/>
+            <a:t>Nombre</a:t>
+          </a:r>
+          <a:endParaRPr lang="en-US" dirty="0"/>
+        </a:p>
+      </dgm:t>
+    </dgm:pt>
+    <dgm:pt modelId="{647CF6E0-4317-4980-A3C9-1FC3A071E8CA}" type="parTrans" cxnId="{DC3DE101-37B6-423B-A51B-BA9323576519}">
+      <dgm:prSet/>
+      <dgm:spPr/>
+      <dgm:t>
+        <a:bodyPr/>
+        <a:lstStyle/>
+        <a:p>
+          <a:endParaRPr lang="en-US"/>
+        </a:p>
+      </dgm:t>
+    </dgm:pt>
+    <dgm:pt modelId="{E3861CCC-C7F3-4221-9F2E-EDBB6CC602D0}" type="sibTrans" cxnId="{DC3DE101-37B6-423B-A51B-BA9323576519}">
+      <dgm:prSet phldrT="03" phldr="0"/>
+      <dgm:spPr/>
+      <dgm:t>
+        <a:bodyPr/>
+        <a:lstStyle/>
+        <a:p>
+          <a:r>
+            <a:rPr lang="en-US"/>
+            <a:t>03</a:t>
+          </a:r>
+        </a:p>
+      </dgm:t>
+    </dgm:pt>
+    <dgm:pt modelId="{A16DA76A-6507-47D3-B186-0DCE0092CEAC}">
+      <dgm:prSet/>
+      <dgm:spPr/>
+      <dgm:t>
+        <a:bodyPr/>
+        <a:lstStyle/>
+        <a:p>
+          <a:r>
+            <a:rPr lang="es-ES" b="0" i="0" dirty="0"/>
+            <a:t>Especie</a:t>
+          </a:r>
+          <a:endParaRPr lang="en-US" dirty="0"/>
+        </a:p>
+      </dgm:t>
+    </dgm:pt>
+    <dgm:pt modelId="{193558B1-2942-46CA-AF02-DE63C87A8D3B}" type="parTrans" cxnId="{4DA6FB45-A59E-46F0-931B-1E93F452D957}">
+      <dgm:prSet/>
+      <dgm:spPr/>
+      <dgm:t>
+        <a:bodyPr/>
+        <a:lstStyle/>
+        <a:p>
+          <a:endParaRPr lang="en-US"/>
+        </a:p>
+      </dgm:t>
+    </dgm:pt>
+    <dgm:pt modelId="{1DEB72E9-74DB-4F17-A6B5-B638572E9B27}" type="sibTrans" cxnId="{4DA6FB45-A59E-46F0-931B-1E93F452D957}">
+      <dgm:prSet phldrT="04" phldr="0"/>
+      <dgm:spPr/>
+      <dgm:t>
+        <a:bodyPr/>
+        <a:lstStyle/>
+        <a:p>
+          <a:r>
+            <a:rPr lang="en-US"/>
+            <a:t>04</a:t>
+          </a:r>
+        </a:p>
+      </dgm:t>
+    </dgm:pt>
+    <dgm:pt modelId="{01AEA45B-8323-490B-93BF-D62F820E8653}">
+      <dgm:prSet/>
+      <dgm:spPr/>
+      <dgm:t>
+        <a:bodyPr/>
+        <a:lstStyle/>
+        <a:p>
+          <a:r>
+            <a:rPr lang="es-ES" b="0" i="0" dirty="0"/>
+            <a:t>Intenciones</a:t>
+          </a:r>
+          <a:endParaRPr lang="en-US" dirty="0"/>
+        </a:p>
+      </dgm:t>
+    </dgm:pt>
+    <dgm:pt modelId="{5E9DBCD3-3816-4ADC-9D11-D768249CBC3B}" type="parTrans" cxnId="{8ADAA219-E03A-4CB5-985A-2170337CD28D}">
+      <dgm:prSet/>
+      <dgm:spPr/>
+      <dgm:t>
+        <a:bodyPr/>
+        <a:lstStyle/>
+        <a:p>
+          <a:endParaRPr lang="en-US"/>
+        </a:p>
+      </dgm:t>
+    </dgm:pt>
+    <dgm:pt modelId="{6D993672-0FAC-4578-8CCA-E9EC9EBCDEAB}" type="sibTrans" cxnId="{8ADAA219-E03A-4CB5-985A-2170337CD28D}">
+      <dgm:prSet phldrT="05" phldr="0"/>
+      <dgm:spPr/>
+      <dgm:t>
+        <a:bodyPr/>
+        <a:lstStyle/>
+        <a:p>
+          <a:r>
+            <a:rPr lang="en-US"/>
+            <a:t>05</a:t>
+          </a:r>
+        </a:p>
+      </dgm:t>
+    </dgm:pt>
+    <dgm:pt modelId="{51528773-36A2-44A7-9CFA-023EC1DDAAEC}">
+      <dgm:prSet/>
+      <dgm:spPr/>
+      <dgm:t>
+        <a:bodyPr/>
+        <a:lstStyle/>
+        <a:p>
+          <a:r>
+            <a:rPr lang="es-ES" b="0" i="0"/>
+            <a:t>Despedida</a:t>
+          </a:r>
+          <a:endParaRPr lang="en-US"/>
+        </a:p>
+      </dgm:t>
+    </dgm:pt>
+    <dgm:pt modelId="{0103B747-99E8-4846-8CE8-D7D03D97C966}" type="parTrans" cxnId="{3A419414-8B2C-4D4E-87A5-882213671044}">
+      <dgm:prSet/>
+      <dgm:spPr/>
+      <dgm:t>
+        <a:bodyPr/>
+        <a:lstStyle/>
+        <a:p>
+          <a:endParaRPr lang="en-US"/>
+        </a:p>
+      </dgm:t>
+    </dgm:pt>
+    <dgm:pt modelId="{706D5C89-3995-498F-83AE-B5FF274D16B6}" type="sibTrans" cxnId="{3A419414-8B2C-4D4E-87A5-882213671044}">
+      <dgm:prSet phldrT="06" phldr="0"/>
+      <dgm:spPr/>
+      <dgm:t>
+        <a:bodyPr/>
+        <a:lstStyle/>
+        <a:p>
+          <a:r>
+            <a:rPr lang="en-US"/>
+            <a:t>06</a:t>
+          </a:r>
+        </a:p>
+      </dgm:t>
+    </dgm:pt>
+    <dgm:pt modelId="{A0A66813-7697-4CA3-807B-2B2B91F3D226}" type="pres">
+      <dgm:prSet presAssocID="{E3D91150-F10B-4BC6-8EE8-8AAA4C0DF062}" presName="Name0" presStyleCnt="0">
+        <dgm:presLayoutVars>
+          <dgm:animLvl val="lvl"/>
+          <dgm:resizeHandles val="exact"/>
+        </dgm:presLayoutVars>
+      </dgm:prSet>
+      <dgm:spPr/>
+    </dgm:pt>
+    <dgm:pt modelId="{3D12A0CD-2A02-4905-91F4-1047BC04C7B0}" type="pres">
+      <dgm:prSet presAssocID="{B08407D1-040C-4A3F-9FD4-9BB1A973E1FD}" presName="compositeNode" presStyleCnt="0">
+        <dgm:presLayoutVars>
+          <dgm:bulletEnabled val="1"/>
+        </dgm:presLayoutVars>
+      </dgm:prSet>
+      <dgm:spPr/>
+    </dgm:pt>
+    <dgm:pt modelId="{05E2F751-54D3-4C6C-A120-BBB4C16DF8CF}" type="pres">
+      <dgm:prSet presAssocID="{B08407D1-040C-4A3F-9FD4-9BB1A973E1FD}" presName="bgRect" presStyleLbl="alignNode1" presStyleIdx="0" presStyleCnt="6"/>
+      <dgm:spPr/>
+    </dgm:pt>
+    <dgm:pt modelId="{A78EF612-D805-4775-9E4A-D80DA583D3B3}" type="pres">
+      <dgm:prSet presAssocID="{7AB2682E-ABD0-41D8-BFA5-B66C427EF0B0}" presName="sibTransNodeRect" presStyleLbl="alignNode1" presStyleIdx="0" presStyleCnt="6">
+        <dgm:presLayoutVars>
+          <dgm:chMax val="0"/>
+          <dgm:bulletEnabled val="1"/>
+        </dgm:presLayoutVars>
+      </dgm:prSet>
+      <dgm:spPr/>
+    </dgm:pt>
+    <dgm:pt modelId="{D8970FE5-5F5D-4226-B706-A66004DE1124}" type="pres">
+      <dgm:prSet presAssocID="{B08407D1-040C-4A3F-9FD4-9BB1A973E1FD}" presName="nodeRect" presStyleLbl="alignNode1" presStyleIdx="0" presStyleCnt="6">
+        <dgm:presLayoutVars>
+          <dgm:bulletEnabled val="1"/>
+        </dgm:presLayoutVars>
+      </dgm:prSet>
+      <dgm:spPr/>
+    </dgm:pt>
+    <dgm:pt modelId="{C44CE00E-1B66-4B8C-9D5D-2B9C061026A9}" type="pres">
+      <dgm:prSet presAssocID="{7AB2682E-ABD0-41D8-BFA5-B66C427EF0B0}" presName="sibTrans" presStyleCnt="0"/>
+      <dgm:spPr/>
+    </dgm:pt>
+    <dgm:pt modelId="{CD0DBD09-4095-4D9B-AE87-80235FB03AAC}" type="pres">
+      <dgm:prSet presAssocID="{D2BFF036-2535-41FF-840E-B3B0AF4EC622}" presName="compositeNode" presStyleCnt="0">
+        <dgm:presLayoutVars>
+          <dgm:bulletEnabled val="1"/>
+        </dgm:presLayoutVars>
+      </dgm:prSet>
+      <dgm:spPr/>
+    </dgm:pt>
+    <dgm:pt modelId="{E0F88429-96F5-46B4-9874-C0EA9FF1ED06}" type="pres">
+      <dgm:prSet presAssocID="{D2BFF036-2535-41FF-840E-B3B0AF4EC622}" presName="bgRect" presStyleLbl="alignNode1" presStyleIdx="1" presStyleCnt="6"/>
+      <dgm:spPr/>
+    </dgm:pt>
+    <dgm:pt modelId="{FD2B87E1-BC46-4694-9896-590D8FA08012}" type="pres">
+      <dgm:prSet presAssocID="{14B31780-20DC-4E27-8032-CCF66AED84F1}" presName="sibTransNodeRect" presStyleLbl="alignNode1" presStyleIdx="1" presStyleCnt="6">
+        <dgm:presLayoutVars>
+          <dgm:chMax val="0"/>
+          <dgm:bulletEnabled val="1"/>
+        </dgm:presLayoutVars>
+      </dgm:prSet>
+      <dgm:spPr/>
+    </dgm:pt>
+    <dgm:pt modelId="{A88AB0B6-F395-4806-819E-4765D9B0E12A}" type="pres">
+      <dgm:prSet presAssocID="{D2BFF036-2535-41FF-840E-B3B0AF4EC622}" presName="nodeRect" presStyleLbl="alignNode1" presStyleIdx="1" presStyleCnt="6">
+        <dgm:presLayoutVars>
+          <dgm:bulletEnabled val="1"/>
+        </dgm:presLayoutVars>
+      </dgm:prSet>
+      <dgm:spPr/>
+    </dgm:pt>
+    <dgm:pt modelId="{05EDB699-491A-4ED8-BD83-018DC4F2BAEA}" type="pres">
+      <dgm:prSet presAssocID="{14B31780-20DC-4E27-8032-CCF66AED84F1}" presName="sibTrans" presStyleCnt="0"/>
+      <dgm:spPr/>
+    </dgm:pt>
+    <dgm:pt modelId="{44AA3BF1-281E-4FEE-B7FA-C7C690F3F75F}" type="pres">
+      <dgm:prSet presAssocID="{9DAB9569-C84B-4277-BE9F-2EAF5E7F5EDD}" presName="compositeNode" presStyleCnt="0">
+        <dgm:presLayoutVars>
+          <dgm:bulletEnabled val="1"/>
+        </dgm:presLayoutVars>
+      </dgm:prSet>
+      <dgm:spPr/>
+    </dgm:pt>
+    <dgm:pt modelId="{EFB2E0FF-5F84-402B-BAF5-405C6359C684}" type="pres">
+      <dgm:prSet presAssocID="{9DAB9569-C84B-4277-BE9F-2EAF5E7F5EDD}" presName="bgRect" presStyleLbl="alignNode1" presStyleIdx="2" presStyleCnt="6"/>
+      <dgm:spPr/>
+    </dgm:pt>
+    <dgm:pt modelId="{4F46F7C9-5527-43AD-9419-2B42C6E7B909}" type="pres">
+      <dgm:prSet presAssocID="{E3861CCC-C7F3-4221-9F2E-EDBB6CC602D0}" presName="sibTransNodeRect" presStyleLbl="alignNode1" presStyleIdx="2" presStyleCnt="6">
+        <dgm:presLayoutVars>
+          <dgm:chMax val="0"/>
+          <dgm:bulletEnabled val="1"/>
+        </dgm:presLayoutVars>
+      </dgm:prSet>
+      <dgm:spPr/>
+    </dgm:pt>
+    <dgm:pt modelId="{B81444EF-80EC-4B97-A819-D09A75A7C47B}" type="pres">
+      <dgm:prSet presAssocID="{9DAB9569-C84B-4277-BE9F-2EAF5E7F5EDD}" presName="nodeRect" presStyleLbl="alignNode1" presStyleIdx="2" presStyleCnt="6">
+        <dgm:presLayoutVars>
+          <dgm:bulletEnabled val="1"/>
+        </dgm:presLayoutVars>
+      </dgm:prSet>
+      <dgm:spPr/>
+    </dgm:pt>
+    <dgm:pt modelId="{B7C5AEAD-FCCF-4830-9971-F12C4DC8EC27}" type="pres">
+      <dgm:prSet presAssocID="{E3861CCC-C7F3-4221-9F2E-EDBB6CC602D0}" presName="sibTrans" presStyleCnt="0"/>
+      <dgm:spPr/>
+    </dgm:pt>
+    <dgm:pt modelId="{386F14F8-7486-42E0-B10D-EAA9C203CB46}" type="pres">
+      <dgm:prSet presAssocID="{A16DA76A-6507-47D3-B186-0DCE0092CEAC}" presName="compositeNode" presStyleCnt="0">
+        <dgm:presLayoutVars>
+          <dgm:bulletEnabled val="1"/>
+        </dgm:presLayoutVars>
+      </dgm:prSet>
+      <dgm:spPr/>
+    </dgm:pt>
+    <dgm:pt modelId="{152A7D6F-6C3B-48F8-908E-4F3C95A8A82D}" type="pres">
+      <dgm:prSet presAssocID="{A16DA76A-6507-47D3-B186-0DCE0092CEAC}" presName="bgRect" presStyleLbl="alignNode1" presStyleIdx="3" presStyleCnt="6"/>
+      <dgm:spPr/>
+    </dgm:pt>
+    <dgm:pt modelId="{F64C5A4B-087A-4EDE-AA77-21C26914D7B4}" type="pres">
+      <dgm:prSet presAssocID="{1DEB72E9-74DB-4F17-A6B5-B638572E9B27}" presName="sibTransNodeRect" presStyleLbl="alignNode1" presStyleIdx="3" presStyleCnt="6">
+        <dgm:presLayoutVars>
+          <dgm:chMax val="0"/>
+          <dgm:bulletEnabled val="1"/>
+        </dgm:presLayoutVars>
+      </dgm:prSet>
+      <dgm:spPr/>
+    </dgm:pt>
+    <dgm:pt modelId="{4AEF058D-C008-4E82-B1CA-CD72D53E5F52}" type="pres">
+      <dgm:prSet presAssocID="{A16DA76A-6507-47D3-B186-0DCE0092CEAC}" presName="nodeRect" presStyleLbl="alignNode1" presStyleIdx="3" presStyleCnt="6">
+        <dgm:presLayoutVars>
+          <dgm:bulletEnabled val="1"/>
+        </dgm:presLayoutVars>
+      </dgm:prSet>
+      <dgm:spPr/>
+    </dgm:pt>
+    <dgm:pt modelId="{55E91BF4-B69C-4032-9A91-E6F6C50BBED8}" type="pres">
+      <dgm:prSet presAssocID="{1DEB72E9-74DB-4F17-A6B5-B638572E9B27}" presName="sibTrans" presStyleCnt="0"/>
+      <dgm:spPr/>
+    </dgm:pt>
+    <dgm:pt modelId="{1A6AB4E0-AAFB-4CFA-9F80-E64E5EA77087}" type="pres">
+      <dgm:prSet presAssocID="{01AEA45B-8323-490B-93BF-D62F820E8653}" presName="compositeNode" presStyleCnt="0">
+        <dgm:presLayoutVars>
+          <dgm:bulletEnabled val="1"/>
+        </dgm:presLayoutVars>
+      </dgm:prSet>
+      <dgm:spPr/>
+    </dgm:pt>
+    <dgm:pt modelId="{B7EFADAD-A63A-49CB-BFC6-9BCB2EFD653B}" type="pres">
+      <dgm:prSet presAssocID="{01AEA45B-8323-490B-93BF-D62F820E8653}" presName="bgRect" presStyleLbl="alignNode1" presStyleIdx="4" presStyleCnt="6"/>
+      <dgm:spPr/>
+    </dgm:pt>
+    <dgm:pt modelId="{2A803205-BDCE-49A4-AAD8-F60DEBA93FF6}" type="pres">
+      <dgm:prSet presAssocID="{6D993672-0FAC-4578-8CCA-E9EC9EBCDEAB}" presName="sibTransNodeRect" presStyleLbl="alignNode1" presStyleIdx="4" presStyleCnt="6">
+        <dgm:presLayoutVars>
+          <dgm:chMax val="0"/>
+          <dgm:bulletEnabled val="1"/>
+        </dgm:presLayoutVars>
+      </dgm:prSet>
+      <dgm:spPr/>
+    </dgm:pt>
+    <dgm:pt modelId="{58E2B8D9-1635-4E5B-B632-88F06F0B4309}" type="pres">
+      <dgm:prSet presAssocID="{01AEA45B-8323-490B-93BF-D62F820E8653}" presName="nodeRect" presStyleLbl="alignNode1" presStyleIdx="4" presStyleCnt="6">
+        <dgm:presLayoutVars>
+          <dgm:bulletEnabled val="1"/>
+        </dgm:presLayoutVars>
+      </dgm:prSet>
+      <dgm:spPr/>
+    </dgm:pt>
+    <dgm:pt modelId="{C675AAF9-EE34-4F46-8198-A886726D2CB7}" type="pres">
+      <dgm:prSet presAssocID="{6D993672-0FAC-4578-8CCA-E9EC9EBCDEAB}" presName="sibTrans" presStyleCnt="0"/>
+      <dgm:spPr/>
+    </dgm:pt>
+    <dgm:pt modelId="{25A379D6-3DB3-40D1-A858-5FF7C604903E}" type="pres">
+      <dgm:prSet presAssocID="{51528773-36A2-44A7-9CFA-023EC1DDAAEC}" presName="compositeNode" presStyleCnt="0">
+        <dgm:presLayoutVars>
+          <dgm:bulletEnabled val="1"/>
+        </dgm:presLayoutVars>
+      </dgm:prSet>
+      <dgm:spPr/>
+    </dgm:pt>
+    <dgm:pt modelId="{BD250C08-9C2A-4C11-8B08-AE043A9E6C0D}" type="pres">
+      <dgm:prSet presAssocID="{51528773-36A2-44A7-9CFA-023EC1DDAAEC}" presName="bgRect" presStyleLbl="alignNode1" presStyleIdx="5" presStyleCnt="6"/>
+      <dgm:spPr/>
+    </dgm:pt>
+    <dgm:pt modelId="{F21D2EFD-4E7B-4C9D-BDF1-1ACE78AB1B02}" type="pres">
+      <dgm:prSet presAssocID="{706D5C89-3995-498F-83AE-B5FF274D16B6}" presName="sibTransNodeRect" presStyleLbl="alignNode1" presStyleIdx="5" presStyleCnt="6">
+        <dgm:presLayoutVars>
+          <dgm:chMax val="0"/>
+          <dgm:bulletEnabled val="1"/>
+        </dgm:presLayoutVars>
+      </dgm:prSet>
+      <dgm:spPr/>
+    </dgm:pt>
+    <dgm:pt modelId="{1BD9288D-1F5F-4CBC-ADA3-F85C697F4360}" type="pres">
+      <dgm:prSet presAssocID="{51528773-36A2-44A7-9CFA-023EC1DDAAEC}" presName="nodeRect" presStyleLbl="alignNode1" presStyleIdx="5" presStyleCnt="6">
+        <dgm:presLayoutVars>
+          <dgm:bulletEnabled val="1"/>
+        </dgm:presLayoutVars>
+      </dgm:prSet>
+      <dgm:spPr/>
+    </dgm:pt>
+  </dgm:ptLst>
+  <dgm:cxnLst>
+    <dgm:cxn modelId="{DC3DE101-37B6-423B-A51B-BA9323576519}" srcId="{E3D91150-F10B-4BC6-8EE8-8AAA4C0DF062}" destId="{9DAB9569-C84B-4277-BE9F-2EAF5E7F5EDD}" srcOrd="2" destOrd="0" parTransId="{647CF6E0-4317-4980-A3C9-1FC3A071E8CA}" sibTransId="{E3861CCC-C7F3-4221-9F2E-EDBB6CC602D0}"/>
+    <dgm:cxn modelId="{7FBFBC02-CAD6-4562-AB94-5D28F87684DF}" type="presOf" srcId="{01AEA45B-8323-490B-93BF-D62F820E8653}" destId="{B7EFADAD-A63A-49CB-BFC6-9BCB2EFD653B}" srcOrd="0" destOrd="0" presId="urn:microsoft.com/office/officeart/2016/7/layout/LinearBlockProcessNumbered"/>
+    <dgm:cxn modelId="{2907130C-E43A-46FB-8282-41A9500B9430}" type="presOf" srcId="{6D993672-0FAC-4578-8CCA-E9EC9EBCDEAB}" destId="{2A803205-BDCE-49A4-AAD8-F60DEBA93FF6}" srcOrd="0" destOrd="0" presId="urn:microsoft.com/office/officeart/2016/7/layout/LinearBlockProcessNumbered"/>
+    <dgm:cxn modelId="{78CA1D0E-684B-4F50-A606-FFB439170589}" type="presOf" srcId="{1DEB72E9-74DB-4F17-A6B5-B638572E9B27}" destId="{F64C5A4B-087A-4EDE-AA77-21C26914D7B4}" srcOrd="0" destOrd="0" presId="urn:microsoft.com/office/officeart/2016/7/layout/LinearBlockProcessNumbered"/>
+    <dgm:cxn modelId="{3A419414-8B2C-4D4E-87A5-882213671044}" srcId="{E3D91150-F10B-4BC6-8EE8-8AAA4C0DF062}" destId="{51528773-36A2-44A7-9CFA-023EC1DDAAEC}" srcOrd="5" destOrd="0" parTransId="{0103B747-99E8-4846-8CE8-D7D03D97C966}" sibTransId="{706D5C89-3995-498F-83AE-B5FF274D16B6}"/>
+    <dgm:cxn modelId="{25CD7519-19B3-40B1-B172-FF70A9D9A587}" type="presOf" srcId="{A16DA76A-6507-47D3-B186-0DCE0092CEAC}" destId="{152A7D6F-6C3B-48F8-908E-4F3C95A8A82D}" srcOrd="0" destOrd="0" presId="urn:microsoft.com/office/officeart/2016/7/layout/LinearBlockProcessNumbered"/>
+    <dgm:cxn modelId="{8ADAA219-E03A-4CB5-985A-2170337CD28D}" srcId="{E3D91150-F10B-4BC6-8EE8-8AAA4C0DF062}" destId="{01AEA45B-8323-490B-93BF-D62F820E8653}" srcOrd="4" destOrd="0" parTransId="{5E9DBCD3-3816-4ADC-9D11-D768249CBC3B}" sibTransId="{6D993672-0FAC-4578-8CCA-E9EC9EBCDEAB}"/>
+    <dgm:cxn modelId="{8E76042F-C3F9-467D-A33B-646F7AB88225}" type="presOf" srcId="{14B31780-20DC-4E27-8032-CCF66AED84F1}" destId="{FD2B87E1-BC46-4694-9896-590D8FA08012}" srcOrd="0" destOrd="0" presId="urn:microsoft.com/office/officeart/2016/7/layout/LinearBlockProcessNumbered"/>
+    <dgm:cxn modelId="{4B447536-ED9F-44A1-A248-FEF085B93785}" type="presOf" srcId="{B08407D1-040C-4A3F-9FD4-9BB1A973E1FD}" destId="{D8970FE5-5F5D-4226-B706-A66004DE1124}" srcOrd="1" destOrd="0" presId="urn:microsoft.com/office/officeart/2016/7/layout/LinearBlockProcessNumbered"/>
+    <dgm:cxn modelId="{7EA3EE5D-4B31-4BA9-9B4E-F3AA71A98968}" type="presOf" srcId="{9DAB9569-C84B-4277-BE9F-2EAF5E7F5EDD}" destId="{B81444EF-80EC-4B97-A819-D09A75A7C47B}" srcOrd="1" destOrd="0" presId="urn:microsoft.com/office/officeart/2016/7/layout/LinearBlockProcessNumbered"/>
+    <dgm:cxn modelId="{773E6963-21C1-4319-97CE-6847B4A2FB08}" type="presOf" srcId="{D2BFF036-2535-41FF-840E-B3B0AF4EC622}" destId="{A88AB0B6-F395-4806-819E-4765D9B0E12A}" srcOrd="1" destOrd="0" presId="urn:microsoft.com/office/officeart/2016/7/layout/LinearBlockProcessNumbered"/>
+    <dgm:cxn modelId="{401FC343-FD33-4FC2-A0B9-A5086461EA1B}" type="presOf" srcId="{9DAB9569-C84B-4277-BE9F-2EAF5E7F5EDD}" destId="{EFB2E0FF-5F84-402B-BAF5-405C6359C684}" srcOrd="0" destOrd="0" presId="urn:microsoft.com/office/officeart/2016/7/layout/LinearBlockProcessNumbered"/>
+    <dgm:cxn modelId="{4DA6FB45-A59E-46F0-931B-1E93F452D957}" srcId="{E3D91150-F10B-4BC6-8EE8-8AAA4C0DF062}" destId="{A16DA76A-6507-47D3-B186-0DCE0092CEAC}" srcOrd="3" destOrd="0" parTransId="{193558B1-2942-46CA-AF02-DE63C87A8D3B}" sibTransId="{1DEB72E9-74DB-4F17-A6B5-B638572E9B27}"/>
+    <dgm:cxn modelId="{6C6C2249-E010-4A46-917A-EE08F4281CB6}" srcId="{E3D91150-F10B-4BC6-8EE8-8AAA4C0DF062}" destId="{D2BFF036-2535-41FF-840E-B3B0AF4EC622}" srcOrd="1" destOrd="0" parTransId="{0966F992-520D-47AF-9613-E6B7FDD0EFE6}" sibTransId="{14B31780-20DC-4E27-8032-CCF66AED84F1}"/>
+    <dgm:cxn modelId="{50E2646A-6F7B-4037-BBE5-527A48410921}" type="presOf" srcId="{B08407D1-040C-4A3F-9FD4-9BB1A973E1FD}" destId="{05E2F751-54D3-4C6C-A120-BBB4C16DF8CF}" srcOrd="0" destOrd="0" presId="urn:microsoft.com/office/officeart/2016/7/layout/LinearBlockProcessNumbered"/>
+    <dgm:cxn modelId="{1413F554-075B-44D9-A550-02A63FCD3F58}" type="presOf" srcId="{51528773-36A2-44A7-9CFA-023EC1DDAAEC}" destId="{1BD9288D-1F5F-4CBC-ADA3-F85C697F4360}" srcOrd="1" destOrd="0" presId="urn:microsoft.com/office/officeart/2016/7/layout/LinearBlockProcessNumbered"/>
+    <dgm:cxn modelId="{611B6558-450E-43B1-AAB7-DCAC8DDE2489}" type="presOf" srcId="{51528773-36A2-44A7-9CFA-023EC1DDAAEC}" destId="{BD250C08-9C2A-4C11-8B08-AE043A9E6C0D}" srcOrd="0" destOrd="0" presId="urn:microsoft.com/office/officeart/2016/7/layout/LinearBlockProcessNumbered"/>
+    <dgm:cxn modelId="{71AF2A85-64B8-4B8E-9554-A840777C6F3F}" type="presOf" srcId="{706D5C89-3995-498F-83AE-B5FF274D16B6}" destId="{F21D2EFD-4E7B-4C9D-BDF1-1ACE78AB1B02}" srcOrd="0" destOrd="0" presId="urn:microsoft.com/office/officeart/2016/7/layout/LinearBlockProcessNumbered"/>
+    <dgm:cxn modelId="{6B02C196-5793-4EC8-BF19-C1AFA5F9C384}" type="presOf" srcId="{A16DA76A-6507-47D3-B186-0DCE0092CEAC}" destId="{4AEF058D-C008-4E82-B1CA-CD72D53E5F52}" srcOrd="1" destOrd="0" presId="urn:microsoft.com/office/officeart/2016/7/layout/LinearBlockProcessNumbered"/>
+    <dgm:cxn modelId="{84F605A1-5B96-4CB8-8431-8AD59D5FC95F}" type="presOf" srcId="{E3D91150-F10B-4BC6-8EE8-8AAA4C0DF062}" destId="{A0A66813-7697-4CA3-807B-2B2B91F3D226}" srcOrd="0" destOrd="0" presId="urn:microsoft.com/office/officeart/2016/7/layout/LinearBlockProcessNumbered"/>
+    <dgm:cxn modelId="{BEA56EAA-A1C3-4B7B-A69E-8A4732F188EF}" type="presOf" srcId="{7AB2682E-ABD0-41D8-BFA5-B66C427EF0B0}" destId="{A78EF612-D805-4775-9E4A-D80DA583D3B3}" srcOrd="0" destOrd="0" presId="urn:microsoft.com/office/officeart/2016/7/layout/LinearBlockProcessNumbered"/>
+    <dgm:cxn modelId="{E7459ABA-F5AE-43E7-9C2A-5511A59A085F}" type="presOf" srcId="{D2BFF036-2535-41FF-840E-B3B0AF4EC622}" destId="{E0F88429-96F5-46B4-9874-C0EA9FF1ED06}" srcOrd="0" destOrd="0" presId="urn:microsoft.com/office/officeart/2016/7/layout/LinearBlockProcessNumbered"/>
+    <dgm:cxn modelId="{36AA76C5-D832-4F73-8806-EA285B6F7CC4}" srcId="{E3D91150-F10B-4BC6-8EE8-8AAA4C0DF062}" destId="{B08407D1-040C-4A3F-9FD4-9BB1A973E1FD}" srcOrd="0" destOrd="0" parTransId="{C9B71760-2A50-4A6B-B2B1-202595623F52}" sibTransId="{7AB2682E-ABD0-41D8-BFA5-B66C427EF0B0}"/>
+    <dgm:cxn modelId="{712C5DE3-FF26-4D17-B12D-C49599FC900E}" type="presOf" srcId="{01AEA45B-8323-490B-93BF-D62F820E8653}" destId="{58E2B8D9-1635-4E5B-B632-88F06F0B4309}" srcOrd="1" destOrd="0" presId="urn:microsoft.com/office/officeart/2016/7/layout/LinearBlockProcessNumbered"/>
+    <dgm:cxn modelId="{C2DE02F0-29EC-4C13-93CE-DBC8BC709C23}" type="presOf" srcId="{E3861CCC-C7F3-4221-9F2E-EDBB6CC602D0}" destId="{4F46F7C9-5527-43AD-9419-2B42C6E7B909}" srcOrd="0" destOrd="0" presId="urn:microsoft.com/office/officeart/2016/7/layout/LinearBlockProcessNumbered"/>
+    <dgm:cxn modelId="{8D2EF389-7EBE-436B-8367-A784A2F050C5}" type="presParOf" srcId="{A0A66813-7697-4CA3-807B-2B2B91F3D226}" destId="{3D12A0CD-2A02-4905-91F4-1047BC04C7B0}" srcOrd="0" destOrd="0" presId="urn:microsoft.com/office/officeart/2016/7/layout/LinearBlockProcessNumbered"/>
+    <dgm:cxn modelId="{EB1495CA-E512-4CC5-B6DD-6C16F6D2E501}" type="presParOf" srcId="{3D12A0CD-2A02-4905-91F4-1047BC04C7B0}" destId="{05E2F751-54D3-4C6C-A120-BBB4C16DF8CF}" srcOrd="0" destOrd="0" presId="urn:microsoft.com/office/officeart/2016/7/layout/LinearBlockProcessNumbered"/>
+    <dgm:cxn modelId="{E5670F01-9A77-4D22-B66B-E10CBCCF2FD9}" type="presParOf" srcId="{3D12A0CD-2A02-4905-91F4-1047BC04C7B0}" destId="{A78EF612-D805-4775-9E4A-D80DA583D3B3}" srcOrd="1" destOrd="0" presId="urn:microsoft.com/office/officeart/2016/7/layout/LinearBlockProcessNumbered"/>
+    <dgm:cxn modelId="{E819C001-B803-435C-921D-FCFC8BA313AB}" type="presParOf" srcId="{3D12A0CD-2A02-4905-91F4-1047BC04C7B0}" destId="{D8970FE5-5F5D-4226-B706-A66004DE1124}" srcOrd="2" destOrd="0" presId="urn:microsoft.com/office/officeart/2016/7/layout/LinearBlockProcessNumbered"/>
+    <dgm:cxn modelId="{A3855035-80D4-4FAD-B5AA-E03AF91CAEEA}" type="presParOf" srcId="{A0A66813-7697-4CA3-807B-2B2B91F3D226}" destId="{C44CE00E-1B66-4B8C-9D5D-2B9C061026A9}" srcOrd="1" destOrd="0" presId="urn:microsoft.com/office/officeart/2016/7/layout/LinearBlockProcessNumbered"/>
+    <dgm:cxn modelId="{7ABD6389-096E-42BD-8E50-F51095232F3E}" type="presParOf" srcId="{A0A66813-7697-4CA3-807B-2B2B91F3D226}" destId="{CD0DBD09-4095-4D9B-AE87-80235FB03AAC}" srcOrd="2" destOrd="0" presId="urn:microsoft.com/office/officeart/2016/7/layout/LinearBlockProcessNumbered"/>
+    <dgm:cxn modelId="{7073F1C0-8CE2-4DFB-8C46-8601BB5E566A}" type="presParOf" srcId="{CD0DBD09-4095-4D9B-AE87-80235FB03AAC}" destId="{E0F88429-96F5-46B4-9874-C0EA9FF1ED06}" srcOrd="0" destOrd="0" presId="urn:microsoft.com/office/officeart/2016/7/layout/LinearBlockProcessNumbered"/>
+    <dgm:cxn modelId="{90AC7BCF-971E-4A23-B9F5-B3726D17A255}" type="presParOf" srcId="{CD0DBD09-4095-4D9B-AE87-80235FB03AAC}" destId="{FD2B87E1-BC46-4694-9896-590D8FA08012}" srcOrd="1" destOrd="0" presId="urn:microsoft.com/office/officeart/2016/7/layout/LinearBlockProcessNumbered"/>
+    <dgm:cxn modelId="{ECD34436-EBB0-400D-A556-5D3FB3985173}" type="presParOf" srcId="{CD0DBD09-4095-4D9B-AE87-80235FB03AAC}" destId="{A88AB0B6-F395-4806-819E-4765D9B0E12A}" srcOrd="2" destOrd="0" presId="urn:microsoft.com/office/officeart/2016/7/layout/LinearBlockProcessNumbered"/>
+    <dgm:cxn modelId="{9C70C784-3A10-4BB6-8013-2E30B6D38723}" type="presParOf" srcId="{A0A66813-7697-4CA3-807B-2B2B91F3D226}" destId="{05EDB699-491A-4ED8-BD83-018DC4F2BAEA}" srcOrd="3" destOrd="0" presId="urn:microsoft.com/office/officeart/2016/7/layout/LinearBlockProcessNumbered"/>
+    <dgm:cxn modelId="{4F9FE168-B7E0-4BE7-B8D8-2084A912F37F}" type="presParOf" srcId="{A0A66813-7697-4CA3-807B-2B2B91F3D226}" destId="{44AA3BF1-281E-4FEE-B7FA-C7C690F3F75F}" srcOrd="4" destOrd="0" presId="urn:microsoft.com/office/officeart/2016/7/layout/LinearBlockProcessNumbered"/>
+    <dgm:cxn modelId="{B8E12914-A2B2-4C3F-A2BC-F4462B3E0CB7}" type="presParOf" srcId="{44AA3BF1-281E-4FEE-B7FA-C7C690F3F75F}" destId="{EFB2E0FF-5F84-402B-BAF5-405C6359C684}" srcOrd="0" destOrd="0" presId="urn:microsoft.com/office/officeart/2016/7/layout/LinearBlockProcessNumbered"/>
+    <dgm:cxn modelId="{0DEF2964-D650-4979-A37F-108313062DD0}" type="presParOf" srcId="{44AA3BF1-281E-4FEE-B7FA-C7C690F3F75F}" destId="{4F46F7C9-5527-43AD-9419-2B42C6E7B909}" srcOrd="1" destOrd="0" presId="urn:microsoft.com/office/officeart/2016/7/layout/LinearBlockProcessNumbered"/>
+    <dgm:cxn modelId="{EBDD04CF-E7FE-4DFB-B17B-3D032F8C0957}" type="presParOf" srcId="{44AA3BF1-281E-4FEE-B7FA-C7C690F3F75F}" destId="{B81444EF-80EC-4B97-A819-D09A75A7C47B}" srcOrd="2" destOrd="0" presId="urn:microsoft.com/office/officeart/2016/7/layout/LinearBlockProcessNumbered"/>
+    <dgm:cxn modelId="{983B9408-63DB-4411-9D98-A616E895BC81}" type="presParOf" srcId="{A0A66813-7697-4CA3-807B-2B2B91F3D226}" destId="{B7C5AEAD-FCCF-4830-9971-F12C4DC8EC27}" srcOrd="5" destOrd="0" presId="urn:microsoft.com/office/officeart/2016/7/layout/LinearBlockProcessNumbered"/>
+    <dgm:cxn modelId="{F645648E-BB9B-4432-B837-F81903C7A509}" type="presParOf" srcId="{A0A66813-7697-4CA3-807B-2B2B91F3D226}" destId="{386F14F8-7486-42E0-B10D-EAA9C203CB46}" srcOrd="6" destOrd="0" presId="urn:microsoft.com/office/officeart/2016/7/layout/LinearBlockProcessNumbered"/>
+    <dgm:cxn modelId="{28A41B31-D04D-485C-AC17-8D8BA310D51C}" type="presParOf" srcId="{386F14F8-7486-42E0-B10D-EAA9C203CB46}" destId="{152A7D6F-6C3B-48F8-908E-4F3C95A8A82D}" srcOrd="0" destOrd="0" presId="urn:microsoft.com/office/officeart/2016/7/layout/LinearBlockProcessNumbered"/>
+    <dgm:cxn modelId="{1461619B-63AD-4B84-941B-9DBC645D474D}" type="presParOf" srcId="{386F14F8-7486-42E0-B10D-EAA9C203CB46}" destId="{F64C5A4B-087A-4EDE-AA77-21C26914D7B4}" srcOrd="1" destOrd="0" presId="urn:microsoft.com/office/officeart/2016/7/layout/LinearBlockProcessNumbered"/>
+    <dgm:cxn modelId="{4C2D4B0D-8212-409D-A5E6-58D269058F60}" type="presParOf" srcId="{386F14F8-7486-42E0-B10D-EAA9C203CB46}" destId="{4AEF058D-C008-4E82-B1CA-CD72D53E5F52}" srcOrd="2" destOrd="0" presId="urn:microsoft.com/office/officeart/2016/7/layout/LinearBlockProcessNumbered"/>
+    <dgm:cxn modelId="{66C0D73F-A3A0-4BF2-9EFF-2F6E03990D7F}" type="presParOf" srcId="{A0A66813-7697-4CA3-807B-2B2B91F3D226}" destId="{55E91BF4-B69C-4032-9A91-E6F6C50BBED8}" srcOrd="7" destOrd="0" presId="urn:microsoft.com/office/officeart/2016/7/layout/LinearBlockProcessNumbered"/>
+    <dgm:cxn modelId="{B67F2FDA-B75D-432D-AC53-0055B5BE4C06}" type="presParOf" srcId="{A0A66813-7697-4CA3-807B-2B2B91F3D226}" destId="{1A6AB4E0-AAFB-4CFA-9F80-E64E5EA77087}" srcOrd="8" destOrd="0" presId="urn:microsoft.com/office/officeart/2016/7/layout/LinearBlockProcessNumbered"/>
+    <dgm:cxn modelId="{F7641554-0F7C-49E3-9845-0C69F36F625F}" type="presParOf" srcId="{1A6AB4E0-AAFB-4CFA-9F80-E64E5EA77087}" destId="{B7EFADAD-A63A-49CB-BFC6-9BCB2EFD653B}" srcOrd="0" destOrd="0" presId="urn:microsoft.com/office/officeart/2016/7/layout/LinearBlockProcessNumbered"/>
+    <dgm:cxn modelId="{ACF81DA5-D286-48FE-92AB-26D3612D8A72}" type="presParOf" srcId="{1A6AB4E0-AAFB-4CFA-9F80-E64E5EA77087}" destId="{2A803205-BDCE-49A4-AAD8-F60DEBA93FF6}" srcOrd="1" destOrd="0" presId="urn:microsoft.com/office/officeart/2016/7/layout/LinearBlockProcessNumbered"/>
+    <dgm:cxn modelId="{523A6307-D658-4FCA-A167-ED8152C92E5B}" type="presParOf" srcId="{1A6AB4E0-AAFB-4CFA-9F80-E64E5EA77087}" destId="{58E2B8D9-1635-4E5B-B632-88F06F0B4309}" srcOrd="2" destOrd="0" presId="urn:microsoft.com/office/officeart/2016/7/layout/LinearBlockProcessNumbered"/>
+    <dgm:cxn modelId="{40198607-4D16-4BFF-B594-99B14B3D3905}" type="presParOf" srcId="{A0A66813-7697-4CA3-807B-2B2B91F3D226}" destId="{C675AAF9-EE34-4F46-8198-A886726D2CB7}" srcOrd="9" destOrd="0" presId="urn:microsoft.com/office/officeart/2016/7/layout/LinearBlockProcessNumbered"/>
+    <dgm:cxn modelId="{9562A380-0FE4-44F9-86AD-A8AB694EED4D}" type="presParOf" srcId="{A0A66813-7697-4CA3-807B-2B2B91F3D226}" destId="{25A379D6-3DB3-40D1-A858-5FF7C604903E}" srcOrd="10" destOrd="0" presId="urn:microsoft.com/office/officeart/2016/7/layout/LinearBlockProcessNumbered"/>
+    <dgm:cxn modelId="{9A1F3C0E-5C44-444C-90FA-DECD455139D5}" type="presParOf" srcId="{25A379D6-3DB3-40D1-A858-5FF7C604903E}" destId="{BD250C08-9C2A-4C11-8B08-AE043A9E6C0D}" srcOrd="0" destOrd="0" presId="urn:microsoft.com/office/officeart/2016/7/layout/LinearBlockProcessNumbered"/>
+    <dgm:cxn modelId="{85579E4E-49BE-4CA5-BE14-C473198A5BB3}" type="presParOf" srcId="{25A379D6-3DB3-40D1-A858-5FF7C604903E}" destId="{F21D2EFD-4E7B-4C9D-BDF1-1ACE78AB1B02}" srcOrd="1" destOrd="0" presId="urn:microsoft.com/office/officeart/2016/7/layout/LinearBlockProcessNumbered"/>
+    <dgm:cxn modelId="{22A25A4F-3F1D-4040-B1FC-B8934258B42F}" type="presParOf" srcId="{25A379D6-3DB3-40D1-A858-5FF7C604903E}" destId="{1BD9288D-1F5F-4CBC-ADA3-F85C697F4360}" srcOrd="2" destOrd="0" presId="urn:microsoft.com/office/officeart/2016/7/layout/LinearBlockProcessNumbered"/>
   </dgm:cxnLst>
   <dgm:bg/>
   <dgm:whole/>
@@ -1952,6 +3409,890 @@
 </dsp:drawing>
 </file>
 
+<file path=ppt/diagrams/drawing2.xml><?xml version="1.0" encoding="utf-8"?>
+<dsp:drawing xmlns:dgm="http://schemas.openxmlformats.org/drawingml/2006/diagram" xmlns:dsp="http://schemas.microsoft.com/office/drawing/2008/diagram" xmlns:a="http://schemas.openxmlformats.org/drawingml/2006/main">
+  <dsp:spTree>
+    <dsp:nvGrpSpPr>
+      <dsp:cNvPr id="0" name=""/>
+      <dsp:cNvGrpSpPr/>
+    </dsp:nvGrpSpPr>
+    <dsp:grpSpPr/>
+    <dsp:sp modelId="{05E2F751-54D3-4C6C-A120-BBB4C16DF8CF}">
+      <dsp:nvSpPr>
+        <dsp:cNvPr id="0" name=""/>
+        <dsp:cNvSpPr/>
+      </dsp:nvSpPr>
+      <dsp:spPr>
+        <a:xfrm>
+          <a:off x="0" y="528842"/>
+          <a:ext cx="1604367" cy="1925240"/>
+        </a:xfrm>
+        <a:prstGeom prst="rect">
+          <a:avLst/>
+        </a:prstGeom>
+        <a:solidFill>
+          <a:schemeClr val="accent2">
+            <a:hueOff val="0"/>
+            <a:satOff val="0"/>
+            <a:lumOff val="0"/>
+            <a:alphaOff val="0"/>
+          </a:schemeClr>
+        </a:solidFill>
+        <a:ln w="12700" cap="flat" cmpd="sng" algn="ctr">
+          <a:solidFill>
+            <a:schemeClr val="accent2">
+              <a:hueOff val="0"/>
+              <a:satOff val="0"/>
+              <a:lumOff val="0"/>
+              <a:alphaOff val="0"/>
+            </a:schemeClr>
+          </a:solidFill>
+          <a:prstDash val="solid"/>
+          <a:miter lim="800000"/>
+        </a:ln>
+        <a:effectLst/>
+      </dsp:spPr>
+      <dsp:style>
+        <a:lnRef idx="2">
+          <a:scrgbClr r="0" g="0" b="0"/>
+        </a:lnRef>
+        <a:fillRef idx="1">
+          <a:scrgbClr r="0" g="0" b="0"/>
+        </a:fillRef>
+        <a:effectRef idx="0">
+          <a:scrgbClr r="0" g="0" b="0"/>
+        </a:effectRef>
+        <a:fontRef idx="minor">
+          <a:schemeClr val="lt1"/>
+        </a:fontRef>
+      </dsp:style>
+      <dsp:txBody>
+        <a:bodyPr spcFirstLastPara="0" vert="horz" wrap="square" lIns="158476" tIns="0" rIns="158476" bIns="330200" numCol="1" spcCol="1270" anchor="t" anchorCtr="0">
+          <a:noAutofit/>
+        </a:bodyPr>
+        <a:lstStyle/>
+        <a:p>
+          <a:pPr marL="0" lvl="0" indent="0" algn="l" defTabSz="889000">
+            <a:lnSpc>
+              <a:spcPct val="90000"/>
+            </a:lnSpc>
+            <a:spcBef>
+              <a:spcPct val="0"/>
+            </a:spcBef>
+            <a:spcAft>
+              <a:spcPct val="35000"/>
+            </a:spcAft>
+            <a:buNone/>
+          </a:pPr>
+          <a:r>
+            <a:rPr lang="es-ES" sz="2000" b="0" i="0" kern="1200"/>
+            <a:t>Saludar</a:t>
+          </a:r>
+          <a:endParaRPr lang="en-US" sz="2000" kern="1200"/>
+        </a:p>
+      </dsp:txBody>
+      <dsp:txXfrm>
+        <a:off x="0" y="1298938"/>
+        <a:ext cx="1604367" cy="1155144"/>
+      </dsp:txXfrm>
+    </dsp:sp>
+    <dsp:sp modelId="{A78EF612-D805-4775-9E4A-D80DA583D3B3}">
+      <dsp:nvSpPr>
+        <dsp:cNvPr id="0" name=""/>
+        <dsp:cNvSpPr/>
+      </dsp:nvSpPr>
+      <dsp:spPr>
+        <a:xfrm>
+          <a:off x="0" y="528842"/>
+          <a:ext cx="1604367" cy="770096"/>
+        </a:xfrm>
+        <a:prstGeom prst="rect">
+          <a:avLst/>
+        </a:prstGeom>
+        <a:noFill/>
+        <a:ln w="12700" cap="flat" cmpd="sng" algn="ctr">
+          <a:noFill/>
+          <a:prstDash val="solid"/>
+          <a:miter lim="800000"/>
+        </a:ln>
+        <a:effectLst/>
+        <a:sp3d/>
+      </dsp:spPr>
+      <dsp:style>
+        <a:lnRef idx="2">
+          <a:scrgbClr r="0" g="0" b="0"/>
+        </a:lnRef>
+        <a:fillRef idx="1">
+          <a:scrgbClr r="0" g="0" b="0"/>
+        </a:fillRef>
+        <a:effectRef idx="0">
+          <a:scrgbClr r="0" g="0" b="0"/>
+        </a:effectRef>
+        <a:fontRef idx="minor">
+          <a:schemeClr val="lt1"/>
+        </a:fontRef>
+      </dsp:style>
+      <dsp:txBody>
+        <a:bodyPr spcFirstLastPara="0" vert="horz" wrap="square" lIns="158476" tIns="165100" rIns="158476" bIns="165100" numCol="1" spcCol="1270" anchor="ctr" anchorCtr="0">
+          <a:noAutofit/>
+        </a:bodyPr>
+        <a:lstStyle/>
+        <a:p>
+          <a:pPr marL="0" lvl="0" indent="0" algn="l" defTabSz="1466850">
+            <a:lnSpc>
+              <a:spcPct val="90000"/>
+            </a:lnSpc>
+            <a:spcBef>
+              <a:spcPct val="0"/>
+            </a:spcBef>
+            <a:spcAft>
+              <a:spcPct val="35000"/>
+            </a:spcAft>
+            <a:buNone/>
+          </a:pPr>
+          <a:r>
+            <a:rPr lang="en-US" sz="3300" kern="1200"/>
+            <a:t>01</a:t>
+          </a:r>
+        </a:p>
+      </dsp:txBody>
+      <dsp:txXfrm>
+        <a:off x="0" y="528842"/>
+        <a:ext cx="1604367" cy="770096"/>
+      </dsp:txXfrm>
+    </dsp:sp>
+    <dsp:sp modelId="{E0F88429-96F5-46B4-9874-C0EA9FF1ED06}">
+      <dsp:nvSpPr>
+        <dsp:cNvPr id="0" name=""/>
+        <dsp:cNvSpPr/>
+      </dsp:nvSpPr>
+      <dsp:spPr>
+        <a:xfrm>
+          <a:off x="1732716" y="528842"/>
+          <a:ext cx="1604367" cy="1925240"/>
+        </a:xfrm>
+        <a:prstGeom prst="rect">
+          <a:avLst/>
+        </a:prstGeom>
+        <a:solidFill>
+          <a:schemeClr val="accent3">
+            <a:hueOff val="0"/>
+            <a:satOff val="0"/>
+            <a:lumOff val="0"/>
+            <a:alphaOff val="0"/>
+          </a:schemeClr>
+        </a:solidFill>
+        <a:ln w="12700" cap="flat" cmpd="sng" algn="ctr">
+          <a:solidFill>
+            <a:schemeClr val="accent3">
+              <a:hueOff val="0"/>
+              <a:satOff val="0"/>
+              <a:lumOff val="0"/>
+              <a:alphaOff val="0"/>
+            </a:schemeClr>
+          </a:solidFill>
+          <a:prstDash val="solid"/>
+          <a:miter lim="800000"/>
+        </a:ln>
+        <a:effectLst/>
+      </dsp:spPr>
+      <dsp:style>
+        <a:lnRef idx="2">
+          <a:scrgbClr r="0" g="0" b="0"/>
+        </a:lnRef>
+        <a:fillRef idx="1">
+          <a:scrgbClr r="0" g="0" b="0"/>
+        </a:fillRef>
+        <a:effectRef idx="0">
+          <a:scrgbClr r="0" g="0" b="0"/>
+        </a:effectRef>
+        <a:fontRef idx="minor">
+          <a:schemeClr val="lt1"/>
+        </a:fontRef>
+      </dsp:style>
+      <dsp:txBody>
+        <a:bodyPr spcFirstLastPara="0" vert="horz" wrap="square" lIns="158476" tIns="0" rIns="158476" bIns="330200" numCol="1" spcCol="1270" anchor="t" anchorCtr="0">
+          <a:noAutofit/>
+        </a:bodyPr>
+        <a:lstStyle/>
+        <a:p>
+          <a:pPr marL="0" lvl="0" indent="0" algn="l" defTabSz="889000">
+            <a:lnSpc>
+              <a:spcPct val="90000"/>
+            </a:lnSpc>
+            <a:spcBef>
+              <a:spcPct val="0"/>
+            </a:spcBef>
+            <a:spcAft>
+              <a:spcPct val="35000"/>
+            </a:spcAft>
+            <a:buNone/>
+          </a:pPr>
+          <a:r>
+            <a:rPr lang="es-ES" sz="2000" b="0" i="0" kern="1200"/>
+            <a:t>Ubicaci</a:t>
+          </a:r>
+          <a:r>
+            <a:rPr lang="es-ES" sz="2000" kern="1200"/>
+            <a:t>ó</a:t>
+          </a:r>
+          <a:r>
+            <a:rPr lang="es-ES" sz="2000" b="0" i="0" kern="1200"/>
+            <a:t>n</a:t>
+          </a:r>
+          <a:endParaRPr lang="en-US" sz="2000" kern="1200"/>
+        </a:p>
+      </dsp:txBody>
+      <dsp:txXfrm>
+        <a:off x="1732716" y="1298938"/>
+        <a:ext cx="1604367" cy="1155144"/>
+      </dsp:txXfrm>
+    </dsp:sp>
+    <dsp:sp modelId="{FD2B87E1-BC46-4694-9896-590D8FA08012}">
+      <dsp:nvSpPr>
+        <dsp:cNvPr id="0" name=""/>
+        <dsp:cNvSpPr/>
+      </dsp:nvSpPr>
+      <dsp:spPr>
+        <a:xfrm>
+          <a:off x="1732716" y="528842"/>
+          <a:ext cx="1604367" cy="770096"/>
+        </a:xfrm>
+        <a:prstGeom prst="rect">
+          <a:avLst/>
+        </a:prstGeom>
+        <a:noFill/>
+        <a:ln w="12700" cap="flat" cmpd="sng" algn="ctr">
+          <a:noFill/>
+          <a:prstDash val="solid"/>
+          <a:miter lim="800000"/>
+        </a:ln>
+        <a:effectLst/>
+        <a:sp3d/>
+      </dsp:spPr>
+      <dsp:style>
+        <a:lnRef idx="2">
+          <a:scrgbClr r="0" g="0" b="0"/>
+        </a:lnRef>
+        <a:fillRef idx="1">
+          <a:scrgbClr r="0" g="0" b="0"/>
+        </a:fillRef>
+        <a:effectRef idx="0">
+          <a:scrgbClr r="0" g="0" b="0"/>
+        </a:effectRef>
+        <a:fontRef idx="minor">
+          <a:schemeClr val="lt1"/>
+        </a:fontRef>
+      </dsp:style>
+      <dsp:txBody>
+        <a:bodyPr spcFirstLastPara="0" vert="horz" wrap="square" lIns="158476" tIns="165100" rIns="158476" bIns="165100" numCol="1" spcCol="1270" anchor="ctr" anchorCtr="0">
+          <a:noAutofit/>
+        </a:bodyPr>
+        <a:lstStyle/>
+        <a:p>
+          <a:pPr marL="0" lvl="0" indent="0" algn="l" defTabSz="1466850">
+            <a:lnSpc>
+              <a:spcPct val="90000"/>
+            </a:lnSpc>
+            <a:spcBef>
+              <a:spcPct val="0"/>
+            </a:spcBef>
+            <a:spcAft>
+              <a:spcPct val="35000"/>
+            </a:spcAft>
+            <a:buNone/>
+          </a:pPr>
+          <a:r>
+            <a:rPr lang="en-US" sz="3300" kern="1200"/>
+            <a:t>02</a:t>
+          </a:r>
+        </a:p>
+      </dsp:txBody>
+      <dsp:txXfrm>
+        <a:off x="1732716" y="528842"/>
+        <a:ext cx="1604367" cy="770096"/>
+      </dsp:txXfrm>
+    </dsp:sp>
+    <dsp:sp modelId="{EFB2E0FF-5F84-402B-BAF5-405C6359C684}">
+      <dsp:nvSpPr>
+        <dsp:cNvPr id="0" name=""/>
+        <dsp:cNvSpPr/>
+      </dsp:nvSpPr>
+      <dsp:spPr>
+        <a:xfrm>
+          <a:off x="3465433" y="528842"/>
+          <a:ext cx="1604367" cy="1925240"/>
+        </a:xfrm>
+        <a:prstGeom prst="rect">
+          <a:avLst/>
+        </a:prstGeom>
+        <a:solidFill>
+          <a:schemeClr val="accent4">
+            <a:hueOff val="0"/>
+            <a:satOff val="0"/>
+            <a:lumOff val="0"/>
+            <a:alphaOff val="0"/>
+          </a:schemeClr>
+        </a:solidFill>
+        <a:ln w="12700" cap="flat" cmpd="sng" algn="ctr">
+          <a:solidFill>
+            <a:schemeClr val="accent4">
+              <a:hueOff val="0"/>
+              <a:satOff val="0"/>
+              <a:lumOff val="0"/>
+              <a:alphaOff val="0"/>
+            </a:schemeClr>
+          </a:solidFill>
+          <a:prstDash val="solid"/>
+          <a:miter lim="800000"/>
+        </a:ln>
+        <a:effectLst/>
+      </dsp:spPr>
+      <dsp:style>
+        <a:lnRef idx="2">
+          <a:scrgbClr r="0" g="0" b="0"/>
+        </a:lnRef>
+        <a:fillRef idx="1">
+          <a:scrgbClr r="0" g="0" b="0"/>
+        </a:fillRef>
+        <a:effectRef idx="0">
+          <a:scrgbClr r="0" g="0" b="0"/>
+        </a:effectRef>
+        <a:fontRef idx="minor">
+          <a:schemeClr val="lt1"/>
+        </a:fontRef>
+      </dsp:style>
+      <dsp:txBody>
+        <a:bodyPr spcFirstLastPara="0" vert="horz" wrap="square" lIns="158476" tIns="0" rIns="158476" bIns="330200" numCol="1" spcCol="1270" anchor="t" anchorCtr="0">
+          <a:noAutofit/>
+        </a:bodyPr>
+        <a:lstStyle/>
+        <a:p>
+          <a:pPr marL="0" lvl="0" indent="0" algn="l" defTabSz="889000">
+            <a:lnSpc>
+              <a:spcPct val="90000"/>
+            </a:lnSpc>
+            <a:spcBef>
+              <a:spcPct val="0"/>
+            </a:spcBef>
+            <a:spcAft>
+              <a:spcPct val="35000"/>
+            </a:spcAft>
+            <a:buNone/>
+          </a:pPr>
+          <a:r>
+            <a:rPr lang="es-ES" sz="2000" b="0" i="0" kern="1200" dirty="0"/>
+            <a:t>Nombre</a:t>
+          </a:r>
+          <a:endParaRPr lang="en-US" sz="2000" kern="1200" dirty="0"/>
+        </a:p>
+      </dsp:txBody>
+      <dsp:txXfrm>
+        <a:off x="3465433" y="1298938"/>
+        <a:ext cx="1604367" cy="1155144"/>
+      </dsp:txXfrm>
+    </dsp:sp>
+    <dsp:sp modelId="{4F46F7C9-5527-43AD-9419-2B42C6E7B909}">
+      <dsp:nvSpPr>
+        <dsp:cNvPr id="0" name=""/>
+        <dsp:cNvSpPr/>
+      </dsp:nvSpPr>
+      <dsp:spPr>
+        <a:xfrm>
+          <a:off x="3465433" y="528842"/>
+          <a:ext cx="1604367" cy="770096"/>
+        </a:xfrm>
+        <a:prstGeom prst="rect">
+          <a:avLst/>
+        </a:prstGeom>
+        <a:noFill/>
+        <a:ln w="12700" cap="flat" cmpd="sng" algn="ctr">
+          <a:noFill/>
+          <a:prstDash val="solid"/>
+          <a:miter lim="800000"/>
+        </a:ln>
+        <a:effectLst/>
+        <a:sp3d/>
+      </dsp:spPr>
+      <dsp:style>
+        <a:lnRef idx="2">
+          <a:scrgbClr r="0" g="0" b="0"/>
+        </a:lnRef>
+        <a:fillRef idx="1">
+          <a:scrgbClr r="0" g="0" b="0"/>
+        </a:fillRef>
+        <a:effectRef idx="0">
+          <a:scrgbClr r="0" g="0" b="0"/>
+        </a:effectRef>
+        <a:fontRef idx="minor">
+          <a:schemeClr val="lt1"/>
+        </a:fontRef>
+      </dsp:style>
+      <dsp:txBody>
+        <a:bodyPr spcFirstLastPara="0" vert="horz" wrap="square" lIns="158476" tIns="165100" rIns="158476" bIns="165100" numCol="1" spcCol="1270" anchor="ctr" anchorCtr="0">
+          <a:noAutofit/>
+        </a:bodyPr>
+        <a:lstStyle/>
+        <a:p>
+          <a:pPr marL="0" lvl="0" indent="0" algn="l" defTabSz="1466850">
+            <a:lnSpc>
+              <a:spcPct val="90000"/>
+            </a:lnSpc>
+            <a:spcBef>
+              <a:spcPct val="0"/>
+            </a:spcBef>
+            <a:spcAft>
+              <a:spcPct val="35000"/>
+            </a:spcAft>
+            <a:buNone/>
+          </a:pPr>
+          <a:r>
+            <a:rPr lang="en-US" sz="3300" kern="1200"/>
+            <a:t>03</a:t>
+          </a:r>
+        </a:p>
+      </dsp:txBody>
+      <dsp:txXfrm>
+        <a:off x="3465433" y="528842"/>
+        <a:ext cx="1604367" cy="770096"/>
+      </dsp:txXfrm>
+    </dsp:sp>
+    <dsp:sp modelId="{152A7D6F-6C3B-48F8-908E-4F3C95A8A82D}">
+      <dsp:nvSpPr>
+        <dsp:cNvPr id="0" name=""/>
+        <dsp:cNvSpPr/>
+      </dsp:nvSpPr>
+      <dsp:spPr>
+        <a:xfrm>
+          <a:off x="5198149" y="528842"/>
+          <a:ext cx="1604367" cy="1925240"/>
+        </a:xfrm>
+        <a:prstGeom prst="rect">
+          <a:avLst/>
+        </a:prstGeom>
+        <a:solidFill>
+          <a:schemeClr val="accent5">
+            <a:hueOff val="0"/>
+            <a:satOff val="0"/>
+            <a:lumOff val="0"/>
+            <a:alphaOff val="0"/>
+          </a:schemeClr>
+        </a:solidFill>
+        <a:ln w="12700" cap="flat" cmpd="sng" algn="ctr">
+          <a:solidFill>
+            <a:schemeClr val="accent5">
+              <a:hueOff val="0"/>
+              <a:satOff val="0"/>
+              <a:lumOff val="0"/>
+              <a:alphaOff val="0"/>
+            </a:schemeClr>
+          </a:solidFill>
+          <a:prstDash val="solid"/>
+          <a:miter lim="800000"/>
+        </a:ln>
+        <a:effectLst/>
+      </dsp:spPr>
+      <dsp:style>
+        <a:lnRef idx="2">
+          <a:scrgbClr r="0" g="0" b="0"/>
+        </a:lnRef>
+        <a:fillRef idx="1">
+          <a:scrgbClr r="0" g="0" b="0"/>
+        </a:fillRef>
+        <a:effectRef idx="0">
+          <a:scrgbClr r="0" g="0" b="0"/>
+        </a:effectRef>
+        <a:fontRef idx="minor">
+          <a:schemeClr val="lt1"/>
+        </a:fontRef>
+      </dsp:style>
+      <dsp:txBody>
+        <a:bodyPr spcFirstLastPara="0" vert="horz" wrap="square" lIns="158476" tIns="0" rIns="158476" bIns="330200" numCol="1" spcCol="1270" anchor="t" anchorCtr="0">
+          <a:noAutofit/>
+        </a:bodyPr>
+        <a:lstStyle/>
+        <a:p>
+          <a:pPr marL="0" lvl="0" indent="0" algn="l" defTabSz="889000">
+            <a:lnSpc>
+              <a:spcPct val="90000"/>
+            </a:lnSpc>
+            <a:spcBef>
+              <a:spcPct val="0"/>
+            </a:spcBef>
+            <a:spcAft>
+              <a:spcPct val="35000"/>
+            </a:spcAft>
+            <a:buNone/>
+          </a:pPr>
+          <a:r>
+            <a:rPr lang="es-ES" sz="2000" b="0" i="0" kern="1200" dirty="0"/>
+            <a:t>Especie</a:t>
+          </a:r>
+          <a:endParaRPr lang="en-US" sz="2000" kern="1200" dirty="0"/>
+        </a:p>
+      </dsp:txBody>
+      <dsp:txXfrm>
+        <a:off x="5198149" y="1298938"/>
+        <a:ext cx="1604367" cy="1155144"/>
+      </dsp:txXfrm>
+    </dsp:sp>
+    <dsp:sp modelId="{F64C5A4B-087A-4EDE-AA77-21C26914D7B4}">
+      <dsp:nvSpPr>
+        <dsp:cNvPr id="0" name=""/>
+        <dsp:cNvSpPr/>
+      </dsp:nvSpPr>
+      <dsp:spPr>
+        <a:xfrm>
+          <a:off x="5198149" y="528842"/>
+          <a:ext cx="1604367" cy="770096"/>
+        </a:xfrm>
+        <a:prstGeom prst="rect">
+          <a:avLst/>
+        </a:prstGeom>
+        <a:noFill/>
+        <a:ln w="12700" cap="flat" cmpd="sng" algn="ctr">
+          <a:noFill/>
+          <a:prstDash val="solid"/>
+          <a:miter lim="800000"/>
+        </a:ln>
+        <a:effectLst/>
+        <a:sp3d/>
+      </dsp:spPr>
+      <dsp:style>
+        <a:lnRef idx="2">
+          <a:scrgbClr r="0" g="0" b="0"/>
+        </a:lnRef>
+        <a:fillRef idx="1">
+          <a:scrgbClr r="0" g="0" b="0"/>
+        </a:fillRef>
+        <a:effectRef idx="0">
+          <a:scrgbClr r="0" g="0" b="0"/>
+        </a:effectRef>
+        <a:fontRef idx="minor">
+          <a:schemeClr val="lt1"/>
+        </a:fontRef>
+      </dsp:style>
+      <dsp:txBody>
+        <a:bodyPr spcFirstLastPara="0" vert="horz" wrap="square" lIns="158476" tIns="165100" rIns="158476" bIns="165100" numCol="1" spcCol="1270" anchor="ctr" anchorCtr="0">
+          <a:noAutofit/>
+        </a:bodyPr>
+        <a:lstStyle/>
+        <a:p>
+          <a:pPr marL="0" lvl="0" indent="0" algn="l" defTabSz="1466850">
+            <a:lnSpc>
+              <a:spcPct val="90000"/>
+            </a:lnSpc>
+            <a:spcBef>
+              <a:spcPct val="0"/>
+            </a:spcBef>
+            <a:spcAft>
+              <a:spcPct val="35000"/>
+            </a:spcAft>
+            <a:buNone/>
+          </a:pPr>
+          <a:r>
+            <a:rPr lang="en-US" sz="3300" kern="1200"/>
+            <a:t>04</a:t>
+          </a:r>
+        </a:p>
+      </dsp:txBody>
+      <dsp:txXfrm>
+        <a:off x="5198149" y="528842"/>
+        <a:ext cx="1604367" cy="770096"/>
+      </dsp:txXfrm>
+    </dsp:sp>
+    <dsp:sp modelId="{B7EFADAD-A63A-49CB-BFC6-9BCB2EFD653B}">
+      <dsp:nvSpPr>
+        <dsp:cNvPr id="0" name=""/>
+        <dsp:cNvSpPr/>
+      </dsp:nvSpPr>
+      <dsp:spPr>
+        <a:xfrm>
+          <a:off x="6930866" y="528842"/>
+          <a:ext cx="1604367" cy="1925240"/>
+        </a:xfrm>
+        <a:prstGeom prst="rect">
+          <a:avLst/>
+        </a:prstGeom>
+        <a:solidFill>
+          <a:schemeClr val="accent6">
+            <a:hueOff val="0"/>
+            <a:satOff val="0"/>
+            <a:lumOff val="0"/>
+            <a:alphaOff val="0"/>
+          </a:schemeClr>
+        </a:solidFill>
+        <a:ln w="12700" cap="flat" cmpd="sng" algn="ctr">
+          <a:solidFill>
+            <a:schemeClr val="accent6">
+              <a:hueOff val="0"/>
+              <a:satOff val="0"/>
+              <a:lumOff val="0"/>
+              <a:alphaOff val="0"/>
+            </a:schemeClr>
+          </a:solidFill>
+          <a:prstDash val="solid"/>
+          <a:miter lim="800000"/>
+        </a:ln>
+        <a:effectLst/>
+      </dsp:spPr>
+      <dsp:style>
+        <a:lnRef idx="2">
+          <a:scrgbClr r="0" g="0" b="0"/>
+        </a:lnRef>
+        <a:fillRef idx="1">
+          <a:scrgbClr r="0" g="0" b="0"/>
+        </a:fillRef>
+        <a:effectRef idx="0">
+          <a:scrgbClr r="0" g="0" b="0"/>
+        </a:effectRef>
+        <a:fontRef idx="minor">
+          <a:schemeClr val="lt1"/>
+        </a:fontRef>
+      </dsp:style>
+      <dsp:txBody>
+        <a:bodyPr spcFirstLastPara="0" vert="horz" wrap="square" lIns="158476" tIns="0" rIns="158476" bIns="330200" numCol="1" spcCol="1270" anchor="t" anchorCtr="0">
+          <a:noAutofit/>
+        </a:bodyPr>
+        <a:lstStyle/>
+        <a:p>
+          <a:pPr marL="0" lvl="0" indent="0" algn="l" defTabSz="889000">
+            <a:lnSpc>
+              <a:spcPct val="90000"/>
+            </a:lnSpc>
+            <a:spcBef>
+              <a:spcPct val="0"/>
+            </a:spcBef>
+            <a:spcAft>
+              <a:spcPct val="35000"/>
+            </a:spcAft>
+            <a:buNone/>
+          </a:pPr>
+          <a:r>
+            <a:rPr lang="es-ES" sz="2000" b="0" i="0" kern="1200" dirty="0"/>
+            <a:t>Intenciones</a:t>
+          </a:r>
+          <a:endParaRPr lang="en-US" sz="2000" kern="1200" dirty="0"/>
+        </a:p>
+      </dsp:txBody>
+      <dsp:txXfrm>
+        <a:off x="6930866" y="1298938"/>
+        <a:ext cx="1604367" cy="1155144"/>
+      </dsp:txXfrm>
+    </dsp:sp>
+    <dsp:sp modelId="{2A803205-BDCE-49A4-AAD8-F60DEBA93FF6}">
+      <dsp:nvSpPr>
+        <dsp:cNvPr id="0" name=""/>
+        <dsp:cNvSpPr/>
+      </dsp:nvSpPr>
+      <dsp:spPr>
+        <a:xfrm>
+          <a:off x="6930866" y="528842"/>
+          <a:ext cx="1604367" cy="770096"/>
+        </a:xfrm>
+        <a:prstGeom prst="rect">
+          <a:avLst/>
+        </a:prstGeom>
+        <a:noFill/>
+        <a:ln w="12700" cap="flat" cmpd="sng" algn="ctr">
+          <a:noFill/>
+          <a:prstDash val="solid"/>
+          <a:miter lim="800000"/>
+        </a:ln>
+        <a:effectLst/>
+        <a:sp3d/>
+      </dsp:spPr>
+      <dsp:style>
+        <a:lnRef idx="2">
+          <a:scrgbClr r="0" g="0" b="0"/>
+        </a:lnRef>
+        <a:fillRef idx="1">
+          <a:scrgbClr r="0" g="0" b="0"/>
+        </a:fillRef>
+        <a:effectRef idx="0">
+          <a:scrgbClr r="0" g="0" b="0"/>
+        </a:effectRef>
+        <a:fontRef idx="minor">
+          <a:schemeClr val="lt1"/>
+        </a:fontRef>
+      </dsp:style>
+      <dsp:txBody>
+        <a:bodyPr spcFirstLastPara="0" vert="horz" wrap="square" lIns="158476" tIns="165100" rIns="158476" bIns="165100" numCol="1" spcCol="1270" anchor="ctr" anchorCtr="0">
+          <a:noAutofit/>
+        </a:bodyPr>
+        <a:lstStyle/>
+        <a:p>
+          <a:pPr marL="0" lvl="0" indent="0" algn="l" defTabSz="1466850">
+            <a:lnSpc>
+              <a:spcPct val="90000"/>
+            </a:lnSpc>
+            <a:spcBef>
+              <a:spcPct val="0"/>
+            </a:spcBef>
+            <a:spcAft>
+              <a:spcPct val="35000"/>
+            </a:spcAft>
+            <a:buNone/>
+          </a:pPr>
+          <a:r>
+            <a:rPr lang="en-US" sz="3300" kern="1200"/>
+            <a:t>05</a:t>
+          </a:r>
+        </a:p>
+      </dsp:txBody>
+      <dsp:txXfrm>
+        <a:off x="6930866" y="528842"/>
+        <a:ext cx="1604367" cy="770096"/>
+      </dsp:txXfrm>
+    </dsp:sp>
+    <dsp:sp modelId="{BD250C08-9C2A-4C11-8B08-AE043A9E6C0D}">
+      <dsp:nvSpPr>
+        <dsp:cNvPr id="0" name=""/>
+        <dsp:cNvSpPr/>
+      </dsp:nvSpPr>
+      <dsp:spPr>
+        <a:xfrm>
+          <a:off x="8663582" y="528842"/>
+          <a:ext cx="1604367" cy="1925240"/>
+        </a:xfrm>
+        <a:prstGeom prst="rect">
+          <a:avLst/>
+        </a:prstGeom>
+        <a:solidFill>
+          <a:schemeClr val="accent2">
+            <a:hueOff val="0"/>
+            <a:satOff val="0"/>
+            <a:lumOff val="0"/>
+            <a:alphaOff val="0"/>
+          </a:schemeClr>
+        </a:solidFill>
+        <a:ln w="12700" cap="flat" cmpd="sng" algn="ctr">
+          <a:solidFill>
+            <a:schemeClr val="accent2">
+              <a:hueOff val="0"/>
+              <a:satOff val="0"/>
+              <a:lumOff val="0"/>
+              <a:alphaOff val="0"/>
+            </a:schemeClr>
+          </a:solidFill>
+          <a:prstDash val="solid"/>
+          <a:miter lim="800000"/>
+        </a:ln>
+        <a:effectLst/>
+      </dsp:spPr>
+      <dsp:style>
+        <a:lnRef idx="2">
+          <a:scrgbClr r="0" g="0" b="0"/>
+        </a:lnRef>
+        <a:fillRef idx="1">
+          <a:scrgbClr r="0" g="0" b="0"/>
+        </a:fillRef>
+        <a:effectRef idx="0">
+          <a:scrgbClr r="0" g="0" b="0"/>
+        </a:effectRef>
+        <a:fontRef idx="minor">
+          <a:schemeClr val="lt1"/>
+        </a:fontRef>
+      </dsp:style>
+      <dsp:txBody>
+        <a:bodyPr spcFirstLastPara="0" vert="horz" wrap="square" lIns="158476" tIns="0" rIns="158476" bIns="330200" numCol="1" spcCol="1270" anchor="t" anchorCtr="0">
+          <a:noAutofit/>
+        </a:bodyPr>
+        <a:lstStyle/>
+        <a:p>
+          <a:pPr marL="0" lvl="0" indent="0" algn="l" defTabSz="889000">
+            <a:lnSpc>
+              <a:spcPct val="90000"/>
+            </a:lnSpc>
+            <a:spcBef>
+              <a:spcPct val="0"/>
+            </a:spcBef>
+            <a:spcAft>
+              <a:spcPct val="35000"/>
+            </a:spcAft>
+            <a:buNone/>
+          </a:pPr>
+          <a:r>
+            <a:rPr lang="es-ES" sz="2000" b="0" i="0" kern="1200"/>
+            <a:t>Despedida</a:t>
+          </a:r>
+          <a:endParaRPr lang="en-US" sz="2000" kern="1200"/>
+        </a:p>
+      </dsp:txBody>
+      <dsp:txXfrm>
+        <a:off x="8663582" y="1298938"/>
+        <a:ext cx="1604367" cy="1155144"/>
+      </dsp:txXfrm>
+    </dsp:sp>
+    <dsp:sp modelId="{F21D2EFD-4E7B-4C9D-BDF1-1ACE78AB1B02}">
+      <dsp:nvSpPr>
+        <dsp:cNvPr id="0" name=""/>
+        <dsp:cNvSpPr/>
+      </dsp:nvSpPr>
+      <dsp:spPr>
+        <a:xfrm>
+          <a:off x="8663582" y="528842"/>
+          <a:ext cx="1604367" cy="770096"/>
+        </a:xfrm>
+        <a:prstGeom prst="rect">
+          <a:avLst/>
+        </a:prstGeom>
+        <a:noFill/>
+        <a:ln w="12700" cap="flat" cmpd="sng" algn="ctr">
+          <a:noFill/>
+          <a:prstDash val="solid"/>
+          <a:miter lim="800000"/>
+        </a:ln>
+        <a:effectLst/>
+        <a:sp3d/>
+      </dsp:spPr>
+      <dsp:style>
+        <a:lnRef idx="2">
+          <a:scrgbClr r="0" g="0" b="0"/>
+        </a:lnRef>
+        <a:fillRef idx="1">
+          <a:scrgbClr r="0" g="0" b="0"/>
+        </a:fillRef>
+        <a:effectRef idx="0">
+          <a:scrgbClr r="0" g="0" b="0"/>
+        </a:effectRef>
+        <a:fontRef idx="minor">
+          <a:schemeClr val="lt1"/>
+        </a:fontRef>
+      </dsp:style>
+      <dsp:txBody>
+        <a:bodyPr spcFirstLastPara="0" vert="horz" wrap="square" lIns="158476" tIns="165100" rIns="158476" bIns="165100" numCol="1" spcCol="1270" anchor="ctr" anchorCtr="0">
+          <a:noAutofit/>
+        </a:bodyPr>
+        <a:lstStyle/>
+        <a:p>
+          <a:pPr marL="0" lvl="0" indent="0" algn="l" defTabSz="1466850">
+            <a:lnSpc>
+              <a:spcPct val="90000"/>
+            </a:lnSpc>
+            <a:spcBef>
+              <a:spcPct val="0"/>
+            </a:spcBef>
+            <a:spcAft>
+              <a:spcPct val="35000"/>
+            </a:spcAft>
+            <a:buNone/>
+          </a:pPr>
+          <a:r>
+            <a:rPr lang="en-US" sz="3300" kern="1200"/>
+            <a:t>06</a:t>
+          </a:r>
+        </a:p>
+      </dsp:txBody>
+      <dsp:txXfrm>
+        <a:off x="8663582" y="528842"/>
+        <a:ext cx="1604367" cy="770096"/>
+      </dsp:txXfrm>
+    </dsp:sp>
+  </dsp:spTree>
+</dsp:drawing>
+</file>
+
 <file path=ppt/diagrams/layout1.xml><?xml version="1.0" encoding="utf-8"?>
 <dgm:layoutDef xmlns:dgm="http://schemas.openxmlformats.org/drawingml/2006/diagram" xmlns:a="http://schemas.openxmlformats.org/drawingml/2006/main" uniqueId="urn:microsoft.com/office/officeart/2008/layout/LinedList">
   <dgm:title val=""/>
@@ -2418,6 +4759,272 @@
 </dgm:layoutDef>
 </file>
 
+<file path=ppt/diagrams/layout2.xml><?xml version="1.0" encoding="utf-8"?>
+<dgm:layoutDef xmlns:dgm="http://schemas.openxmlformats.org/drawingml/2006/diagram" xmlns:a="http://schemas.openxmlformats.org/drawingml/2006/main" uniqueId="urn:microsoft.com/office/officeart/2016/7/layout/LinearBlockProcessNumbered">
+  <dgm:title val="Linear Block Process Numbered"/>
+  <dgm:desc val="Used to show a progression; a timeline; sequential steps in a task, process, or workflow; or to emphasize movement or direction. Automatic numbers have been introduced to show the steps of the process. Level 1 text and Level 2 text both appears in a rectangle."/>
+  <dgm:catLst>
+    <dgm:cat type="process" pri="500"/>
+  </dgm:catLst>
+  <dgm:sampData>
+    <dgm:dataModel>
+      <dgm:ptLst>
+        <dgm:pt modelId="0" type="doc"/>
+        <dgm:pt modelId="1">
+          <dgm:prSet phldr="1"/>
+        </dgm:pt>
+        <dgm:pt modelId="11">
+          <dgm:prSet phldr="1"/>
+        </dgm:pt>
+        <dgm:pt modelId="2">
+          <dgm:prSet phldr="1"/>
+        </dgm:pt>
+        <dgm:pt modelId="21">
+          <dgm:prSet phldr="1"/>
+        </dgm:pt>
+        <dgm:pt modelId="3">
+          <dgm:prSet phldr="1"/>
+        </dgm:pt>
+        <dgm:pt modelId="31">
+          <dgm:prSet phldr="1"/>
+        </dgm:pt>
+        <dgm:pt modelId="101" type="sibTrans" cxnId="4">
+          <dgm:prSet phldrT="1"/>
+          <dgm:t>
+            <a:bodyPr/>
+            <a:lstStyle/>
+            <a:p>
+              <a:r>
+                <a:t>01</a:t>
+              </a:r>
+            </a:p>
+          </dgm:t>
+        </dgm:pt>
+        <dgm:pt modelId="201" type="sibTrans" cxnId="5">
+          <dgm:prSet phldrT="2"/>
+          <dgm:t>
+            <a:bodyPr/>
+            <a:lstStyle/>
+            <a:p>
+              <a:r>
+                <a:t>02</a:t>
+              </a:r>
+            </a:p>
+          </dgm:t>
+        </dgm:pt>
+        <dgm:pt modelId="301" type="sibTrans" cxnId="6">
+          <dgm:prSet phldrT="3"/>
+          <dgm:t>
+            <a:bodyPr/>
+            <a:lstStyle/>
+            <a:p>
+              <a:r>
+                <a:t>03</a:t>
+              </a:r>
+            </a:p>
+          </dgm:t>
+        </dgm:pt>
+      </dgm:ptLst>
+      <dgm:cxnLst>
+        <dgm:cxn modelId="4" srcId="0" destId="1" srcOrd="0" destOrd="0" sibTransId="101"/>
+        <dgm:cxn modelId="5" srcId="0" destId="2" srcOrd="1" destOrd="0" sibTransId="201"/>
+        <dgm:cxn modelId="6" srcId="0" destId="3" srcOrd="2" destOrd="0" sibTransId="301"/>
+        <dgm:cxn modelId="13" srcId="1" destId="11" srcOrd="0" destOrd="0"/>
+        <dgm:cxn modelId="23" srcId="2" destId="21" srcOrd="0" destOrd="0"/>
+        <dgm:cxn modelId="33" srcId="3" destId="31" srcOrd="0" destOrd="0"/>
+      </dgm:cxnLst>
+      <dgm:bg/>
+      <dgm:whole/>
+    </dgm:dataModel>
+  </dgm:sampData>
+  <dgm:styleData>
+    <dgm:dataModel>
+      <dgm:ptLst>
+        <dgm:pt modelId="0" type="doc"/>
+        <dgm:pt modelId="1"/>
+        <dgm:pt modelId="11"/>
+        <dgm:pt modelId="2"/>
+        <dgm:pt modelId="21"/>
+      </dgm:ptLst>
+      <dgm:cxnLst>
+        <dgm:cxn modelId="4" srcId="0" destId="1" srcOrd="0" destOrd="0"/>
+        <dgm:cxn modelId="5" srcId="0" destId="2" srcOrd="1" destOrd="0"/>
+        <dgm:cxn modelId="13" srcId="1" destId="11" srcOrd="0" destOrd="0"/>
+        <dgm:cxn modelId="23" srcId="2" destId="21" srcOrd="0" destOrd="0"/>
+      </dgm:cxnLst>
+      <dgm:bg/>
+      <dgm:whole/>
+    </dgm:dataModel>
+  </dgm:styleData>
+  <dgm:clrData>
+    <dgm:dataModel>
+      <dgm:ptLst>
+        <dgm:pt modelId="0" type="doc"/>
+        <dgm:pt modelId="1"/>
+        <dgm:pt modelId="11"/>
+        <dgm:pt modelId="2"/>
+        <dgm:pt modelId="21"/>
+        <dgm:pt modelId="3"/>
+        <dgm:pt modelId="31"/>
+        <dgm:pt modelId="4"/>
+        <dgm:pt modelId="41"/>
+      </dgm:ptLst>
+      <dgm:cxnLst>
+        <dgm:cxn modelId="5" srcId="0" destId="1" srcOrd="0" destOrd="0"/>
+        <dgm:cxn modelId="6" srcId="0" destId="2" srcOrd="1" destOrd="0"/>
+        <dgm:cxn modelId="7" srcId="0" destId="3" srcOrd="2" destOrd="0"/>
+        <dgm:cxn modelId="8" srcId="0" destId="4" srcOrd="3" destOrd="0"/>
+        <dgm:cxn modelId="13" srcId="1" destId="11" srcOrd="0" destOrd="0"/>
+        <dgm:cxn modelId="23" srcId="2" destId="21" srcOrd="0" destOrd="0"/>
+        <dgm:cxn modelId="33" srcId="3" destId="31" srcOrd="0" destOrd="0"/>
+        <dgm:cxn modelId="43" srcId="4" destId="41" srcOrd="0" destOrd="0"/>
+      </dgm:cxnLst>
+      <dgm:bg/>
+      <dgm:whole/>
+    </dgm:dataModel>
+  </dgm:clrData>
+  <dgm:layoutNode name="Name0">
+    <dgm:varLst>
+      <dgm:animLvl val="lvl"/>
+      <dgm:resizeHandles val="exact"/>
+    </dgm:varLst>
+    <dgm:alg type="lin">
+      <dgm:param type="linDir" val="fromL"/>
+      <dgm:param type="nodeVertAlign" val="t"/>
+    </dgm:alg>
+    <dgm:shape xmlns:r="http://schemas.openxmlformats.org/officeDocument/2006/relationships" r:blip="">
+      <dgm:adjLst/>
+    </dgm:shape>
+    <dgm:presOf/>
+    <dgm:constrLst>
+      <dgm:constr type="h" for="ch" forName="compositeNode" refType="h"/>
+      <dgm:constr type="w" for="ch" forName="compositeNode" refType="w"/>
+      <dgm:constr type="w" for="des" forName="simulatedConn" refType="w" refFor="ch" refForName="compositeNode" fact="0.15"/>
+      <dgm:constr type="h" for="des" forName="simulatedConn" refType="w" refFor="des" refForName="simulatedConn"/>
+      <dgm:constr type="h" for="des" forName="vSp1" refType="w" refFor="ch" refForName="compositeNode" fact="0.8"/>
+      <dgm:constr type="h" for="des" forName="vSp2" refType="w" refFor="ch" refForName="compositeNode" fact="0.07"/>
+      <dgm:constr type="w" for="ch" forName="vProcSp" refType="w" refFor="des" refForName="simulatedConn" op="equ"/>
+      <dgm:constr type="h" for="ch" forName="vProcSp" refType="h" refFor="ch" refForName="compositeNode" op="equ"/>
+      <dgm:constr type="w" for="ch" forName="sibTrans" refType="w" refFor="ch" refForName="compositeNode" fact="0.08"/>
+      <dgm:constr type="primFontSz" for="des" forName="sibTransNodeRect" op="equ"/>
+      <dgm:constr type="primFontSz" for="des" forName="nodeRect" op="equ"/>
+    </dgm:constrLst>
+    <dgm:ruleLst/>
+    <dgm:forEach name="Name4" axis="ch" ptType="node">
+      <dgm:layoutNode name="compositeNode">
+        <dgm:varLst>
+          <dgm:bulletEnabled val="1"/>
+        </dgm:varLst>
+        <dgm:alg type="composite"/>
+        <dgm:constrLst>
+          <dgm:constr type="h" refType="w" op="lte" fact="1.2"/>
+          <dgm:constr type="w" for="ch" forName="bgRect" refType="w"/>
+          <dgm:constr type="h" for="ch" forName="bgRect" refType="h"/>
+          <dgm:constr type="t" for="ch" forName="bgRect"/>
+          <dgm:constr type="l" for="ch" forName="bgRect"/>
+          <dgm:constr type="w" for="ch" forName="sibTransNodeRect" refType="w" refFor="ch" refForName="bgRect"/>
+          <dgm:constr type="h" for="ch" forName="sibTransNodeRect" refType="h" refFor="ch" refForName="bgRect" fact="0.4"/>
+          <dgm:constr type="t" for="ch" forName="sibTransNodeRect"/>
+          <dgm:constr type="l" for="ch" forName="sibTransNodeRect"/>
+          <dgm:constr type="r" for="ch" forName="nodeRect" refType="r" refFor="ch" refForName="bgRect"/>
+          <dgm:constr type="h" for="ch" forName="nodeRect" refType="h" refFor="ch" refForName="bgRect" fact="0.6"/>
+          <dgm:constr type="t" for="ch" forName="nodeRect" refType="b" refFor="ch" refForName="sibTransNodeRect"/>
+          <dgm:constr type="l" for="ch" forName="nodeRect" refType="l" refFor="ch" refForName="bgRect"/>
+        </dgm:constrLst>
+        <dgm:ruleLst>
+          <dgm:rule type="w" for="ch" forName="nodeRect" val="NaN" fact="NaN" max="30"/>
+        </dgm:ruleLst>
+        <dgm:layoutNode name="bgRect" styleLbl="alignNode1">
+          <dgm:alg type="sp"/>
+          <dgm:shape xmlns:r="http://schemas.openxmlformats.org/officeDocument/2006/relationships" type="rect" r:blip="">
+            <dgm:adjLst>
+              <dgm:adj idx="1" val="0.05"/>
+            </dgm:adjLst>
+          </dgm:shape>
+          <dgm:presOf axis="self"/>
+          <dgm:constrLst/>
+          <dgm:ruleLst/>
+        </dgm:layoutNode>
+        <dgm:forEach name="Name19" axis="followSib" ptType="sibTrans" hideLastTrans="0" cnt="1">
+          <dgm:layoutNode name="sibTransNodeRect" styleLbl="alignNode1">
+            <dgm:varLst>
+              <dgm:chMax val="0"/>
+              <dgm:bulletEnabled val="1"/>
+            </dgm:varLst>
+            <dgm:presOf axis="self"/>
+            <dgm:alg type="tx">
+              <dgm:param type="parTxLTRAlign" val="l"/>
+              <dgm:param type="parTxRTLAlign" val="l"/>
+            </dgm:alg>
+            <dgm:shape xmlns:r="http://schemas.openxmlformats.org/officeDocument/2006/relationships" type="rect" r:blip="" hideGeom="1">
+              <dgm:adjLst/>
+            </dgm:shape>
+            <dgm:constrLst>
+              <dgm:constr type="primFontSz" val="66"/>
+              <dgm:constr type="tMarg" val="13"/>
+              <dgm:constr type="lMarg" refType="w" fact="0.28"/>
+              <dgm:constr type="rMarg" refType="w" fact="0.28"/>
+              <dgm:constr type="bMarg" val="13"/>
+            </dgm:constrLst>
+            <dgm:ruleLst>
+              <dgm:rule type="primFontSz" val="14" fact="NaN" max="NaN"/>
+              <dgm:rule type="tMarg" val="13" fact="NaN" max="NaN"/>
+            </dgm:ruleLst>
+          </dgm:layoutNode>
+        </dgm:forEach>
+        <dgm:layoutNode name="nodeRect" styleLbl="alignNode1" moveWith="bgRect">
+          <dgm:varLst>
+            <dgm:bulletEnabled val="1"/>
+          </dgm:varLst>
+          <dgm:alg type="tx">
+            <dgm:param type="parTxLTRAlign" val="l"/>
+            <dgm:param type="parTxRTLAlign" val="r"/>
+            <dgm:param type="txAnchorVert" val="t"/>
+            <dgm:param type="stBulletLvl" val="2"/>
+          </dgm:alg>
+          <dgm:shape xmlns:r="http://schemas.openxmlformats.org/officeDocument/2006/relationships" type="rect" r:blip="" hideGeom="1">
+            <dgm:adjLst/>
+          </dgm:shape>
+          <dgm:presOf axis="desOrSelf" ptType="node"/>
+          <dgm:constrLst>
+            <dgm:constr type="primFontSz" val="26"/>
+            <dgm:constr type="tMarg"/>
+            <dgm:constr type="lMarg" refType="w" fact="0.28"/>
+            <dgm:constr type="rMarg" refType="w" fact="0.28"/>
+            <dgm:constr type="bMarg" val="26"/>
+          </dgm:constrLst>
+          <dgm:ruleLst>
+            <dgm:rule type="primFontSz" val="11" fact="NaN" max="NaN"/>
+          </dgm:ruleLst>
+        </dgm:layoutNode>
+      </dgm:layoutNode>
+      <dgm:forEach name="Name14" axis="followSib" ptType="sibTrans" cnt="1">
+        <dgm:layoutNode name="sibTrans">
+          <dgm:alg type="sp"/>
+          <dgm:shape xmlns:r="http://schemas.openxmlformats.org/officeDocument/2006/relationships" r:blip="">
+            <dgm:adjLst/>
+          </dgm:shape>
+          <dgm:presOf/>
+          <dgm:constrLst/>
+          <dgm:ruleLst/>
+        </dgm:layoutNode>
+      </dgm:forEach>
+    </dgm:forEach>
+  </dgm:layoutNode>
+  <dgm:extLst>
+    <a:ext uri="{4F341089-5ED1-44EC-B178-C955D00A3D55}">
+      <dgm1611:autoBuNodeInfoLst xmlns:dgm1611="http://schemas.microsoft.com/office/drawing/2016/11/diagram">
+        <dgm1611:autoBuNodeInfo lvl="1" ptType="sibTrans">
+          <dgm1611:buPr prefix="" leadZeros="1">
+            <a:buAutoNum type="arabicParenBoth"/>
+          </dgm1611:buPr>
+        </dgm1611:autoBuNodeInfo>
+      </dgm1611:autoBuNodeInfoLst>
+    </a:ext>
+  </dgm:extLst>
+</dgm:layoutDef>
+</file>
+
 <file path=ppt/diagrams/quickStyle1.xml><?xml version="1.0" encoding="utf-8"?>
 <dgm:styleDef xmlns:dgm="http://schemas.openxmlformats.org/drawingml/2006/diagram" xmlns:a="http://schemas.openxmlformats.org/drawingml/2006/main" uniqueId="urn:microsoft.com/office/officeart/2005/8/quickstyle/simple4">
   <dgm:title val=""/>
@@ -3424,6 +6031,1040 @@
         <a:scrgbClr r="0" g="0" b="0"/>
       </a:fillRef>
       <a:effectRef idx="2">
+        <a:scrgbClr r="0" g="0" b="0"/>
+      </a:effectRef>
+      <a:fontRef idx="minor"/>
+    </dgm:style>
+  </dgm:styleLbl>
+  <dgm:styleLbl name="revTx">
+    <dgm:scene3d>
+      <a:camera prst="orthographicFront"/>
+      <a:lightRig rig="threePt" dir="t"/>
+    </dgm:scene3d>
+    <dgm:sp3d/>
+    <dgm:txPr/>
+    <dgm:style>
+      <a:lnRef idx="0">
+        <a:scrgbClr r="0" g="0" b="0"/>
+      </a:lnRef>
+      <a:fillRef idx="0">
+        <a:scrgbClr r="0" g="0" b="0"/>
+      </a:fillRef>
+      <a:effectRef idx="0">
+        <a:scrgbClr r="0" g="0" b="0"/>
+      </a:effectRef>
+      <a:fontRef idx="minor"/>
+    </dgm:style>
+  </dgm:styleLbl>
+</dgm:styleDef>
+</file>
+
+<file path=ppt/diagrams/quickStyle2.xml><?xml version="1.0" encoding="utf-8"?>
+<dgm:styleDef xmlns:dgm="http://schemas.openxmlformats.org/drawingml/2006/diagram" xmlns:a="http://schemas.openxmlformats.org/drawingml/2006/main" uniqueId="urn:microsoft.com/office/officeart/2005/8/quickstyle/simple1">
+  <dgm:title val=""/>
+  <dgm:desc val=""/>
+  <dgm:catLst>
+    <dgm:cat type="simple" pri="10100"/>
+  </dgm:catLst>
+  <dgm:scene3d>
+    <a:camera prst="orthographicFront"/>
+    <a:lightRig rig="threePt" dir="t"/>
+  </dgm:scene3d>
+  <dgm:styleLbl name="node0">
+    <dgm:scene3d>
+      <a:camera prst="orthographicFront"/>
+      <a:lightRig rig="threePt" dir="t"/>
+    </dgm:scene3d>
+    <dgm:sp3d/>
+    <dgm:txPr/>
+    <dgm:style>
+      <a:lnRef idx="2">
+        <a:scrgbClr r="0" g="0" b="0"/>
+      </a:lnRef>
+      <a:fillRef idx="1">
+        <a:scrgbClr r="0" g="0" b="0"/>
+      </a:fillRef>
+      <a:effectRef idx="0">
+        <a:scrgbClr r="0" g="0" b="0"/>
+      </a:effectRef>
+      <a:fontRef idx="minor">
+        <a:schemeClr val="lt1"/>
+      </a:fontRef>
+    </dgm:style>
+  </dgm:styleLbl>
+  <dgm:styleLbl name="lnNode1">
+    <dgm:scene3d>
+      <a:camera prst="orthographicFront"/>
+      <a:lightRig rig="threePt" dir="t"/>
+    </dgm:scene3d>
+    <dgm:sp3d/>
+    <dgm:txPr/>
+    <dgm:style>
+      <a:lnRef idx="2">
+        <a:scrgbClr r="0" g="0" b="0"/>
+      </a:lnRef>
+      <a:fillRef idx="1">
+        <a:scrgbClr r="0" g="0" b="0"/>
+      </a:fillRef>
+      <a:effectRef idx="0">
+        <a:scrgbClr r="0" g="0" b="0"/>
+      </a:effectRef>
+      <a:fontRef idx="minor">
+        <a:schemeClr val="lt1"/>
+      </a:fontRef>
+    </dgm:style>
+  </dgm:styleLbl>
+  <dgm:styleLbl name="vennNode1">
+    <dgm:scene3d>
+      <a:camera prst="orthographicFront"/>
+      <a:lightRig rig="threePt" dir="t"/>
+    </dgm:scene3d>
+    <dgm:sp3d/>
+    <dgm:txPr/>
+    <dgm:style>
+      <a:lnRef idx="2">
+        <a:scrgbClr r="0" g="0" b="0"/>
+      </a:lnRef>
+      <a:fillRef idx="1">
+        <a:scrgbClr r="0" g="0" b="0"/>
+      </a:fillRef>
+      <a:effectRef idx="0">
+        <a:scrgbClr r="0" g="0" b="0"/>
+      </a:effectRef>
+      <a:fontRef idx="minor">
+        <a:schemeClr val="tx1"/>
+      </a:fontRef>
+    </dgm:style>
+  </dgm:styleLbl>
+  <dgm:styleLbl name="alignNode1">
+    <dgm:scene3d>
+      <a:camera prst="orthographicFront"/>
+      <a:lightRig rig="threePt" dir="t"/>
+    </dgm:scene3d>
+    <dgm:sp3d/>
+    <dgm:txPr/>
+    <dgm:style>
+      <a:lnRef idx="2">
+        <a:scrgbClr r="0" g="0" b="0"/>
+      </a:lnRef>
+      <a:fillRef idx="1">
+        <a:scrgbClr r="0" g="0" b="0"/>
+      </a:fillRef>
+      <a:effectRef idx="0">
+        <a:scrgbClr r="0" g="0" b="0"/>
+      </a:effectRef>
+      <a:fontRef idx="minor">
+        <a:schemeClr val="lt1"/>
+      </a:fontRef>
+    </dgm:style>
+  </dgm:styleLbl>
+  <dgm:styleLbl name="node1">
+    <dgm:scene3d>
+      <a:camera prst="orthographicFront"/>
+      <a:lightRig rig="threePt" dir="t"/>
+    </dgm:scene3d>
+    <dgm:sp3d/>
+    <dgm:txPr/>
+    <dgm:style>
+      <a:lnRef idx="2">
+        <a:scrgbClr r="0" g="0" b="0"/>
+      </a:lnRef>
+      <a:fillRef idx="1">
+        <a:scrgbClr r="0" g="0" b="0"/>
+      </a:fillRef>
+      <a:effectRef idx="0">
+        <a:scrgbClr r="0" g="0" b="0"/>
+      </a:effectRef>
+      <a:fontRef idx="minor">
+        <a:schemeClr val="lt1"/>
+      </a:fontRef>
+    </dgm:style>
+  </dgm:styleLbl>
+  <dgm:styleLbl name="node2">
+    <dgm:scene3d>
+      <a:camera prst="orthographicFront"/>
+      <a:lightRig rig="threePt" dir="t"/>
+    </dgm:scene3d>
+    <dgm:sp3d/>
+    <dgm:txPr/>
+    <dgm:style>
+      <a:lnRef idx="2">
+        <a:scrgbClr r="0" g="0" b="0"/>
+      </a:lnRef>
+      <a:fillRef idx="1">
+        <a:scrgbClr r="0" g="0" b="0"/>
+      </a:fillRef>
+      <a:effectRef idx="0">
+        <a:scrgbClr r="0" g="0" b="0"/>
+      </a:effectRef>
+      <a:fontRef idx="minor">
+        <a:schemeClr val="lt1"/>
+      </a:fontRef>
+    </dgm:style>
+  </dgm:styleLbl>
+  <dgm:styleLbl name="node3">
+    <dgm:scene3d>
+      <a:camera prst="orthographicFront"/>
+      <a:lightRig rig="threePt" dir="t"/>
+    </dgm:scene3d>
+    <dgm:sp3d/>
+    <dgm:txPr/>
+    <dgm:style>
+      <a:lnRef idx="2">
+        <a:scrgbClr r="0" g="0" b="0"/>
+      </a:lnRef>
+      <a:fillRef idx="1">
+        <a:scrgbClr r="0" g="0" b="0"/>
+      </a:fillRef>
+      <a:effectRef idx="0">
+        <a:scrgbClr r="0" g="0" b="0"/>
+      </a:effectRef>
+      <a:fontRef idx="minor">
+        <a:schemeClr val="lt1"/>
+      </a:fontRef>
+    </dgm:style>
+  </dgm:styleLbl>
+  <dgm:styleLbl name="node4">
+    <dgm:scene3d>
+      <a:camera prst="orthographicFront"/>
+      <a:lightRig rig="threePt" dir="t"/>
+    </dgm:scene3d>
+    <dgm:sp3d/>
+    <dgm:txPr/>
+    <dgm:style>
+      <a:lnRef idx="2">
+        <a:scrgbClr r="0" g="0" b="0"/>
+      </a:lnRef>
+      <a:fillRef idx="1">
+        <a:scrgbClr r="0" g="0" b="0"/>
+      </a:fillRef>
+      <a:effectRef idx="0">
+        <a:scrgbClr r="0" g="0" b="0"/>
+      </a:effectRef>
+      <a:fontRef idx="minor">
+        <a:schemeClr val="lt1"/>
+      </a:fontRef>
+    </dgm:style>
+  </dgm:styleLbl>
+  <dgm:styleLbl name="fgImgPlace1">
+    <dgm:scene3d>
+      <a:camera prst="orthographicFront"/>
+      <a:lightRig rig="threePt" dir="t"/>
+    </dgm:scene3d>
+    <dgm:sp3d/>
+    <dgm:txPr/>
+    <dgm:style>
+      <a:lnRef idx="2">
+        <a:scrgbClr r="0" g="0" b="0"/>
+      </a:lnRef>
+      <a:fillRef idx="1">
+        <a:scrgbClr r="0" g="0" b="0"/>
+      </a:fillRef>
+      <a:effectRef idx="0">
+        <a:scrgbClr r="0" g="0" b="0"/>
+      </a:effectRef>
+      <a:fontRef idx="minor"/>
+    </dgm:style>
+  </dgm:styleLbl>
+  <dgm:styleLbl name="alignImgPlace1">
+    <dgm:scene3d>
+      <a:camera prst="orthographicFront"/>
+      <a:lightRig rig="threePt" dir="t"/>
+    </dgm:scene3d>
+    <dgm:sp3d/>
+    <dgm:txPr/>
+    <dgm:style>
+      <a:lnRef idx="2">
+        <a:scrgbClr r="0" g="0" b="0"/>
+      </a:lnRef>
+      <a:fillRef idx="1">
+        <a:scrgbClr r="0" g="0" b="0"/>
+      </a:fillRef>
+      <a:effectRef idx="0">
+        <a:scrgbClr r="0" g="0" b="0"/>
+      </a:effectRef>
+      <a:fontRef idx="minor"/>
+    </dgm:style>
+  </dgm:styleLbl>
+  <dgm:styleLbl name="bgImgPlace1">
+    <dgm:scene3d>
+      <a:camera prst="orthographicFront"/>
+      <a:lightRig rig="threePt" dir="t"/>
+    </dgm:scene3d>
+    <dgm:sp3d/>
+    <dgm:txPr/>
+    <dgm:style>
+      <a:lnRef idx="2">
+        <a:scrgbClr r="0" g="0" b="0"/>
+      </a:lnRef>
+      <a:fillRef idx="1">
+        <a:scrgbClr r="0" g="0" b="0"/>
+      </a:fillRef>
+      <a:effectRef idx="0">
+        <a:scrgbClr r="0" g="0" b="0"/>
+      </a:effectRef>
+      <a:fontRef idx="minor"/>
+    </dgm:style>
+  </dgm:styleLbl>
+  <dgm:styleLbl name="sibTrans2D1">
+    <dgm:scene3d>
+      <a:camera prst="orthographicFront"/>
+      <a:lightRig rig="threePt" dir="t"/>
+    </dgm:scene3d>
+    <dgm:sp3d/>
+    <dgm:txPr/>
+    <dgm:style>
+      <a:lnRef idx="0">
+        <a:scrgbClr r="0" g="0" b="0"/>
+      </a:lnRef>
+      <a:fillRef idx="1">
+        <a:scrgbClr r="0" g="0" b="0"/>
+      </a:fillRef>
+      <a:effectRef idx="0">
+        <a:scrgbClr r="0" g="0" b="0"/>
+      </a:effectRef>
+      <a:fontRef idx="minor">
+        <a:schemeClr val="lt1"/>
+      </a:fontRef>
+    </dgm:style>
+  </dgm:styleLbl>
+  <dgm:styleLbl name="fgSibTrans2D1">
+    <dgm:scene3d>
+      <a:camera prst="orthographicFront"/>
+      <a:lightRig rig="threePt" dir="t"/>
+    </dgm:scene3d>
+    <dgm:sp3d/>
+    <dgm:txPr/>
+    <dgm:style>
+      <a:lnRef idx="0">
+        <a:scrgbClr r="0" g="0" b="0"/>
+      </a:lnRef>
+      <a:fillRef idx="1">
+        <a:scrgbClr r="0" g="0" b="0"/>
+      </a:fillRef>
+      <a:effectRef idx="0">
+        <a:scrgbClr r="0" g="0" b="0"/>
+      </a:effectRef>
+      <a:fontRef idx="minor">
+        <a:schemeClr val="lt1"/>
+      </a:fontRef>
+    </dgm:style>
+  </dgm:styleLbl>
+  <dgm:styleLbl name="bgSibTrans2D1">
+    <dgm:scene3d>
+      <a:camera prst="orthographicFront"/>
+      <a:lightRig rig="threePt" dir="t"/>
+    </dgm:scene3d>
+    <dgm:sp3d/>
+    <dgm:txPr/>
+    <dgm:style>
+      <a:lnRef idx="0">
+        <a:scrgbClr r="0" g="0" b="0"/>
+      </a:lnRef>
+      <a:fillRef idx="1">
+        <a:scrgbClr r="0" g="0" b="0"/>
+      </a:fillRef>
+      <a:effectRef idx="0">
+        <a:scrgbClr r="0" g="0" b="0"/>
+      </a:effectRef>
+      <a:fontRef idx="minor">
+        <a:schemeClr val="lt1"/>
+      </a:fontRef>
+    </dgm:style>
+  </dgm:styleLbl>
+  <dgm:styleLbl name="sibTrans1D1">
+    <dgm:scene3d>
+      <a:camera prst="orthographicFront"/>
+      <a:lightRig rig="threePt" dir="t"/>
+    </dgm:scene3d>
+    <dgm:sp3d/>
+    <dgm:txPr/>
+    <dgm:style>
+      <a:lnRef idx="1">
+        <a:scrgbClr r="0" g="0" b="0"/>
+      </a:lnRef>
+      <a:fillRef idx="0">
+        <a:scrgbClr r="0" g="0" b="0"/>
+      </a:fillRef>
+      <a:effectRef idx="0">
+        <a:scrgbClr r="0" g="0" b="0"/>
+      </a:effectRef>
+      <a:fontRef idx="minor"/>
+    </dgm:style>
+  </dgm:styleLbl>
+  <dgm:styleLbl name="callout">
+    <dgm:scene3d>
+      <a:camera prst="orthographicFront"/>
+      <a:lightRig rig="threePt" dir="t"/>
+    </dgm:scene3d>
+    <dgm:sp3d/>
+    <dgm:txPr/>
+    <dgm:style>
+      <a:lnRef idx="2">
+        <a:scrgbClr r="0" g="0" b="0"/>
+      </a:lnRef>
+      <a:fillRef idx="1">
+        <a:scrgbClr r="0" g="0" b="0"/>
+      </a:fillRef>
+      <a:effectRef idx="0">
+        <a:scrgbClr r="0" g="0" b="0"/>
+      </a:effectRef>
+      <a:fontRef idx="minor"/>
+    </dgm:style>
+  </dgm:styleLbl>
+  <dgm:styleLbl name="asst0">
+    <dgm:scene3d>
+      <a:camera prst="orthographicFront"/>
+      <a:lightRig rig="threePt" dir="t"/>
+    </dgm:scene3d>
+    <dgm:sp3d/>
+    <dgm:txPr/>
+    <dgm:style>
+      <a:lnRef idx="2">
+        <a:scrgbClr r="0" g="0" b="0"/>
+      </a:lnRef>
+      <a:fillRef idx="1">
+        <a:scrgbClr r="0" g="0" b="0"/>
+      </a:fillRef>
+      <a:effectRef idx="0">
+        <a:scrgbClr r="0" g="0" b="0"/>
+      </a:effectRef>
+      <a:fontRef idx="minor">
+        <a:schemeClr val="lt1"/>
+      </a:fontRef>
+    </dgm:style>
+  </dgm:styleLbl>
+  <dgm:styleLbl name="asst1">
+    <dgm:scene3d>
+      <a:camera prst="orthographicFront"/>
+      <a:lightRig rig="threePt" dir="t"/>
+    </dgm:scene3d>
+    <dgm:sp3d/>
+    <dgm:txPr/>
+    <dgm:style>
+      <a:lnRef idx="2">
+        <a:scrgbClr r="0" g="0" b="0"/>
+      </a:lnRef>
+      <a:fillRef idx="1">
+        <a:scrgbClr r="0" g="0" b="0"/>
+      </a:fillRef>
+      <a:effectRef idx="0">
+        <a:scrgbClr r="0" g="0" b="0"/>
+      </a:effectRef>
+      <a:fontRef idx="minor">
+        <a:schemeClr val="lt1"/>
+      </a:fontRef>
+    </dgm:style>
+  </dgm:styleLbl>
+  <dgm:styleLbl name="asst2">
+    <dgm:scene3d>
+      <a:camera prst="orthographicFront"/>
+      <a:lightRig rig="threePt" dir="t"/>
+    </dgm:scene3d>
+    <dgm:sp3d/>
+    <dgm:txPr/>
+    <dgm:style>
+      <a:lnRef idx="2">
+        <a:scrgbClr r="0" g="0" b="0"/>
+      </a:lnRef>
+      <a:fillRef idx="1">
+        <a:scrgbClr r="0" g="0" b="0"/>
+      </a:fillRef>
+      <a:effectRef idx="0">
+        <a:scrgbClr r="0" g="0" b="0"/>
+      </a:effectRef>
+      <a:fontRef idx="minor">
+        <a:schemeClr val="lt1"/>
+      </a:fontRef>
+    </dgm:style>
+  </dgm:styleLbl>
+  <dgm:styleLbl name="asst3">
+    <dgm:scene3d>
+      <a:camera prst="orthographicFront"/>
+      <a:lightRig rig="threePt" dir="t"/>
+    </dgm:scene3d>
+    <dgm:sp3d/>
+    <dgm:txPr/>
+    <dgm:style>
+      <a:lnRef idx="2">
+        <a:scrgbClr r="0" g="0" b="0"/>
+      </a:lnRef>
+      <a:fillRef idx="1">
+        <a:scrgbClr r="0" g="0" b="0"/>
+      </a:fillRef>
+      <a:effectRef idx="0">
+        <a:scrgbClr r="0" g="0" b="0"/>
+      </a:effectRef>
+      <a:fontRef idx="minor">
+        <a:schemeClr val="lt1"/>
+      </a:fontRef>
+    </dgm:style>
+  </dgm:styleLbl>
+  <dgm:styleLbl name="asst4">
+    <dgm:scene3d>
+      <a:camera prst="orthographicFront"/>
+      <a:lightRig rig="threePt" dir="t"/>
+    </dgm:scene3d>
+    <dgm:sp3d/>
+    <dgm:txPr/>
+    <dgm:style>
+      <a:lnRef idx="2">
+        <a:scrgbClr r="0" g="0" b="0"/>
+      </a:lnRef>
+      <a:fillRef idx="1">
+        <a:scrgbClr r="0" g="0" b="0"/>
+      </a:fillRef>
+      <a:effectRef idx="0">
+        <a:scrgbClr r="0" g="0" b="0"/>
+      </a:effectRef>
+      <a:fontRef idx="minor">
+        <a:schemeClr val="lt1"/>
+      </a:fontRef>
+    </dgm:style>
+  </dgm:styleLbl>
+  <dgm:styleLbl name="parChTrans2D1">
+    <dgm:scene3d>
+      <a:camera prst="orthographicFront"/>
+      <a:lightRig rig="threePt" dir="t"/>
+    </dgm:scene3d>
+    <dgm:sp3d/>
+    <dgm:txPr/>
+    <dgm:style>
+      <a:lnRef idx="2">
+        <a:scrgbClr r="0" g="0" b="0"/>
+      </a:lnRef>
+      <a:fillRef idx="1">
+        <a:scrgbClr r="0" g="0" b="0"/>
+      </a:fillRef>
+      <a:effectRef idx="0">
+        <a:scrgbClr r="0" g="0" b="0"/>
+      </a:effectRef>
+      <a:fontRef idx="minor">
+        <a:schemeClr val="lt1"/>
+      </a:fontRef>
+    </dgm:style>
+  </dgm:styleLbl>
+  <dgm:styleLbl name="parChTrans2D2">
+    <dgm:scene3d>
+      <a:camera prst="orthographicFront"/>
+      <a:lightRig rig="threePt" dir="t"/>
+    </dgm:scene3d>
+    <dgm:sp3d/>
+    <dgm:txPr/>
+    <dgm:style>
+      <a:lnRef idx="2">
+        <a:scrgbClr r="0" g="0" b="0"/>
+      </a:lnRef>
+      <a:fillRef idx="1">
+        <a:scrgbClr r="0" g="0" b="0"/>
+      </a:fillRef>
+      <a:effectRef idx="0">
+        <a:scrgbClr r="0" g="0" b="0"/>
+      </a:effectRef>
+      <a:fontRef idx="minor">
+        <a:schemeClr val="lt1"/>
+      </a:fontRef>
+    </dgm:style>
+  </dgm:styleLbl>
+  <dgm:styleLbl name="parChTrans2D3">
+    <dgm:scene3d>
+      <a:camera prst="orthographicFront"/>
+      <a:lightRig rig="threePt" dir="t"/>
+    </dgm:scene3d>
+    <dgm:sp3d/>
+    <dgm:txPr/>
+    <dgm:style>
+      <a:lnRef idx="2">
+        <a:scrgbClr r="0" g="0" b="0"/>
+      </a:lnRef>
+      <a:fillRef idx="1">
+        <a:scrgbClr r="0" g="0" b="0"/>
+      </a:fillRef>
+      <a:effectRef idx="0">
+        <a:scrgbClr r="0" g="0" b="0"/>
+      </a:effectRef>
+      <a:fontRef idx="minor">
+        <a:schemeClr val="lt1"/>
+      </a:fontRef>
+    </dgm:style>
+  </dgm:styleLbl>
+  <dgm:styleLbl name="parChTrans2D4">
+    <dgm:scene3d>
+      <a:camera prst="orthographicFront"/>
+      <a:lightRig rig="threePt" dir="t"/>
+    </dgm:scene3d>
+    <dgm:sp3d/>
+    <dgm:txPr/>
+    <dgm:style>
+      <a:lnRef idx="2">
+        <a:scrgbClr r="0" g="0" b="0"/>
+      </a:lnRef>
+      <a:fillRef idx="1">
+        <a:scrgbClr r="0" g="0" b="0"/>
+      </a:fillRef>
+      <a:effectRef idx="0">
+        <a:scrgbClr r="0" g="0" b="0"/>
+      </a:effectRef>
+      <a:fontRef idx="minor">
+        <a:schemeClr val="lt1"/>
+      </a:fontRef>
+    </dgm:style>
+  </dgm:styleLbl>
+  <dgm:styleLbl name="parChTrans1D1">
+    <dgm:scene3d>
+      <a:camera prst="orthographicFront"/>
+      <a:lightRig rig="threePt" dir="t"/>
+    </dgm:scene3d>
+    <dgm:sp3d/>
+    <dgm:txPr/>
+    <dgm:style>
+      <a:lnRef idx="2">
+        <a:scrgbClr r="0" g="0" b="0"/>
+      </a:lnRef>
+      <a:fillRef idx="0">
+        <a:scrgbClr r="0" g="0" b="0"/>
+      </a:fillRef>
+      <a:effectRef idx="0">
+        <a:scrgbClr r="0" g="0" b="0"/>
+      </a:effectRef>
+      <a:fontRef idx="minor"/>
+    </dgm:style>
+  </dgm:styleLbl>
+  <dgm:styleLbl name="parChTrans1D2">
+    <dgm:scene3d>
+      <a:camera prst="orthographicFront"/>
+      <a:lightRig rig="threePt" dir="t"/>
+    </dgm:scene3d>
+    <dgm:sp3d/>
+    <dgm:txPr/>
+    <dgm:style>
+      <a:lnRef idx="2">
+        <a:scrgbClr r="0" g="0" b="0"/>
+      </a:lnRef>
+      <a:fillRef idx="0">
+        <a:scrgbClr r="0" g="0" b="0"/>
+      </a:fillRef>
+      <a:effectRef idx="0">
+        <a:scrgbClr r="0" g="0" b="0"/>
+      </a:effectRef>
+      <a:fontRef idx="minor"/>
+    </dgm:style>
+  </dgm:styleLbl>
+  <dgm:styleLbl name="parChTrans1D3">
+    <dgm:scene3d>
+      <a:camera prst="orthographicFront"/>
+      <a:lightRig rig="threePt" dir="t"/>
+    </dgm:scene3d>
+    <dgm:sp3d/>
+    <dgm:txPr/>
+    <dgm:style>
+      <a:lnRef idx="2">
+        <a:scrgbClr r="0" g="0" b="0"/>
+      </a:lnRef>
+      <a:fillRef idx="0">
+        <a:scrgbClr r="0" g="0" b="0"/>
+      </a:fillRef>
+      <a:effectRef idx="0">
+        <a:scrgbClr r="0" g="0" b="0"/>
+      </a:effectRef>
+      <a:fontRef idx="minor"/>
+    </dgm:style>
+  </dgm:styleLbl>
+  <dgm:styleLbl name="parChTrans1D4">
+    <dgm:scene3d>
+      <a:camera prst="orthographicFront"/>
+      <a:lightRig rig="threePt" dir="t"/>
+    </dgm:scene3d>
+    <dgm:sp3d/>
+    <dgm:txPr/>
+    <dgm:style>
+      <a:lnRef idx="2">
+        <a:scrgbClr r="0" g="0" b="0"/>
+      </a:lnRef>
+      <a:fillRef idx="0">
+        <a:scrgbClr r="0" g="0" b="0"/>
+      </a:fillRef>
+      <a:effectRef idx="0">
+        <a:scrgbClr r="0" g="0" b="0"/>
+      </a:effectRef>
+      <a:fontRef idx="minor"/>
+    </dgm:style>
+  </dgm:styleLbl>
+  <dgm:styleLbl name="fgAcc1">
+    <dgm:scene3d>
+      <a:camera prst="orthographicFront"/>
+      <a:lightRig rig="threePt" dir="t"/>
+    </dgm:scene3d>
+    <dgm:sp3d/>
+    <dgm:txPr/>
+    <dgm:style>
+      <a:lnRef idx="2">
+        <a:scrgbClr r="0" g="0" b="0"/>
+      </a:lnRef>
+      <a:fillRef idx="1">
+        <a:scrgbClr r="0" g="0" b="0"/>
+      </a:fillRef>
+      <a:effectRef idx="0">
+        <a:scrgbClr r="0" g="0" b="0"/>
+      </a:effectRef>
+      <a:fontRef idx="minor"/>
+    </dgm:style>
+  </dgm:styleLbl>
+  <dgm:styleLbl name="conFgAcc1">
+    <dgm:scene3d>
+      <a:camera prst="orthographicFront"/>
+      <a:lightRig rig="threePt" dir="t"/>
+    </dgm:scene3d>
+    <dgm:sp3d/>
+    <dgm:txPr/>
+    <dgm:style>
+      <a:lnRef idx="2">
+        <a:scrgbClr r="0" g="0" b="0"/>
+      </a:lnRef>
+      <a:fillRef idx="1">
+        <a:scrgbClr r="0" g="0" b="0"/>
+      </a:fillRef>
+      <a:effectRef idx="0">
+        <a:scrgbClr r="0" g="0" b="0"/>
+      </a:effectRef>
+      <a:fontRef idx="minor"/>
+    </dgm:style>
+  </dgm:styleLbl>
+  <dgm:styleLbl name="alignAcc1">
+    <dgm:scene3d>
+      <a:camera prst="orthographicFront"/>
+      <a:lightRig rig="threePt" dir="t"/>
+    </dgm:scene3d>
+    <dgm:sp3d/>
+    <dgm:txPr/>
+    <dgm:style>
+      <a:lnRef idx="2">
+        <a:scrgbClr r="0" g="0" b="0"/>
+      </a:lnRef>
+      <a:fillRef idx="1">
+        <a:scrgbClr r="0" g="0" b="0"/>
+      </a:fillRef>
+      <a:effectRef idx="0">
+        <a:scrgbClr r="0" g="0" b="0"/>
+      </a:effectRef>
+      <a:fontRef idx="minor"/>
+    </dgm:style>
+  </dgm:styleLbl>
+  <dgm:styleLbl name="trAlignAcc1">
+    <dgm:scene3d>
+      <a:camera prst="orthographicFront"/>
+      <a:lightRig rig="threePt" dir="t"/>
+    </dgm:scene3d>
+    <dgm:sp3d/>
+    <dgm:txPr/>
+    <dgm:style>
+      <a:lnRef idx="1">
+        <a:scrgbClr r="0" g="0" b="0"/>
+      </a:lnRef>
+      <a:fillRef idx="1">
+        <a:scrgbClr r="0" g="0" b="0"/>
+      </a:fillRef>
+      <a:effectRef idx="0">
+        <a:scrgbClr r="0" g="0" b="0"/>
+      </a:effectRef>
+      <a:fontRef idx="minor"/>
+    </dgm:style>
+  </dgm:styleLbl>
+  <dgm:styleLbl name="bgAcc1">
+    <dgm:scene3d>
+      <a:camera prst="orthographicFront"/>
+      <a:lightRig rig="threePt" dir="t"/>
+    </dgm:scene3d>
+    <dgm:sp3d/>
+    <dgm:txPr/>
+    <dgm:style>
+      <a:lnRef idx="2">
+        <a:scrgbClr r="0" g="0" b="0"/>
+      </a:lnRef>
+      <a:fillRef idx="1">
+        <a:scrgbClr r="0" g="0" b="0"/>
+      </a:fillRef>
+      <a:effectRef idx="0">
+        <a:scrgbClr r="0" g="0" b="0"/>
+      </a:effectRef>
+      <a:fontRef idx="minor"/>
+    </dgm:style>
+  </dgm:styleLbl>
+  <dgm:styleLbl name="solidFgAcc1">
+    <dgm:scene3d>
+      <a:camera prst="orthographicFront"/>
+      <a:lightRig rig="threePt" dir="t"/>
+    </dgm:scene3d>
+    <dgm:sp3d/>
+    <dgm:txPr/>
+    <dgm:style>
+      <a:lnRef idx="2">
+        <a:scrgbClr r="0" g="0" b="0"/>
+      </a:lnRef>
+      <a:fillRef idx="1">
+        <a:scrgbClr r="0" g="0" b="0"/>
+      </a:fillRef>
+      <a:effectRef idx="0">
+        <a:scrgbClr r="0" g="0" b="0"/>
+      </a:effectRef>
+      <a:fontRef idx="minor"/>
+    </dgm:style>
+  </dgm:styleLbl>
+  <dgm:styleLbl name="solidAlignAcc1">
+    <dgm:scene3d>
+      <a:camera prst="orthographicFront"/>
+      <a:lightRig rig="threePt" dir="t"/>
+    </dgm:scene3d>
+    <dgm:sp3d/>
+    <dgm:txPr/>
+    <dgm:style>
+      <a:lnRef idx="2">
+        <a:scrgbClr r="0" g="0" b="0"/>
+      </a:lnRef>
+      <a:fillRef idx="1">
+        <a:scrgbClr r="0" g="0" b="0"/>
+      </a:fillRef>
+      <a:effectRef idx="0">
+        <a:scrgbClr r="0" g="0" b="0"/>
+      </a:effectRef>
+      <a:fontRef idx="minor"/>
+    </dgm:style>
+  </dgm:styleLbl>
+  <dgm:styleLbl name="solidBgAcc1">
+    <dgm:scene3d>
+      <a:camera prst="orthographicFront"/>
+      <a:lightRig rig="threePt" dir="t"/>
+    </dgm:scene3d>
+    <dgm:sp3d/>
+    <dgm:txPr/>
+    <dgm:style>
+      <a:lnRef idx="2">
+        <a:scrgbClr r="0" g="0" b="0"/>
+      </a:lnRef>
+      <a:fillRef idx="1">
+        <a:scrgbClr r="0" g="0" b="0"/>
+      </a:fillRef>
+      <a:effectRef idx="0">
+        <a:scrgbClr r="0" g="0" b="0"/>
+      </a:effectRef>
+      <a:fontRef idx="minor"/>
+    </dgm:style>
+  </dgm:styleLbl>
+  <dgm:styleLbl name="fgAccFollowNode1">
+    <dgm:scene3d>
+      <a:camera prst="orthographicFront"/>
+      <a:lightRig rig="threePt" dir="t"/>
+    </dgm:scene3d>
+    <dgm:sp3d/>
+    <dgm:txPr/>
+    <dgm:style>
+      <a:lnRef idx="2">
+        <a:scrgbClr r="0" g="0" b="0"/>
+      </a:lnRef>
+      <a:fillRef idx="1">
+        <a:scrgbClr r="0" g="0" b="0"/>
+      </a:fillRef>
+      <a:effectRef idx="0">
+        <a:scrgbClr r="0" g="0" b="0"/>
+      </a:effectRef>
+      <a:fontRef idx="minor"/>
+    </dgm:style>
+  </dgm:styleLbl>
+  <dgm:styleLbl name="alignAccFollowNode1">
+    <dgm:scene3d>
+      <a:camera prst="orthographicFront"/>
+      <a:lightRig rig="threePt" dir="t"/>
+    </dgm:scene3d>
+    <dgm:sp3d/>
+    <dgm:txPr/>
+    <dgm:style>
+      <a:lnRef idx="2">
+        <a:scrgbClr r="0" g="0" b="0"/>
+      </a:lnRef>
+      <a:fillRef idx="1">
+        <a:scrgbClr r="0" g="0" b="0"/>
+      </a:fillRef>
+      <a:effectRef idx="0">
+        <a:scrgbClr r="0" g="0" b="0"/>
+      </a:effectRef>
+      <a:fontRef idx="minor"/>
+    </dgm:style>
+  </dgm:styleLbl>
+  <dgm:styleLbl name="bgAccFollowNode1">
+    <dgm:scene3d>
+      <a:camera prst="orthographicFront"/>
+      <a:lightRig rig="threePt" dir="t"/>
+    </dgm:scene3d>
+    <dgm:sp3d/>
+    <dgm:txPr/>
+    <dgm:style>
+      <a:lnRef idx="2">
+        <a:scrgbClr r="0" g="0" b="0"/>
+      </a:lnRef>
+      <a:fillRef idx="1">
+        <a:scrgbClr r="0" g="0" b="0"/>
+      </a:fillRef>
+      <a:effectRef idx="0">
+        <a:scrgbClr r="0" g="0" b="0"/>
+      </a:effectRef>
+      <a:fontRef idx="minor"/>
+    </dgm:style>
+  </dgm:styleLbl>
+  <dgm:styleLbl name="fgAcc0">
+    <dgm:scene3d>
+      <a:camera prst="orthographicFront"/>
+      <a:lightRig rig="threePt" dir="t"/>
+    </dgm:scene3d>
+    <dgm:sp3d/>
+    <dgm:txPr/>
+    <dgm:style>
+      <a:lnRef idx="2">
+        <a:scrgbClr r="0" g="0" b="0"/>
+      </a:lnRef>
+      <a:fillRef idx="1">
+        <a:scrgbClr r="0" g="0" b="0"/>
+      </a:fillRef>
+      <a:effectRef idx="0">
+        <a:scrgbClr r="0" g="0" b="0"/>
+      </a:effectRef>
+      <a:fontRef idx="minor"/>
+    </dgm:style>
+  </dgm:styleLbl>
+  <dgm:styleLbl name="fgAcc2">
+    <dgm:scene3d>
+      <a:camera prst="orthographicFront"/>
+      <a:lightRig rig="threePt" dir="t"/>
+    </dgm:scene3d>
+    <dgm:sp3d/>
+    <dgm:txPr/>
+    <dgm:style>
+      <a:lnRef idx="2">
+        <a:scrgbClr r="0" g="0" b="0"/>
+      </a:lnRef>
+      <a:fillRef idx="1">
+        <a:scrgbClr r="0" g="0" b="0"/>
+      </a:fillRef>
+      <a:effectRef idx="0">
+        <a:scrgbClr r="0" g="0" b="0"/>
+      </a:effectRef>
+      <a:fontRef idx="minor"/>
+    </dgm:style>
+  </dgm:styleLbl>
+  <dgm:styleLbl name="fgAcc3">
+    <dgm:scene3d>
+      <a:camera prst="orthographicFront"/>
+      <a:lightRig rig="threePt" dir="t"/>
+    </dgm:scene3d>
+    <dgm:sp3d/>
+    <dgm:txPr/>
+    <dgm:style>
+      <a:lnRef idx="2">
+        <a:scrgbClr r="0" g="0" b="0"/>
+      </a:lnRef>
+      <a:fillRef idx="1">
+        <a:scrgbClr r="0" g="0" b="0"/>
+      </a:fillRef>
+      <a:effectRef idx="0">
+        <a:scrgbClr r="0" g="0" b="0"/>
+      </a:effectRef>
+      <a:fontRef idx="minor"/>
+    </dgm:style>
+  </dgm:styleLbl>
+  <dgm:styleLbl name="fgAcc4">
+    <dgm:scene3d>
+      <a:camera prst="orthographicFront"/>
+      <a:lightRig rig="threePt" dir="t"/>
+    </dgm:scene3d>
+    <dgm:sp3d/>
+    <dgm:txPr/>
+    <dgm:style>
+      <a:lnRef idx="2">
+        <a:scrgbClr r="0" g="0" b="0"/>
+      </a:lnRef>
+      <a:fillRef idx="1">
+        <a:scrgbClr r="0" g="0" b="0"/>
+      </a:fillRef>
+      <a:effectRef idx="0">
+        <a:scrgbClr r="0" g="0" b="0"/>
+      </a:effectRef>
+      <a:fontRef idx="minor"/>
+    </dgm:style>
+  </dgm:styleLbl>
+  <dgm:styleLbl name="bgShp">
+    <dgm:scene3d>
+      <a:camera prst="orthographicFront"/>
+      <a:lightRig rig="threePt" dir="t"/>
+    </dgm:scene3d>
+    <dgm:sp3d/>
+    <dgm:txPr/>
+    <dgm:style>
+      <a:lnRef idx="0">
+        <a:scrgbClr r="0" g="0" b="0"/>
+      </a:lnRef>
+      <a:fillRef idx="1">
+        <a:scrgbClr r="0" g="0" b="0"/>
+      </a:fillRef>
+      <a:effectRef idx="0">
+        <a:scrgbClr r="0" g="0" b="0"/>
+      </a:effectRef>
+      <a:fontRef idx="minor"/>
+    </dgm:style>
+  </dgm:styleLbl>
+  <dgm:styleLbl name="dkBgShp">
+    <dgm:scene3d>
+      <a:camera prst="orthographicFront"/>
+      <a:lightRig rig="threePt" dir="t"/>
+    </dgm:scene3d>
+    <dgm:sp3d/>
+    <dgm:txPr/>
+    <dgm:style>
+      <a:lnRef idx="0">
+        <a:scrgbClr r="0" g="0" b="0"/>
+      </a:lnRef>
+      <a:fillRef idx="1">
+        <a:scrgbClr r="0" g="0" b="0"/>
+      </a:fillRef>
+      <a:effectRef idx="0">
+        <a:scrgbClr r="0" g="0" b="0"/>
+      </a:effectRef>
+      <a:fontRef idx="minor"/>
+    </dgm:style>
+  </dgm:styleLbl>
+  <dgm:styleLbl name="trBgShp">
+    <dgm:scene3d>
+      <a:camera prst="orthographicFront"/>
+      <a:lightRig rig="threePt" dir="t"/>
+    </dgm:scene3d>
+    <dgm:sp3d/>
+    <dgm:txPr/>
+    <dgm:style>
+      <a:lnRef idx="0">
+        <a:scrgbClr r="0" g="0" b="0"/>
+      </a:lnRef>
+      <a:fillRef idx="1">
+        <a:scrgbClr r="0" g="0" b="0"/>
+      </a:fillRef>
+      <a:effectRef idx="0">
+        <a:scrgbClr r="0" g="0" b="0"/>
+      </a:effectRef>
+      <a:fontRef idx="minor"/>
+    </dgm:style>
+  </dgm:styleLbl>
+  <dgm:styleLbl name="fgShp">
+    <dgm:scene3d>
+      <a:camera prst="orthographicFront"/>
+      <a:lightRig rig="threePt" dir="t"/>
+    </dgm:scene3d>
+    <dgm:sp3d/>
+    <dgm:txPr/>
+    <dgm:style>
+      <a:lnRef idx="2">
+        <a:scrgbClr r="0" g="0" b="0"/>
+      </a:lnRef>
+      <a:fillRef idx="1">
+        <a:scrgbClr r="0" g="0" b="0"/>
+      </a:fillRef>
+      <a:effectRef idx="0">
         <a:scrgbClr r="0" g="0" b="0"/>
       </a:effectRef>
       <a:fontRef idx="minor"/>
@@ -7354,7 +10995,7 @@
           <p:cNvPr id="2" name="Título 1">
             <a:extLst>
               <a:ext uri="{FF2B5EF4-FFF2-40B4-BE49-F238E27FC236}">
-                <a16:creationId xmlns:a16="http://schemas.microsoft.com/office/drawing/2014/main" id="{3913D6B7-EBEB-42D8-B0F5-3CCD67D15549}"/>
+                <a16:creationId xmlns:a16="http://schemas.microsoft.com/office/drawing/2014/main" id="{8A8873CB-C2DE-4FE9-A0ED-F08F32770CC0}"/>
               </a:ext>
             </a:extLst>
           </p:cNvPr>
@@ -7367,9 +11008,7 @@
         </p:nvSpPr>
         <p:spPr/>
         <p:txBody>
-          <a:bodyPr>
-            <a:normAutofit fontScale="90000"/>
-          </a:bodyPr>
+          <a:bodyPr/>
           <a:lstStyle/>
           <a:p>
             <a:r>
@@ -7377,20 +11016,14 @@
                 <a:effectLst/>
                 <a:latin typeface="Arial" panose="020B0604020202020204" pitchFamily="34" charset="0"/>
               </a:rPr>
-              <a:t>Modificaci</a:t>
+              <a:t>Configurar </a:t>
             </a:r>
             <a:r>
-              <a:rPr lang="es-ES" dirty="0">
-                <a:latin typeface="Arial" panose="020B0604020202020204" pitchFamily="34" charset="0"/>
-              </a:rPr>
-              <a:t>ó</a:t>
-            </a:r>
-            <a:r>
-              <a:rPr lang="es-ES" b="0" i="0" dirty="0">
+              <a:rPr lang="es-ES" b="0" i="0" dirty="0" err="1">
                 <a:effectLst/>
                 <a:latin typeface="Arial" panose="020B0604020202020204" pitchFamily="34" charset="0"/>
               </a:rPr>
-              <a:t>n modelo</a:t>
+              <a:t>chatbot</a:t>
             </a:r>
             <a:endParaRPr lang="es-ES" dirty="0"/>
           </a:p>
@@ -7398,10 +11031,10 @@
       </p:sp>
       <p:pic>
         <p:nvPicPr>
-          <p:cNvPr id="5" name="Marcador de contenido 4" descr="Una caricatura de una persona&#10;&#10;Descripción generada automáticamente con confianza baja">
+          <p:cNvPr id="5" name="Marcador de contenido 4">
             <a:extLst>
               <a:ext uri="{FF2B5EF4-FFF2-40B4-BE49-F238E27FC236}">
-                <a16:creationId xmlns:a16="http://schemas.microsoft.com/office/drawing/2014/main" id="{C1B75D12-7E8C-47A2-8B41-DB6AEDF8DAFE}"/>
+                <a16:creationId xmlns:a16="http://schemas.microsoft.com/office/drawing/2014/main" id="{1A4E689A-C7F7-48C1-B0BF-C624D2F5B64E}"/>
               </a:ext>
             </a:extLst>
           </p:cNvPr>
@@ -7426,15 +11059,15 @@
         </p:blipFill>
         <p:spPr>
           <a:xfrm>
-            <a:off x="3529834" y="2587625"/>
-            <a:ext cx="5129157" cy="3594100"/>
+            <a:off x="3571240" y="2275388"/>
+            <a:ext cx="5049519" cy="4582612"/>
           </a:xfrm>
         </p:spPr>
       </p:pic>
     </p:spTree>
     <p:extLst>
       <p:ext uri="{BB962C8B-B14F-4D97-AF65-F5344CB8AC3E}">
-        <p14:creationId xmlns:p14="http://schemas.microsoft.com/office/powerpoint/2010/main" val="1598709369"/>
+        <p14:creationId xmlns:p14="http://schemas.microsoft.com/office/powerpoint/2010/main" val="3358298430"/>
       </p:ext>
     </p:extLst>
   </p:cSld>
@@ -7466,7 +11099,7 @@
           <p:cNvPr id="2" name="Título 1">
             <a:extLst>
               <a:ext uri="{FF2B5EF4-FFF2-40B4-BE49-F238E27FC236}">
-                <a16:creationId xmlns:a16="http://schemas.microsoft.com/office/drawing/2014/main" id="{FB11DCCD-4EFB-4374-87D7-4F63F332BB40}"/>
+                <a16:creationId xmlns:a16="http://schemas.microsoft.com/office/drawing/2014/main" id="{3913D6B7-EBEB-42D8-B0F5-3CCD67D15549}"/>
               </a:ext>
             </a:extLst>
           </p:cNvPr>
@@ -7479,22 +11112,41 @@
         </p:nvSpPr>
         <p:spPr/>
         <p:txBody>
-          <a:bodyPr/>
+          <a:bodyPr>
+            <a:normAutofit fontScale="90000"/>
+          </a:bodyPr>
           <a:lstStyle/>
           <a:p>
             <a:r>
-              <a:rPr lang="es-ES" dirty="0"/>
-              <a:t>Vaso de agua</a:t>
+              <a:rPr lang="es-ES" b="0" i="0" dirty="0">
+                <a:effectLst/>
+                <a:latin typeface="Arial" panose="020B0604020202020204" pitchFamily="34" charset="0"/>
+              </a:rPr>
+              <a:t>Modificaci</a:t>
             </a:r>
+            <a:r>
+              <a:rPr lang="es-ES" dirty="0">
+                <a:latin typeface="Arial" panose="020B0604020202020204" pitchFamily="34" charset="0"/>
+              </a:rPr>
+              <a:t>ó</a:t>
+            </a:r>
+            <a:r>
+              <a:rPr lang="es-ES" b="0" i="0" dirty="0">
+                <a:effectLst/>
+                <a:latin typeface="Arial" panose="020B0604020202020204" pitchFamily="34" charset="0"/>
+              </a:rPr>
+              <a:t>n modelo</a:t>
+            </a:r>
+            <a:endParaRPr lang="es-ES" dirty="0"/>
           </a:p>
         </p:txBody>
       </p:sp>
       <p:pic>
         <p:nvPicPr>
-          <p:cNvPr id="5" name="Marcador de contenido 4">
+          <p:cNvPr id="5" name="Marcador de contenido 4" descr="Una caricatura de una persona&#10;&#10;Descripción generada automáticamente con confianza baja">
             <a:extLst>
               <a:ext uri="{FF2B5EF4-FFF2-40B4-BE49-F238E27FC236}">
-                <a16:creationId xmlns:a16="http://schemas.microsoft.com/office/drawing/2014/main" id="{7B7584AB-8764-46D1-BB71-AD59EE976035}"/>
+                <a16:creationId xmlns:a16="http://schemas.microsoft.com/office/drawing/2014/main" id="{C1B75D12-7E8C-47A2-8B41-DB6AEDF8DAFE}"/>
               </a:ext>
             </a:extLst>
           </p:cNvPr>
@@ -7519,51 +11171,15 @@
         </p:blipFill>
         <p:spPr>
           <a:xfrm>
-            <a:off x="7006566" y="2645345"/>
-            <a:ext cx="3576321" cy="3388873"/>
+            <a:off x="3529834" y="2587625"/>
+            <a:ext cx="5129157" cy="3594100"/>
           </a:xfrm>
-        </p:spPr>
-      </p:pic>
-      <p:pic>
-        <p:nvPicPr>
-          <p:cNvPr id="7" name="Imagen 6" descr="Forma&#10;&#10;Descripción generada automáticamente con confianza baja">
-            <a:extLst>
-              <a:ext uri="{FF2B5EF4-FFF2-40B4-BE49-F238E27FC236}">
-                <a16:creationId xmlns:a16="http://schemas.microsoft.com/office/drawing/2014/main" id="{3D93D5F7-80C5-4519-8A9A-7343EB7EFB01}"/>
-              </a:ext>
-            </a:extLst>
-          </p:cNvPr>
-          <p:cNvPicPr>
-            <a:picLocks noChangeAspect="1"/>
-          </p:cNvPicPr>
-          <p:nvPr/>
-        </p:nvPicPr>
-        <p:blipFill>
-          <a:blip r:embed="rId3">
-            <a:extLst>
-              <a:ext uri="{28A0092B-C50C-407E-A947-70E740481C1C}">
-                <a14:useLocalDpi xmlns:a14="http://schemas.microsoft.com/office/drawing/2010/main" val="0"/>
-              </a:ext>
-            </a:extLst>
-          </a:blip>
-          <a:stretch>
-            <a:fillRect/>
-          </a:stretch>
-        </p:blipFill>
-        <p:spPr>
-          <a:xfrm>
-            <a:off x="1869439" y="2645345"/>
-            <a:ext cx="3966237" cy="3388873"/>
-          </a:xfrm>
-          <a:prstGeom prst="rect">
-            <a:avLst/>
-          </a:prstGeom>
         </p:spPr>
       </p:pic>
     </p:spTree>
     <p:extLst>
       <p:ext uri="{BB962C8B-B14F-4D97-AF65-F5344CB8AC3E}">
-        <p14:creationId xmlns:p14="http://schemas.microsoft.com/office/powerpoint/2010/main" val="2001111932"/>
+        <p14:creationId xmlns:p14="http://schemas.microsoft.com/office/powerpoint/2010/main" val="1598709369"/>
       </p:ext>
     </p:extLst>
   </p:cSld>
@@ -7595,6 +11211,135 @@
           <p:cNvPr id="2" name="Título 1">
             <a:extLst>
               <a:ext uri="{FF2B5EF4-FFF2-40B4-BE49-F238E27FC236}">
+                <a16:creationId xmlns:a16="http://schemas.microsoft.com/office/drawing/2014/main" id="{FB11DCCD-4EFB-4374-87D7-4F63F332BB40}"/>
+              </a:ext>
+            </a:extLst>
+          </p:cNvPr>
+          <p:cNvSpPr>
+            <a:spLocks noGrp="1"/>
+          </p:cNvSpPr>
+          <p:nvPr>
+            <p:ph type="title"/>
+          </p:nvPr>
+        </p:nvSpPr>
+        <p:spPr/>
+        <p:txBody>
+          <a:bodyPr/>
+          <a:lstStyle/>
+          <a:p>
+            <a:r>
+              <a:rPr lang="es-ES" dirty="0"/>
+              <a:t>Vaso de agua</a:t>
+            </a:r>
+          </a:p>
+        </p:txBody>
+      </p:sp>
+      <p:pic>
+        <p:nvPicPr>
+          <p:cNvPr id="5" name="Marcador de contenido 4">
+            <a:extLst>
+              <a:ext uri="{FF2B5EF4-FFF2-40B4-BE49-F238E27FC236}">
+                <a16:creationId xmlns:a16="http://schemas.microsoft.com/office/drawing/2014/main" id="{7B7584AB-8764-46D1-BB71-AD59EE976035}"/>
+              </a:ext>
+            </a:extLst>
+          </p:cNvPr>
+          <p:cNvPicPr>
+            <a:picLocks noGrp="1" noChangeAspect="1"/>
+          </p:cNvPicPr>
+          <p:nvPr>
+            <p:ph idx="1"/>
+          </p:nvPr>
+        </p:nvPicPr>
+        <p:blipFill>
+          <a:blip r:embed="rId2">
+            <a:extLst>
+              <a:ext uri="{28A0092B-C50C-407E-A947-70E740481C1C}">
+                <a14:useLocalDpi xmlns:a14="http://schemas.microsoft.com/office/drawing/2010/main" val="0"/>
+              </a:ext>
+            </a:extLst>
+          </a:blip>
+          <a:stretch>
+            <a:fillRect/>
+          </a:stretch>
+        </p:blipFill>
+        <p:spPr>
+          <a:xfrm>
+            <a:off x="7006566" y="2645345"/>
+            <a:ext cx="3576321" cy="3388873"/>
+          </a:xfrm>
+        </p:spPr>
+      </p:pic>
+      <p:pic>
+        <p:nvPicPr>
+          <p:cNvPr id="7" name="Imagen 6" descr="Forma&#10;&#10;Descripción generada automáticamente con confianza baja">
+            <a:extLst>
+              <a:ext uri="{FF2B5EF4-FFF2-40B4-BE49-F238E27FC236}">
+                <a16:creationId xmlns:a16="http://schemas.microsoft.com/office/drawing/2014/main" id="{3D93D5F7-80C5-4519-8A9A-7343EB7EFB01}"/>
+              </a:ext>
+            </a:extLst>
+          </p:cNvPr>
+          <p:cNvPicPr>
+            <a:picLocks noChangeAspect="1"/>
+          </p:cNvPicPr>
+          <p:nvPr/>
+        </p:nvPicPr>
+        <p:blipFill>
+          <a:blip r:embed="rId3">
+            <a:extLst>
+              <a:ext uri="{28A0092B-C50C-407E-A947-70E740481C1C}">
+                <a14:useLocalDpi xmlns:a14="http://schemas.microsoft.com/office/drawing/2010/main" val="0"/>
+              </a:ext>
+            </a:extLst>
+          </a:blip>
+          <a:stretch>
+            <a:fillRect/>
+          </a:stretch>
+        </p:blipFill>
+        <p:spPr>
+          <a:xfrm>
+            <a:off x="1869439" y="2645345"/>
+            <a:ext cx="3966237" cy="3388873"/>
+          </a:xfrm>
+          <a:prstGeom prst="rect">
+            <a:avLst/>
+          </a:prstGeom>
+        </p:spPr>
+      </p:pic>
+    </p:spTree>
+    <p:extLst>
+      <p:ext uri="{BB962C8B-B14F-4D97-AF65-F5344CB8AC3E}">
+        <p14:creationId xmlns:p14="http://schemas.microsoft.com/office/powerpoint/2010/main" val="2001111932"/>
+      </p:ext>
+    </p:extLst>
+  </p:cSld>
+  <p:clrMapOvr>
+    <a:masterClrMapping/>
+  </p:clrMapOvr>
+</p:sld>
+</file>
+
+<file path=ppt/slides/slide13.xml><?xml version="1.0" encoding="utf-8"?>
+<p:sld xmlns:a="http://schemas.openxmlformats.org/drawingml/2006/main" xmlns:r="http://schemas.openxmlformats.org/officeDocument/2006/relationships" xmlns:p="http://schemas.openxmlformats.org/presentationml/2006/main">
+  <p:cSld>
+    <p:spTree>
+      <p:nvGrpSpPr>
+        <p:cNvPr id="1" name=""/>
+        <p:cNvGrpSpPr/>
+        <p:nvPr/>
+      </p:nvGrpSpPr>
+      <p:grpSpPr>
+        <a:xfrm>
+          <a:off x="0" y="0"/>
+          <a:ext cx="0" cy="0"/>
+          <a:chOff x="0" y="0"/>
+          <a:chExt cx="0" cy="0"/>
+        </a:xfrm>
+      </p:grpSpPr>
+      <p:sp>
+        <p:nvSpPr>
+          <p:cNvPr id="2" name="Título 1">
+            <a:extLst>
+              <a:ext uri="{FF2B5EF4-FFF2-40B4-BE49-F238E27FC236}">
                 <a16:creationId xmlns:a16="http://schemas.microsoft.com/office/drawing/2014/main" id="{3E9495C9-B933-4C22-A91A-3B04CB4401BB}"/>
               </a:ext>
             </a:extLst>
@@ -7672,7 +11417,7 @@
 </p:sld>
 </file>
 
-<file path=ppt/slides/slide13.xml><?xml version="1.0" encoding="utf-8"?>
+<file path=ppt/slides/slide14.xml><?xml version="1.0" encoding="utf-8"?>
 <p:sld xmlns:a="http://schemas.openxmlformats.org/drawingml/2006/main" xmlns:r="http://schemas.openxmlformats.org/officeDocument/2006/relationships" xmlns:p="http://schemas.openxmlformats.org/presentationml/2006/main">
   <p:cSld>
     <p:bg>
@@ -8000,7 +11745,7 @@
 </p:sld>
 </file>
 
-<file path=ppt/slides/slide14.xml><?xml version="1.0" encoding="utf-8"?>
+<file path=ppt/slides/slide15.xml><?xml version="1.0" encoding="utf-8"?>
 <p:sld xmlns:a="http://schemas.openxmlformats.org/drawingml/2006/main" xmlns:r="http://schemas.openxmlformats.org/officeDocument/2006/relationships" xmlns:p="http://schemas.openxmlformats.org/presentationml/2006/main">
   <p:cSld>
     <p:bg>
@@ -9386,6 +13131,236 @@
       </p:grpSpPr>
       <p:sp>
         <p:nvSpPr>
+          <p:cNvPr id="9" name="Rectangle 8">
+            <a:extLst>
+              <a:ext uri="{FF2B5EF4-FFF2-40B4-BE49-F238E27FC236}">
+                <a16:creationId xmlns:a16="http://schemas.microsoft.com/office/drawing/2014/main" id="{EB6D1D7F-141C-4D8E-BFBA-D95B68E16385}"/>
+              </a:ext>
+              <a:ext uri="{C183D7F6-B498-43B3-948B-1728B52AA6E4}">
+                <adec:decorative xmlns:adec="http://schemas.microsoft.com/office/drawing/2017/decorative" val="1"/>
+              </a:ext>
+            </a:extLst>
+          </p:cNvPr>
+          <p:cNvSpPr>
+            <a:spLocks noGrp="1" noRot="1" noChangeAspect="1" noMove="1" noResize="1" noEditPoints="1" noAdjustHandles="1" noChangeArrowheads="1" noChangeShapeType="1" noTextEdit="1"/>
+          </p:cNvSpPr>
+          <p:nvPr>
+            <p:extLst>
+              <p:ext uri="{386F3935-93C4-4BCD-93E2-E3B085C9AB24}">
+                <p16:designElem xmlns:p16="http://schemas.microsoft.com/office/powerpoint/2015/main" val="1"/>
+              </p:ext>
+            </p:extLst>
+          </p:nvPr>
+        </p:nvSpPr>
+        <p:spPr>
+          <a:xfrm>
+            <a:off x="1524" y="0"/>
+            <a:ext cx="12188952" cy="6858000"/>
+          </a:xfrm>
+          <a:prstGeom prst="rect">
+            <a:avLst/>
+          </a:prstGeom>
+          <a:solidFill>
+            <a:schemeClr val="tx1"/>
+          </a:solidFill>
+          <a:ln>
+            <a:noFill/>
+          </a:ln>
+        </p:spPr>
+        <p:style>
+          <a:lnRef idx="2">
+            <a:schemeClr val="accent1">
+              <a:shade val="50000"/>
+            </a:schemeClr>
+          </a:lnRef>
+          <a:fillRef idx="1">
+            <a:schemeClr val="accent1"/>
+          </a:fillRef>
+          <a:effectRef idx="0">
+            <a:schemeClr val="accent1"/>
+          </a:effectRef>
+          <a:fontRef idx="minor">
+            <a:schemeClr val="lt1"/>
+          </a:fontRef>
+        </p:style>
+        <p:txBody>
+          <a:bodyPr rtlCol="0" anchor="ctr"/>
+          <a:lstStyle/>
+          <a:p>
+            <a:pPr algn="ctr"/>
+            <a:endParaRPr lang="en-US"/>
+          </a:p>
+        </p:txBody>
+      </p:sp>
+      <p:sp>
+        <p:nvSpPr>
+          <p:cNvPr id="2" name="Título 1">
+            <a:extLst>
+              <a:ext uri="{FF2B5EF4-FFF2-40B4-BE49-F238E27FC236}">
+                <a16:creationId xmlns:a16="http://schemas.microsoft.com/office/drawing/2014/main" id="{5E01CFF8-635E-4354-949D-92A2ED5A0A38}"/>
+              </a:ext>
+            </a:extLst>
+          </p:cNvPr>
+          <p:cNvSpPr>
+            <a:spLocks noGrp="1"/>
+          </p:cNvSpPr>
+          <p:nvPr>
+            <p:ph type="title"/>
+          </p:nvPr>
+        </p:nvSpPr>
+        <p:spPr>
+          <a:xfrm>
+            <a:off x="960120" y="317814"/>
+            <a:ext cx="10268712" cy="1700784"/>
+          </a:xfrm>
+        </p:spPr>
+        <p:txBody>
+          <a:bodyPr>
+            <a:normAutofit/>
+          </a:bodyPr>
+          <a:lstStyle/>
+          <a:p>
+            <a:r>
+              <a:rPr lang="es-ES" dirty="0"/>
+              <a:t>Diálogo</a:t>
+            </a:r>
+          </a:p>
+        </p:txBody>
+      </p:sp>
+      <p:sp>
+        <p:nvSpPr>
+          <p:cNvPr id="11" name="Rectangle 10">
+            <a:extLst>
+              <a:ext uri="{FF2B5EF4-FFF2-40B4-BE49-F238E27FC236}">
+                <a16:creationId xmlns:a16="http://schemas.microsoft.com/office/drawing/2014/main" id="{27248369-464E-49D1-91FC-BC34A50A66D2}"/>
+              </a:ext>
+              <a:ext uri="{C183D7F6-B498-43B3-948B-1728B52AA6E4}">
+                <adec:decorative xmlns:adec="http://schemas.microsoft.com/office/drawing/2017/decorative" val="1"/>
+              </a:ext>
+            </a:extLst>
+          </p:cNvPr>
+          <p:cNvSpPr>
+            <a:spLocks noGrp="1" noRot="1" noChangeAspect="1" noMove="1" noResize="1" noEditPoints="1" noAdjustHandles="1" noChangeArrowheads="1" noChangeShapeType="1" noTextEdit="1"/>
+          </p:cNvSpPr>
+          <p:nvPr>
+            <p:extLst>
+              <p:ext uri="{386F3935-93C4-4BCD-93E2-E3B085C9AB24}">
+                <p16:designElem xmlns:p16="http://schemas.microsoft.com/office/powerpoint/2015/main" val="1"/>
+              </p:ext>
+            </p:extLst>
+          </p:nvPr>
+        </p:nvSpPr>
+        <p:spPr>
+          <a:xfrm>
+            <a:off x="1524" y="2264989"/>
+            <a:ext cx="12188952" cy="3952189"/>
+          </a:xfrm>
+          <a:prstGeom prst="rect">
+            <a:avLst/>
+          </a:prstGeom>
+          <a:solidFill>
+            <a:schemeClr val="bg1"/>
+          </a:solidFill>
+          <a:ln>
+            <a:noFill/>
+          </a:ln>
+        </p:spPr>
+        <p:style>
+          <a:lnRef idx="2">
+            <a:schemeClr val="accent1">
+              <a:shade val="50000"/>
+            </a:schemeClr>
+          </a:lnRef>
+          <a:fillRef idx="1">
+            <a:schemeClr val="accent1"/>
+          </a:fillRef>
+          <a:effectRef idx="0">
+            <a:schemeClr val="accent1"/>
+          </a:effectRef>
+          <a:fontRef idx="minor">
+            <a:schemeClr val="lt1"/>
+          </a:fontRef>
+        </p:style>
+        <p:txBody>
+          <a:bodyPr rtlCol="0" anchor="ctr"/>
+          <a:lstStyle/>
+          <a:p>
+            <a:pPr algn="ctr"/>
+            <a:endParaRPr lang="en-US" dirty="0"/>
+          </a:p>
+        </p:txBody>
+      </p:sp>
+      <p:graphicFrame>
+        <p:nvGraphicFramePr>
+          <p:cNvPr id="5" name="Marcador de contenido 2">
+            <a:extLst>
+              <a:ext uri="{FF2B5EF4-FFF2-40B4-BE49-F238E27FC236}">
+                <a16:creationId xmlns:a16="http://schemas.microsoft.com/office/drawing/2014/main" id="{AB530D8B-AF67-4C45-940E-F1ABFE7B4F8A}"/>
+              </a:ext>
+            </a:extLst>
+          </p:cNvPr>
+          <p:cNvGraphicFramePr>
+            <a:graphicFrameLocks noGrp="1"/>
+          </p:cNvGraphicFramePr>
+          <p:nvPr>
+            <p:ph idx="1"/>
+            <p:extLst>
+              <p:ext uri="{D42A27DB-BD31-4B8C-83A1-F6EECF244321}">
+                <p14:modId xmlns:p14="http://schemas.microsoft.com/office/powerpoint/2010/main" val="3883846257"/>
+              </p:ext>
+            </p:extLst>
+          </p:nvPr>
+        </p:nvGraphicFramePr>
+        <p:xfrm>
+          <a:off x="960438" y="2749621"/>
+          <a:ext cx="10267950" cy="2982925"/>
+        </p:xfrm>
+        <a:graphic>
+          <a:graphicData uri="http://schemas.openxmlformats.org/drawingml/2006/diagram">
+            <dgm:relIds xmlns:dgm="http://schemas.openxmlformats.org/drawingml/2006/diagram" xmlns:r="http://schemas.openxmlformats.org/officeDocument/2006/relationships" r:dm="rId2" r:lo="rId3" r:qs="rId4" r:cs="rId5"/>
+          </a:graphicData>
+        </a:graphic>
+      </p:graphicFrame>
+    </p:spTree>
+    <p:extLst>
+      <p:ext uri="{BB962C8B-B14F-4D97-AF65-F5344CB8AC3E}">
+        <p14:creationId xmlns:p14="http://schemas.microsoft.com/office/powerpoint/2010/main" val="3958674321"/>
+      </p:ext>
+    </p:extLst>
+  </p:cSld>
+  <p:clrMapOvr>
+    <a:masterClrMapping/>
+  </p:clrMapOvr>
+</p:sld>
+</file>
+
+<file path=ppt/slides/slide8.xml><?xml version="1.0" encoding="utf-8"?>
+<p:sld xmlns:a="http://schemas.openxmlformats.org/drawingml/2006/main" xmlns:r="http://schemas.openxmlformats.org/officeDocument/2006/relationships" xmlns:p="http://schemas.openxmlformats.org/presentationml/2006/main">
+  <p:cSld>
+    <p:bg>
+      <p:bgPr>
+        <a:solidFill>
+          <a:schemeClr val="bg1"/>
+        </a:solidFill>
+        <a:effectLst/>
+      </p:bgPr>
+    </p:bg>
+    <p:spTree>
+      <p:nvGrpSpPr>
+        <p:cNvPr id="1" name=""/>
+        <p:cNvGrpSpPr/>
+        <p:nvPr/>
+      </p:nvGrpSpPr>
+      <p:grpSpPr>
+        <a:xfrm>
+          <a:off x="0" y="0"/>
+          <a:ext cx="0" cy="0"/>
+          <a:chOff x="0" y="0"/>
+          <a:chExt cx="0" cy="0"/>
+        </a:xfrm>
+      </p:grpSpPr>
+      <p:sp>
+        <p:nvSpPr>
           <p:cNvPr id="15" name="Rectangle 14">
             <a:extLst>
               <a:ext uri="{FF2B5EF4-FFF2-40B4-BE49-F238E27FC236}">
@@ -9667,7 +13642,7 @@
 </p:sld>
 </file>
 
-<file path=ppt/slides/slide8.xml><?xml version="1.0" encoding="utf-8"?>
+<file path=ppt/slides/slide9.xml><?xml version="1.0" encoding="utf-8"?>
 <p:sld xmlns:a="http://schemas.openxmlformats.org/drawingml/2006/main" xmlns:r="http://schemas.openxmlformats.org/officeDocument/2006/relationships" xmlns:p="http://schemas.openxmlformats.org/presentationml/2006/main">
   <p:cSld>
     <p:spTree>
@@ -9822,110 +13797,6 @@
     <p:extLst>
       <p:ext uri="{BB962C8B-B14F-4D97-AF65-F5344CB8AC3E}">
         <p14:creationId xmlns:p14="http://schemas.microsoft.com/office/powerpoint/2010/main" val="3199839649"/>
-      </p:ext>
-    </p:extLst>
-  </p:cSld>
-  <p:clrMapOvr>
-    <a:masterClrMapping/>
-  </p:clrMapOvr>
-</p:sld>
-</file>
-
-<file path=ppt/slides/slide9.xml><?xml version="1.0" encoding="utf-8"?>
-<p:sld xmlns:a="http://schemas.openxmlformats.org/drawingml/2006/main" xmlns:r="http://schemas.openxmlformats.org/officeDocument/2006/relationships" xmlns:p="http://schemas.openxmlformats.org/presentationml/2006/main">
-  <p:cSld>
-    <p:spTree>
-      <p:nvGrpSpPr>
-        <p:cNvPr id="1" name=""/>
-        <p:cNvGrpSpPr/>
-        <p:nvPr/>
-      </p:nvGrpSpPr>
-      <p:grpSpPr>
-        <a:xfrm>
-          <a:off x="0" y="0"/>
-          <a:ext cx="0" cy="0"/>
-          <a:chOff x="0" y="0"/>
-          <a:chExt cx="0" cy="0"/>
-        </a:xfrm>
-      </p:grpSpPr>
-      <p:sp>
-        <p:nvSpPr>
-          <p:cNvPr id="2" name="Título 1">
-            <a:extLst>
-              <a:ext uri="{FF2B5EF4-FFF2-40B4-BE49-F238E27FC236}">
-                <a16:creationId xmlns:a16="http://schemas.microsoft.com/office/drawing/2014/main" id="{8A8873CB-C2DE-4FE9-A0ED-F08F32770CC0}"/>
-              </a:ext>
-            </a:extLst>
-          </p:cNvPr>
-          <p:cNvSpPr>
-            <a:spLocks noGrp="1"/>
-          </p:cNvSpPr>
-          <p:nvPr>
-            <p:ph type="title"/>
-          </p:nvPr>
-        </p:nvSpPr>
-        <p:spPr/>
-        <p:txBody>
-          <a:bodyPr/>
-          <a:lstStyle/>
-          <a:p>
-            <a:r>
-              <a:rPr lang="es-ES" b="0" i="0" dirty="0">
-                <a:effectLst/>
-                <a:latin typeface="Arial" panose="020B0604020202020204" pitchFamily="34" charset="0"/>
-              </a:rPr>
-              <a:t>Configurar </a:t>
-            </a:r>
-            <a:r>
-              <a:rPr lang="es-ES" b="0" i="0" dirty="0" err="1">
-                <a:effectLst/>
-                <a:latin typeface="Arial" panose="020B0604020202020204" pitchFamily="34" charset="0"/>
-              </a:rPr>
-              <a:t>chatbot</a:t>
-            </a:r>
-            <a:endParaRPr lang="es-ES" dirty="0"/>
-          </a:p>
-        </p:txBody>
-      </p:sp>
-      <p:pic>
-        <p:nvPicPr>
-          <p:cNvPr id="5" name="Marcador de contenido 4">
-            <a:extLst>
-              <a:ext uri="{FF2B5EF4-FFF2-40B4-BE49-F238E27FC236}">
-                <a16:creationId xmlns:a16="http://schemas.microsoft.com/office/drawing/2014/main" id="{1A4E689A-C7F7-48C1-B0BF-C624D2F5B64E}"/>
-              </a:ext>
-            </a:extLst>
-          </p:cNvPr>
-          <p:cNvPicPr>
-            <a:picLocks noGrp="1" noChangeAspect="1"/>
-          </p:cNvPicPr>
-          <p:nvPr>
-            <p:ph idx="1"/>
-          </p:nvPr>
-        </p:nvPicPr>
-        <p:blipFill>
-          <a:blip r:embed="rId2">
-            <a:extLst>
-              <a:ext uri="{28A0092B-C50C-407E-A947-70E740481C1C}">
-                <a14:useLocalDpi xmlns:a14="http://schemas.microsoft.com/office/drawing/2010/main" val="0"/>
-              </a:ext>
-            </a:extLst>
-          </a:blip>
-          <a:stretch>
-            <a:fillRect/>
-          </a:stretch>
-        </p:blipFill>
-        <p:spPr>
-          <a:xfrm>
-            <a:off x="3571240" y="2275388"/>
-            <a:ext cx="5049519" cy="4582612"/>
-          </a:xfrm>
-        </p:spPr>
-      </p:pic>
-    </p:spTree>
-    <p:extLst>
-      <p:ext uri="{BB962C8B-B14F-4D97-AF65-F5344CB8AC3E}">
-        <p14:creationId xmlns:p14="http://schemas.microsoft.com/office/powerpoint/2010/main" val="3358298430"/>
       </p:ext>
     </p:extLst>
   </p:cSld>
